--- a/Ebook.pptx
+++ b/Ebook.pptx
@@ -5,19 +5,111 @@
     <p:sldMasterId id="2147483648" r:id="rId1"/>
   </p:sldMasterIdLst>
   <p:sldIdLst>
-    <p:sldId id="256" r:id="rId6"/>
-    <p:sldId id="257" r:id="rId7"/>
-    <p:sldId id="258" r:id="rId8"/>
-    <p:sldId id="259" r:id="rId9"/>
-    <p:sldId id="260" r:id="rId10"/>
+    <p:sldId id="256" r:id="rId3"/>
+    <p:sldId id="257" r:id="rId4"/>
+    <p:sldId id="258" r:id="rId5"/>
+    <p:sldId id="259" r:id="rId6"/>
+    <p:sldId id="260" r:id="rId7"/>
   </p:sldIdLst>
   <p:sldSz cx="7556500" cy="10693400"/>
   <p:notesSz cx="7556500" cy="10693400"/>
+  <p:defaultTextStyle>
+    <a:lvl1pPr marL="0" algn="l" defTabSz="914400" rtl="0" eaLnBrk="1" latinLnBrk="0" hangingPunct="1">
+      <a:defRPr sz="1800" kern="1200">
+        <a:solidFill>
+          <a:schemeClr val="tx1"/>
+        </a:solidFill>
+        <a:latin typeface="+mn-lt"/>
+        <a:ea typeface="+mn-ea"/>
+        <a:cs typeface="+mn-cs"/>
+      </a:defRPr>
+    </a:lvl1pPr>
+    <a:lvl2pPr marL="457200" algn="l" defTabSz="914400" rtl="0" eaLnBrk="1" latinLnBrk="0" hangingPunct="1">
+      <a:defRPr sz="1800" kern="1200">
+        <a:solidFill>
+          <a:schemeClr val="tx1"/>
+        </a:solidFill>
+        <a:latin typeface="+mn-lt"/>
+        <a:ea typeface="+mn-ea"/>
+        <a:cs typeface="+mn-cs"/>
+      </a:defRPr>
+    </a:lvl2pPr>
+    <a:lvl3pPr marL="914400" algn="l" defTabSz="914400" rtl="0" eaLnBrk="1" latinLnBrk="0" hangingPunct="1">
+      <a:defRPr sz="1800" kern="1200">
+        <a:solidFill>
+          <a:schemeClr val="tx1"/>
+        </a:solidFill>
+        <a:latin typeface="+mn-lt"/>
+        <a:ea typeface="+mn-ea"/>
+        <a:cs typeface="+mn-cs"/>
+      </a:defRPr>
+    </a:lvl3pPr>
+    <a:lvl4pPr marL="1371600" algn="l" defTabSz="914400" rtl="0" eaLnBrk="1" latinLnBrk="0" hangingPunct="1">
+      <a:defRPr sz="1800" kern="1200">
+        <a:solidFill>
+          <a:schemeClr val="tx1"/>
+        </a:solidFill>
+        <a:latin typeface="+mn-lt"/>
+        <a:ea typeface="+mn-ea"/>
+        <a:cs typeface="+mn-cs"/>
+      </a:defRPr>
+    </a:lvl4pPr>
+    <a:lvl5pPr marL="1828800" algn="l" defTabSz="914400" rtl="0" eaLnBrk="1" latinLnBrk="0" hangingPunct="1">
+      <a:defRPr sz="1800" kern="1200">
+        <a:solidFill>
+          <a:schemeClr val="tx1"/>
+        </a:solidFill>
+        <a:latin typeface="+mn-lt"/>
+        <a:ea typeface="+mn-ea"/>
+        <a:cs typeface="+mn-cs"/>
+      </a:defRPr>
+    </a:lvl5pPr>
+    <a:lvl6pPr marL="2286000" algn="l" defTabSz="914400" rtl="0" eaLnBrk="1" latinLnBrk="0" hangingPunct="1">
+      <a:defRPr sz="1800" kern="1200">
+        <a:solidFill>
+          <a:schemeClr val="tx1"/>
+        </a:solidFill>
+        <a:latin typeface="+mn-lt"/>
+        <a:ea typeface="+mn-ea"/>
+        <a:cs typeface="+mn-cs"/>
+      </a:defRPr>
+    </a:lvl6pPr>
+    <a:lvl7pPr marL="2743200" algn="l" defTabSz="914400" rtl="0" eaLnBrk="1" latinLnBrk="0" hangingPunct="1">
+      <a:defRPr sz="1800" kern="1200">
+        <a:solidFill>
+          <a:schemeClr val="tx1"/>
+        </a:solidFill>
+        <a:latin typeface="+mn-lt"/>
+        <a:ea typeface="+mn-ea"/>
+        <a:cs typeface="+mn-cs"/>
+      </a:defRPr>
+    </a:lvl7pPr>
+    <a:lvl8pPr marL="3200400" algn="l" defTabSz="914400" rtl="0" eaLnBrk="1" latinLnBrk="0" hangingPunct="1">
+      <a:defRPr sz="1800" kern="1200">
+        <a:solidFill>
+          <a:schemeClr val="tx1"/>
+        </a:solidFill>
+        <a:latin typeface="+mn-lt"/>
+        <a:ea typeface="+mn-ea"/>
+        <a:cs typeface="+mn-cs"/>
+      </a:defRPr>
+    </a:lvl8pPr>
+    <a:lvl9pPr marL="3657600" algn="l" defTabSz="914400" rtl="0" eaLnBrk="1" latinLnBrk="0" hangingPunct="1">
+      <a:defRPr sz="1800" kern="1200">
+        <a:solidFill>
+          <a:schemeClr val="tx1"/>
+        </a:solidFill>
+        <a:latin typeface="+mn-lt"/>
+        <a:ea typeface="+mn-ea"/>
+        <a:cs typeface="+mn-cs"/>
+      </a:defRPr>
+    </a:lvl9pPr>
+  </p:defaultTextStyle>
 </p:presentation>
 </file>
 
 <file path=ppt/slideLayouts/slideLayout1.xml><?xml version="1.0" encoding="utf-8"?>
-<p:sldLayout xmlns:a="http://schemas.openxmlformats.org/drawingml/2006/main" xmlns:r="http://schemas.openxmlformats.org/officeDocument/2006/relationships" xmlns:p="http://schemas.openxmlformats.org/presentationml/2006/main" preserve="1" type="obj">
+<p:sldLayout xmlns:a="http://schemas.openxmlformats.org/drawingml/2006/main" xmlns:r="http://schemas.openxmlformats.org/officeDocument/2006/relationships" xmlns:p="http://schemas.openxmlformats.org/presentationml/2006/main" type="obj" preserve="1">
   <p:cSld name="Title Slide">
     <p:spTree>
       <p:nvGrpSpPr>
@@ -102,7 +194,7 @@
             <a:spLocks noGrp="1"/>
           </p:cNvSpPr>
           <p:nvPr>
-            <p:ph type="ftr" idx="5" sz="quarter"/>
+            <p:ph type="ftr" sz="quarter" idx="5"/>
           </p:nvPr>
         </p:nvSpPr>
         <p:spPr/>
@@ -129,7 +221,7 @@
             <a:spLocks noGrp="1"/>
           </p:cNvSpPr>
           <p:nvPr>
-            <p:ph type="dt" idx="6" sz="half"/>
+            <p:ph type="dt" sz="half" idx="6"/>
           </p:nvPr>
         </p:nvSpPr>
         <p:spPr/>
@@ -150,6 +242,7 @@
             <a:fld id="{1D8BD707-D9CF-40AE-B4C6-C98DA3205C09}" type="datetimeFigureOut">
               <a:rPr lang="en-US"/>
             </a:fld>
+            <a:endParaRPr lang="en-US"/>
           </a:p>
         </p:txBody>
       </p:sp>
@@ -160,7 +253,7 @@
             <a:spLocks noGrp="1"/>
           </p:cNvSpPr>
           <p:nvPr>
-            <p:ph type="sldNum" idx="7" sz="quarter"/>
+            <p:ph type="sldNum" sz="quarter" idx="7"/>
           </p:nvPr>
         </p:nvSpPr>
         <p:spPr/>
@@ -179,8 +272,9 @@
           </a:lstStyle>
           <a:p>
             <a:fld id="{B6F15528-21DE-4FAA-801E-634DDDAF4B2B}" type="slidenum">
-              <a:t>#</a:t>
+              <a:rPr/>
             </a:fld>
+            <a:endParaRPr/>
           </a:p>
         </p:txBody>
       </p:sp>
@@ -193,7 +287,7 @@
 </file>
 
 <file path=ppt/slideLayouts/slideLayout2.xml><?xml version="1.0" encoding="utf-8"?>
-<p:sldLayout xmlns:a="http://schemas.openxmlformats.org/drawingml/2006/main" xmlns:r="http://schemas.openxmlformats.org/officeDocument/2006/relationships" xmlns:p="http://schemas.openxmlformats.org/presentationml/2006/main" preserve="1" type="obj">
+<p:sldLayout xmlns:a="http://schemas.openxmlformats.org/drawingml/2006/main" xmlns:r="http://schemas.openxmlformats.org/officeDocument/2006/relationships" xmlns:p="http://schemas.openxmlformats.org/presentationml/2006/main" type="obj" preserve="1">
   <p:cSld name="Title and Content">
     <p:spTree>
       <p:nvGrpSpPr>
@@ -228,8 +322,8 @@
                 <a:solidFill>
                   <a:srgbClr val="1F487C"/>
                 </a:solidFill>
-                <a:latin typeface="Verdana"/>
-                <a:cs typeface="Verdana"/>
+                <a:latin typeface="Verdana" panose="020B0604030504040204"/>
+                <a:cs typeface="Verdana" panose="020B0604030504040204"/>
               </a:defRPr>
             </a:lvl1pPr>
           </a:lstStyle>
@@ -264,7 +358,7 @@
             <a:spLocks noGrp="1"/>
           </p:cNvSpPr>
           <p:nvPr>
-            <p:ph type="ftr" idx="5" sz="quarter"/>
+            <p:ph type="ftr" sz="quarter" idx="5"/>
           </p:nvPr>
         </p:nvSpPr>
         <p:spPr/>
@@ -291,7 +385,7 @@
             <a:spLocks noGrp="1"/>
           </p:cNvSpPr>
           <p:nvPr>
-            <p:ph type="dt" idx="6" sz="half"/>
+            <p:ph type="dt" sz="half" idx="6"/>
           </p:nvPr>
         </p:nvSpPr>
         <p:spPr/>
@@ -312,6 +406,7 @@
             <a:fld id="{1D8BD707-D9CF-40AE-B4C6-C98DA3205C09}" type="datetimeFigureOut">
               <a:rPr lang="en-US"/>
             </a:fld>
+            <a:endParaRPr lang="en-US"/>
           </a:p>
         </p:txBody>
       </p:sp>
@@ -322,7 +417,7 @@
             <a:spLocks noGrp="1"/>
           </p:cNvSpPr>
           <p:nvPr>
-            <p:ph type="sldNum" idx="7" sz="quarter"/>
+            <p:ph type="sldNum" sz="quarter" idx="7"/>
           </p:nvPr>
         </p:nvSpPr>
         <p:spPr/>
@@ -341,8 +436,9 @@
           </a:lstStyle>
           <a:p>
             <a:fld id="{B6F15528-21DE-4FAA-801E-634DDDAF4B2B}" type="slidenum">
-              <a:t>#</a:t>
+              <a:rPr/>
             </a:fld>
+            <a:endParaRPr/>
           </a:p>
         </p:txBody>
       </p:sp>
@@ -355,7 +451,7 @@
 </file>
 
 <file path=ppt/slideLayouts/slideLayout3.xml><?xml version="1.0" encoding="utf-8"?>
-<p:sldLayout xmlns:a="http://schemas.openxmlformats.org/drawingml/2006/main" xmlns:r="http://schemas.openxmlformats.org/officeDocument/2006/relationships" xmlns:p="http://schemas.openxmlformats.org/presentationml/2006/main" preserve="1" type="obj">
+<p:sldLayout xmlns:a="http://schemas.openxmlformats.org/drawingml/2006/main" xmlns:r="http://schemas.openxmlformats.org/officeDocument/2006/relationships" xmlns:p="http://schemas.openxmlformats.org/presentationml/2006/main" type="obj" preserve="1">
   <p:cSld name="Two Content">
     <p:spTree>
       <p:nvGrpSpPr>
@@ -390,8 +486,8 @@
                 <a:solidFill>
                   <a:srgbClr val="1F487C"/>
                 </a:solidFill>
-                <a:latin typeface="Verdana"/>
-                <a:cs typeface="Verdana"/>
+                <a:latin typeface="Verdana" panose="020B0604030504040204"/>
+                <a:cs typeface="Verdana" panose="020B0604030504040204"/>
               </a:defRPr>
             </a:lvl1pPr>
           </a:lstStyle>
@@ -405,7 +501,7 @@
             <a:spLocks noGrp="1"/>
           </p:cNvSpPr>
           <p:nvPr>
-            <p:ph idx="2" sz="half"/>
+            <p:ph sz="half" idx="2"/>
           </p:nvPr>
         </p:nvSpPr>
         <p:spPr>
@@ -436,7 +532,7 @@
             <a:spLocks noGrp="1"/>
           </p:cNvSpPr>
           <p:nvPr>
-            <p:ph idx="3" sz="half"/>
+            <p:ph sz="half" idx="3"/>
           </p:nvPr>
         </p:nvSpPr>
         <p:spPr>
@@ -467,7 +563,7 @@
             <a:spLocks noGrp="1"/>
           </p:cNvSpPr>
           <p:nvPr>
-            <p:ph type="ftr" idx="5" sz="quarter"/>
+            <p:ph type="ftr" sz="quarter" idx="5"/>
           </p:nvPr>
         </p:nvSpPr>
         <p:spPr/>
@@ -494,7 +590,7 @@
             <a:spLocks noGrp="1"/>
           </p:cNvSpPr>
           <p:nvPr>
-            <p:ph type="dt" idx="6" sz="half"/>
+            <p:ph type="dt" sz="half" idx="6"/>
           </p:nvPr>
         </p:nvSpPr>
         <p:spPr/>
@@ -515,6 +611,7 @@
             <a:fld id="{1D8BD707-D9CF-40AE-B4C6-C98DA3205C09}" type="datetimeFigureOut">
               <a:rPr lang="en-US"/>
             </a:fld>
+            <a:endParaRPr lang="en-US"/>
           </a:p>
         </p:txBody>
       </p:sp>
@@ -525,7 +622,7 @@
             <a:spLocks noGrp="1"/>
           </p:cNvSpPr>
           <p:nvPr>
-            <p:ph type="sldNum" idx="7" sz="quarter"/>
+            <p:ph type="sldNum" sz="quarter" idx="7"/>
           </p:nvPr>
         </p:nvSpPr>
         <p:spPr/>
@@ -544,8 +641,9 @@
           </a:lstStyle>
           <a:p>
             <a:fld id="{B6F15528-21DE-4FAA-801E-634DDDAF4B2B}" type="slidenum">
-              <a:t>#</a:t>
+              <a:rPr/>
             </a:fld>
+            <a:endParaRPr/>
           </a:p>
         </p:txBody>
       </p:sp>
@@ -558,7 +656,7 @@
 </file>
 
 <file path=ppt/slideLayouts/slideLayout4.xml><?xml version="1.0" encoding="utf-8"?>
-<p:sldLayout xmlns:a="http://schemas.openxmlformats.org/drawingml/2006/main" xmlns:r="http://schemas.openxmlformats.org/officeDocument/2006/relationships" xmlns:p="http://schemas.openxmlformats.org/presentationml/2006/main" preserve="1" type="obj">
+<p:sldLayout xmlns:a="http://schemas.openxmlformats.org/drawingml/2006/main" xmlns:r="http://schemas.openxmlformats.org/officeDocument/2006/relationships" xmlns:p="http://schemas.openxmlformats.org/presentationml/2006/main" type="obj" preserve="1">
   <p:cSld name="Title Only">
     <p:spTree>
       <p:nvGrpSpPr>
@@ -593,8 +691,8 @@
                 <a:solidFill>
                   <a:srgbClr val="1F487C"/>
                 </a:solidFill>
-                <a:latin typeface="Verdana"/>
-                <a:cs typeface="Verdana"/>
+                <a:latin typeface="Verdana" panose="020B0604030504040204"/>
+                <a:cs typeface="Verdana" panose="020B0604030504040204"/>
               </a:defRPr>
             </a:lvl1pPr>
           </a:lstStyle>
@@ -608,7 +706,7 @@
             <a:spLocks noGrp="1"/>
           </p:cNvSpPr>
           <p:nvPr>
-            <p:ph type="ftr" idx="5" sz="quarter"/>
+            <p:ph type="ftr" sz="quarter" idx="5"/>
           </p:nvPr>
         </p:nvSpPr>
         <p:spPr/>
@@ -635,7 +733,7 @@
             <a:spLocks noGrp="1"/>
           </p:cNvSpPr>
           <p:nvPr>
-            <p:ph type="dt" idx="6" sz="half"/>
+            <p:ph type="dt" sz="half" idx="6"/>
           </p:nvPr>
         </p:nvSpPr>
         <p:spPr/>
@@ -656,6 +754,7 @@
             <a:fld id="{1D8BD707-D9CF-40AE-B4C6-C98DA3205C09}" type="datetimeFigureOut">
               <a:rPr lang="en-US"/>
             </a:fld>
+            <a:endParaRPr lang="en-US"/>
           </a:p>
         </p:txBody>
       </p:sp>
@@ -666,7 +765,7 @@
             <a:spLocks noGrp="1"/>
           </p:cNvSpPr>
           <p:nvPr>
-            <p:ph type="sldNum" idx="7" sz="quarter"/>
+            <p:ph type="sldNum" sz="quarter" idx="7"/>
           </p:nvPr>
         </p:nvSpPr>
         <p:spPr/>
@@ -685,8 +784,9 @@
           </a:lstStyle>
           <a:p>
             <a:fld id="{B6F15528-21DE-4FAA-801E-634DDDAF4B2B}" type="slidenum">
-              <a:t>#</a:t>
+              <a:rPr/>
             </a:fld>
+            <a:endParaRPr/>
           </a:p>
         </p:txBody>
       </p:sp>
@@ -699,7 +799,7 @@
 </file>
 
 <file path=ppt/slideLayouts/slideLayout5.xml><?xml version="1.0" encoding="utf-8"?>
-<p:sldLayout xmlns:a="http://schemas.openxmlformats.org/drawingml/2006/main" xmlns:r="http://schemas.openxmlformats.org/officeDocument/2006/relationships" xmlns:p="http://schemas.openxmlformats.org/presentationml/2006/main" preserve="1" type="obj">
+<p:sldLayout xmlns:a="http://schemas.openxmlformats.org/drawingml/2006/main" xmlns:r="http://schemas.openxmlformats.org/officeDocument/2006/relationships" xmlns:p="http://schemas.openxmlformats.org/presentationml/2006/main" type="obj" preserve="1">
   <p:cSld name="Blank">
     <p:spTree>
       <p:nvGrpSpPr>
@@ -722,7 +822,7 @@
             <a:spLocks noGrp="1"/>
           </p:cNvSpPr>
           <p:nvPr>
-            <p:ph type="ftr" idx="5" sz="quarter"/>
+            <p:ph type="ftr" sz="quarter" idx="5"/>
           </p:nvPr>
         </p:nvSpPr>
         <p:spPr/>
@@ -749,7 +849,7 @@
             <a:spLocks noGrp="1"/>
           </p:cNvSpPr>
           <p:nvPr>
-            <p:ph type="dt" idx="6" sz="half"/>
+            <p:ph type="dt" sz="half" idx="6"/>
           </p:nvPr>
         </p:nvSpPr>
         <p:spPr/>
@@ -770,6 +870,7 @@
             <a:fld id="{1D8BD707-D9CF-40AE-B4C6-C98DA3205C09}" type="datetimeFigureOut">
               <a:rPr lang="en-US"/>
             </a:fld>
+            <a:endParaRPr lang="en-US"/>
           </a:p>
         </p:txBody>
       </p:sp>
@@ -780,7 +881,7 @@
             <a:spLocks noGrp="1"/>
           </p:cNvSpPr>
           <p:nvPr>
-            <p:ph type="sldNum" idx="7" sz="quarter"/>
+            <p:ph type="sldNum" sz="quarter" idx="7"/>
           </p:nvPr>
         </p:nvSpPr>
         <p:spPr/>
@@ -799,8 +900,9 @@
           </a:lstStyle>
           <a:p>
             <a:fld id="{B6F15528-21DE-4FAA-801E-634DDDAF4B2B}" type="slidenum">
-              <a:t>#</a:t>
+              <a:rPr/>
             </a:fld>
+            <a:endParaRPr/>
           </a:p>
         </p:txBody>
       </p:sp>
@@ -852,7 +954,7 @@
             <a:avLst/>
           </a:prstGeom>
           <a:blipFill>
-            <a:blip r:embed="rId7" cstate="print"/>
+            <a:blip r:embed="rId6" cstate="print"/>
             <a:stretch>
               <a:fillRect/>
             </a:stretch>
@@ -893,8 +995,8 @@
                 <a:solidFill>
                   <a:srgbClr val="1F487C"/>
                 </a:solidFill>
-                <a:latin typeface="Verdana"/>
-                <a:cs typeface="Verdana"/>
+                <a:latin typeface="Verdana" panose="020B0604030504040204"/>
+                <a:cs typeface="Verdana" panose="020B0604030504040204"/>
               </a:defRPr>
             </a:lvl1pPr>
           </a:lstStyle>
@@ -939,7 +1041,7 @@
             <a:spLocks noGrp="1"/>
           </p:cNvSpPr>
           <p:nvPr>
-            <p:ph type="ftr" idx="5" sz="quarter"/>
+            <p:ph type="ftr" sz="quarter" idx="5"/>
           </p:nvPr>
         </p:nvSpPr>
         <p:spPr>
@@ -976,7 +1078,7 @@
             <a:spLocks noGrp="1"/>
           </p:cNvSpPr>
           <p:nvPr>
-            <p:ph type="dt" idx="6" sz="half"/>
+            <p:ph type="dt" sz="half" idx="6"/>
           </p:nvPr>
         </p:nvSpPr>
         <p:spPr>
@@ -1007,6 +1109,7 @@
             <a:fld id="{1D8BD707-D9CF-40AE-B4C6-C98DA3205C09}" type="datetimeFigureOut">
               <a:rPr lang="en-US"/>
             </a:fld>
+            <a:endParaRPr lang="en-US"/>
           </a:p>
         </p:txBody>
       </p:sp>
@@ -1017,7 +1120,7 @@
             <a:spLocks noGrp="1"/>
           </p:cNvSpPr>
           <p:nvPr>
-            <p:ph type="sldNum" idx="7" sz="quarter"/>
+            <p:ph type="sldNum" sz="quarter" idx="7"/>
           </p:nvPr>
         </p:nvSpPr>
         <p:spPr>
@@ -1046,20 +1149,21 @@
           </a:lstStyle>
           <a:p>
             <a:fld id="{B6F15528-21DE-4FAA-801E-634DDDAF4B2B}" type="slidenum">
-              <a:t>#</a:t>
+              <a:rPr/>
             </a:fld>
+            <a:endParaRPr/>
           </a:p>
         </p:txBody>
       </p:sp>
     </p:spTree>
   </p:cSld>
-  <p:clrMap folHlink="folHlink" hlink="hlink" accent1="accent1" accent2="accent2" accent3="accent3" accent4="accent4" accent5="accent5" accent6="accent6" tx2="dk2" bg2="lt2" tx1="dk1" bg1="lt1"/>
+  <p:clrMap bg1="lt1" tx1="dk1" bg2="lt2" tx2="dk2" accent1="accent1" accent2="accent2" accent3="accent3" accent4="accent4" accent5="accent5" accent6="accent6" hlink="hlink" folHlink="folHlink"/>
   <p:sldLayoutIdLst>
-    <p:sldLayoutId id="2147483661" r:id="rId1"/>
-    <p:sldLayoutId id="2147483662" r:id="rId2"/>
-    <p:sldLayoutId id="2147483663" r:id="rId3"/>
-    <p:sldLayoutId id="2147483664" r:id="rId4"/>
-    <p:sldLayoutId id="2147483665" r:id="rId5"/>
+    <p:sldLayoutId id="2147483649" r:id="rId1"/>
+    <p:sldLayoutId id="2147483650" r:id="rId2"/>
+    <p:sldLayoutId id="2147483651" r:id="rId3"/>
+    <p:sldLayoutId id="2147483652" r:id="rId4"/>
+    <p:sldLayoutId id="2147483653" r:id="rId5"/>
   </p:sldLayoutIdLst>
   <p:txStyles>
     <p:titleStyle>
@@ -1237,7 +1341,7 @@
             <a:avLst/>
           </a:prstGeom>
           <a:blipFill>
-            <a:blip r:embed="rId2" cstate="print"/>
+            <a:blip r:embed="rId1" cstate="print"/>
             <a:stretch>
               <a:fillRect/>
             </a:stretch>
@@ -1285,10 +1389,12 @@
           </p:nvPr>
         </p:nvSpPr>
         <p:spPr>
-          <a:prstGeom prst="rect"/>
+          <a:prstGeom prst="rect">
+            <a:avLst/>
+          </a:prstGeom>
         </p:spPr>
         <p:txBody>
-          <a:bodyPr wrap="square" lIns="0" tIns="12700" rIns="0" bIns="0" rtlCol="0" vert="horz">
+          <a:bodyPr vert="horz" wrap="square" lIns="0" tIns="12700" rIns="0" bIns="0" rtlCol="0">
             <a:spAutoFit/>
           </a:bodyPr>
           <a:lstStyle/>
@@ -1306,7 +1412,7 @@
               <a:t>THE </a:t>
             </a:r>
             <a:r>
-              <a:rPr dirty="0" spc="-5"/>
+              <a:rPr spc="-5" dirty="0"/>
               <a:t>SHEPHERD AND </a:t>
             </a:r>
             <a:r>
@@ -1314,13 +1420,14 @@
               <a:t>THE</a:t>
             </a:r>
             <a:r>
-              <a:rPr dirty="0" spc="-65"/>
+              <a:rPr spc="-65" dirty="0"/>
               <a:t> </a:t>
             </a:r>
             <a:r>
               <a:rPr dirty="0"/>
               <a:t>WOLF</a:t>
             </a:r>
+            <a:endParaRPr dirty="0"/>
           </a:p>
         </p:txBody>
       </p:sp>
@@ -1340,7 +1447,7 @@
           </a:prstGeom>
         </p:spPr>
         <p:txBody>
-          <a:bodyPr wrap="square" lIns="0" tIns="12700" rIns="0" bIns="0" rtlCol="0" vert="horz">
+          <a:bodyPr vert="horz" wrap="square" lIns="0" tIns="12700" rIns="0" bIns="0" rtlCol="0">
             <a:spAutoFit/>
           </a:bodyPr>
           <a:lstStyle/>
@@ -1354,48 +1461,48 @@
               </a:spcBef>
             </a:pPr>
             <a:r>
-              <a:rPr dirty="0" sz="1800" spc="-5" b="1">
+              <a:rPr sz="1800" b="1" spc="-5" dirty="0">
                 <a:solidFill>
                   <a:srgbClr val="1F487C"/>
                 </a:solidFill>
-                <a:latin typeface="Verdana"/>
-                <a:cs typeface="Verdana"/>
+                <a:latin typeface="Verdana" panose="020B0604030504040204"/>
+                <a:cs typeface="Verdana" panose="020B0604030504040204"/>
               </a:rPr>
               <a:t>(People </a:t>
             </a:r>
             <a:r>
-              <a:rPr dirty="0" sz="1800" b="1">
+              <a:rPr sz="1800" b="1" dirty="0">
                 <a:solidFill>
                   <a:srgbClr val="1F487C"/>
                 </a:solidFill>
-                <a:latin typeface="Verdana"/>
-                <a:cs typeface="Verdana"/>
+                <a:latin typeface="Verdana" panose="020B0604030504040204"/>
+                <a:cs typeface="Verdana" panose="020B0604030504040204"/>
               </a:rPr>
               <a:t>do not trust a</a:t>
             </a:r>
             <a:r>
-              <a:rPr dirty="0" sz="1800" spc="-80" b="1">
+              <a:rPr sz="1800" b="1" spc="-80" dirty="0">
                 <a:solidFill>
                   <a:srgbClr val="1F487C"/>
                 </a:solidFill>
-                <a:latin typeface="Verdana"/>
-                <a:cs typeface="Verdana"/>
+                <a:latin typeface="Verdana" panose="020B0604030504040204"/>
+                <a:cs typeface="Verdana" panose="020B0604030504040204"/>
               </a:rPr>
               <a:t> </a:t>
             </a:r>
             <a:r>
-              <a:rPr dirty="0" sz="1800" spc="-5" b="1">
+              <a:rPr sz="1800" b="1" spc="-5" dirty="0">
                 <a:solidFill>
                   <a:srgbClr val="1F487C"/>
                 </a:solidFill>
-                <a:latin typeface="Verdana"/>
-                <a:cs typeface="Verdana"/>
+                <a:latin typeface="Verdana" panose="020B0604030504040204"/>
+                <a:cs typeface="Verdana" panose="020B0604030504040204"/>
               </a:rPr>
               <a:t>liar)</a:t>
             </a:r>
             <a:endParaRPr sz="1800">
-              <a:latin typeface="Verdana"/>
-              <a:cs typeface="Verdana"/>
+              <a:latin typeface="Verdana" panose="020B0604030504040204"/>
+              <a:cs typeface="Verdana" panose="020B0604030504040204"/>
             </a:endParaRPr>
           </a:p>
         </p:txBody>
@@ -1415,7 +1522,7 @@
             <a:avLst/>
           </a:prstGeom>
           <a:blipFill>
-            <a:blip r:embed="rId2" cstate="print"/>
+            <a:blip r:embed="rId1" cstate="print"/>
             <a:stretch>
               <a:fillRect/>
             </a:stretch>
@@ -1443,7 +1550,7 @@
           </a:prstGeom>
         </p:spPr>
         <p:txBody>
-          <a:bodyPr wrap="square" lIns="0" tIns="13335" rIns="0" bIns="0" rtlCol="0" vert="horz">
+          <a:bodyPr vert="horz" wrap="square" lIns="0" tIns="13335" rIns="0" bIns="0" rtlCol="0">
             <a:spAutoFit/>
           </a:bodyPr>
           <a:lstStyle/>
@@ -1457,699 +1564,699 @@
               </a:spcBef>
             </a:pPr>
             <a:r>
-              <a:rPr dirty="0" sz="1100" spc="-5" b="1">
-                <a:solidFill>
-                  <a:srgbClr val="538DD3"/>
-                </a:solidFill>
-                <a:latin typeface="Arial"/>
-                <a:cs typeface="Arial"/>
+              <a:rPr sz="1100" b="1" spc="-5" dirty="0">
+                <a:solidFill>
+                  <a:srgbClr val="538DD3"/>
+                </a:solidFill>
+                <a:latin typeface="Arial" panose="020B0604020202020204"/>
+                <a:cs typeface="Arial" panose="020B0604020202020204"/>
               </a:rPr>
               <a:t>There lived </a:t>
             </a:r>
             <a:r>
-              <a:rPr dirty="0" sz="1100" b="1">
-                <a:solidFill>
-                  <a:srgbClr val="538DD3"/>
-                </a:solidFill>
-                <a:latin typeface="Arial"/>
-                <a:cs typeface="Arial"/>
+              <a:rPr sz="1100" b="1" dirty="0">
+                <a:solidFill>
+                  <a:srgbClr val="538DD3"/>
+                </a:solidFill>
+                <a:latin typeface="Arial" panose="020B0604020202020204"/>
+                <a:cs typeface="Arial" panose="020B0604020202020204"/>
               </a:rPr>
               <a:t>a </a:t>
             </a:r>
             <a:r>
-              <a:rPr dirty="0" sz="1100" spc="-5" b="1">
-                <a:solidFill>
-                  <a:srgbClr val="538DD3"/>
-                </a:solidFill>
-                <a:latin typeface="Arial"/>
-                <a:cs typeface="Arial"/>
+              <a:rPr sz="1100" b="1" spc="-5" dirty="0">
+                <a:solidFill>
+                  <a:srgbClr val="538DD3"/>
+                </a:solidFill>
+                <a:latin typeface="Arial" panose="020B0604020202020204"/>
+                <a:cs typeface="Arial" panose="020B0604020202020204"/>
               </a:rPr>
               <a:t>shepherd </a:t>
             </a:r>
             <a:r>
-              <a:rPr dirty="0" sz="1100" b="1">
-                <a:solidFill>
-                  <a:srgbClr val="538DD3"/>
-                </a:solidFill>
-                <a:latin typeface="Arial"/>
-                <a:cs typeface="Arial"/>
+              <a:rPr sz="1100" b="1" dirty="0">
+                <a:solidFill>
+                  <a:srgbClr val="538DD3"/>
+                </a:solidFill>
+                <a:latin typeface="Arial" panose="020B0604020202020204"/>
+                <a:cs typeface="Arial" panose="020B0604020202020204"/>
               </a:rPr>
               <a:t>in a village. </a:t>
             </a:r>
             <a:r>
-              <a:rPr dirty="0" sz="1100" spc="-5" b="1">
-                <a:solidFill>
-                  <a:srgbClr val="538DD3"/>
-                </a:solidFill>
-                <a:latin typeface="Arial"/>
-                <a:cs typeface="Arial"/>
+              <a:rPr sz="1100" b="1" spc="-5" dirty="0">
+                <a:solidFill>
+                  <a:srgbClr val="538DD3"/>
+                </a:solidFill>
+                <a:latin typeface="Arial" panose="020B0604020202020204"/>
+                <a:cs typeface="Arial" panose="020B0604020202020204"/>
               </a:rPr>
               <a:t>He had </a:t>
             </a:r>
             <a:r>
-              <a:rPr dirty="0" sz="1100" b="1">
-                <a:solidFill>
-                  <a:srgbClr val="538DD3"/>
-                </a:solidFill>
-                <a:latin typeface="Arial"/>
-                <a:cs typeface="Arial"/>
+              <a:rPr sz="1100" b="1" dirty="0">
+                <a:solidFill>
+                  <a:srgbClr val="538DD3"/>
+                </a:solidFill>
+                <a:latin typeface="Arial" panose="020B0604020202020204"/>
+                <a:cs typeface="Arial" panose="020B0604020202020204"/>
               </a:rPr>
               <a:t>many </a:t>
             </a:r>
             <a:r>
-              <a:rPr dirty="0" sz="1100" spc="-5" b="1">
-                <a:solidFill>
-                  <a:srgbClr val="538DD3"/>
-                </a:solidFill>
-                <a:latin typeface="Arial"/>
-                <a:cs typeface="Arial"/>
+              <a:rPr sz="1100" b="1" spc="-5" dirty="0">
+                <a:solidFill>
+                  <a:srgbClr val="538DD3"/>
+                </a:solidFill>
+                <a:latin typeface="Arial" panose="020B0604020202020204"/>
+                <a:cs typeface="Arial" panose="020B0604020202020204"/>
               </a:rPr>
               <a:t>sheep. He </a:t>
             </a:r>
             <a:r>
-              <a:rPr dirty="0" sz="1100" b="1">
-                <a:solidFill>
-                  <a:srgbClr val="538DD3"/>
-                </a:solidFill>
-                <a:latin typeface="Arial"/>
-                <a:cs typeface="Arial"/>
+              <a:rPr sz="1100" b="1" dirty="0">
+                <a:solidFill>
+                  <a:srgbClr val="538DD3"/>
+                </a:solidFill>
+                <a:latin typeface="Arial" panose="020B0604020202020204"/>
+                <a:cs typeface="Arial" panose="020B0604020202020204"/>
               </a:rPr>
               <a:t>took them</a:t>
             </a:r>
             <a:r>
-              <a:rPr dirty="0" sz="1100" spc="-45" b="1">
-                <a:solidFill>
-                  <a:srgbClr val="538DD3"/>
-                </a:solidFill>
-                <a:latin typeface="Arial"/>
-                <a:cs typeface="Arial"/>
+              <a:rPr sz="1100" b="1" spc="-45" dirty="0">
+                <a:solidFill>
+                  <a:srgbClr val="538DD3"/>
+                </a:solidFill>
+                <a:latin typeface="Arial" panose="020B0604020202020204"/>
+                <a:cs typeface="Arial" panose="020B0604020202020204"/>
               </a:rPr>
               <a:t> </a:t>
             </a:r>
             <a:r>
-              <a:rPr dirty="0" sz="1100" spc="-5" b="1">
-                <a:solidFill>
-                  <a:srgbClr val="538DD3"/>
-                </a:solidFill>
-                <a:latin typeface="Arial"/>
-                <a:cs typeface="Arial"/>
+              <a:rPr sz="1100" b="1" spc="-5" dirty="0">
+                <a:solidFill>
+                  <a:srgbClr val="538DD3"/>
+                </a:solidFill>
+                <a:latin typeface="Arial" panose="020B0604020202020204"/>
+                <a:cs typeface="Arial" panose="020B0604020202020204"/>
               </a:rPr>
               <a:t>out</a:t>
             </a:r>
             <a:endParaRPr sz="1100">
-              <a:latin typeface="Arial"/>
-              <a:cs typeface="Arial"/>
+              <a:latin typeface="Arial" panose="020B0604020202020204"/>
+              <a:cs typeface="Arial" panose="020B0604020202020204"/>
             </a:endParaRPr>
           </a:p>
           <a:p>
             <a:pPr marL="12700" marR="5080">
               <a:lnSpc>
-                <a:spcPct val="236400"/>
+                <a:spcPct val="236000"/>
               </a:lnSpc>
             </a:pPr>
             <a:r>
-              <a:rPr dirty="0" sz="1100" spc="-5" b="1">
-                <a:solidFill>
-                  <a:srgbClr val="538DD3"/>
-                </a:solidFill>
-                <a:latin typeface="Arial"/>
-                <a:cs typeface="Arial"/>
+              <a:rPr sz="1100" b="1" spc="-5" dirty="0">
+                <a:solidFill>
+                  <a:srgbClr val="538DD3"/>
+                </a:solidFill>
+                <a:latin typeface="Arial" panose="020B0604020202020204"/>
+                <a:cs typeface="Arial" panose="020B0604020202020204"/>
               </a:rPr>
               <a:t>every morning </a:t>
             </a:r>
             <a:r>
-              <a:rPr dirty="0" sz="1100" b="1">
-                <a:solidFill>
-                  <a:srgbClr val="538DD3"/>
-                </a:solidFill>
-                <a:latin typeface="Arial"/>
-                <a:cs typeface="Arial"/>
+              <a:rPr sz="1100" b="1" dirty="0">
+                <a:solidFill>
+                  <a:srgbClr val="538DD3"/>
+                </a:solidFill>
+                <a:latin typeface="Arial" panose="020B0604020202020204"/>
+                <a:cs typeface="Arial" panose="020B0604020202020204"/>
               </a:rPr>
               <a:t>for </a:t>
             </a:r>
             <a:r>
-              <a:rPr dirty="0" sz="1100" spc="-5" b="1">
-                <a:solidFill>
-                  <a:srgbClr val="538DD3"/>
-                </a:solidFill>
-                <a:latin typeface="Arial"/>
-                <a:cs typeface="Arial"/>
+              <a:rPr sz="1100" b="1" spc="-5" dirty="0">
+                <a:solidFill>
+                  <a:srgbClr val="538DD3"/>
+                </a:solidFill>
+                <a:latin typeface="Arial" panose="020B0604020202020204"/>
+                <a:cs typeface="Arial" panose="020B0604020202020204"/>
               </a:rPr>
               <a:t>grazing. One </a:t>
             </a:r>
             <a:r>
-              <a:rPr dirty="0" sz="1100" spc="-20" b="1">
-                <a:solidFill>
-                  <a:srgbClr val="538DD3"/>
-                </a:solidFill>
-                <a:latin typeface="Arial"/>
-                <a:cs typeface="Arial"/>
+              <a:rPr sz="1100" b="1" spc="-20" dirty="0">
+                <a:solidFill>
+                  <a:srgbClr val="538DD3"/>
+                </a:solidFill>
+                <a:latin typeface="Arial" panose="020B0604020202020204"/>
+                <a:cs typeface="Arial" panose="020B0604020202020204"/>
               </a:rPr>
               <a:t>day, </a:t>
             </a:r>
             <a:r>
-              <a:rPr dirty="0" sz="1100" b="1">
-                <a:solidFill>
-                  <a:srgbClr val="538DD3"/>
-                </a:solidFill>
-                <a:latin typeface="Arial"/>
-                <a:cs typeface="Arial"/>
+              <a:rPr sz="1100" b="1" dirty="0">
+                <a:solidFill>
+                  <a:srgbClr val="538DD3"/>
+                </a:solidFill>
+                <a:latin typeface="Arial" panose="020B0604020202020204"/>
+                <a:cs typeface="Arial" panose="020B0604020202020204"/>
               </a:rPr>
               <a:t>his wife </a:t>
             </a:r>
             <a:r>
-              <a:rPr dirty="0" sz="1100" spc="-5" b="1">
-                <a:solidFill>
-                  <a:srgbClr val="538DD3"/>
-                </a:solidFill>
-                <a:latin typeface="Arial"/>
-                <a:cs typeface="Arial"/>
+              <a:rPr sz="1100" b="1" spc="-5" dirty="0">
+                <a:solidFill>
+                  <a:srgbClr val="538DD3"/>
+                </a:solidFill>
+                <a:latin typeface="Arial" panose="020B0604020202020204"/>
+                <a:cs typeface="Arial" panose="020B0604020202020204"/>
               </a:rPr>
               <a:t>fell ill and </a:t>
             </a:r>
             <a:r>
-              <a:rPr dirty="0" sz="1100" b="1">
-                <a:solidFill>
-                  <a:srgbClr val="538DD3"/>
-                </a:solidFill>
-                <a:latin typeface="Arial"/>
-                <a:cs typeface="Arial"/>
+              <a:rPr sz="1100" b="1" dirty="0">
+                <a:solidFill>
+                  <a:srgbClr val="538DD3"/>
+                </a:solidFill>
+                <a:latin typeface="Arial" panose="020B0604020202020204"/>
+                <a:cs typeface="Arial" panose="020B0604020202020204"/>
               </a:rPr>
               <a:t>he </a:t>
             </a:r>
             <a:r>
-              <a:rPr dirty="0" sz="1100" spc="-5" b="1">
-                <a:solidFill>
-                  <a:srgbClr val="538DD3"/>
-                </a:solidFill>
-                <a:latin typeface="Arial"/>
-                <a:cs typeface="Arial"/>
+              <a:rPr sz="1100" b="1" spc="-5" dirty="0">
+                <a:solidFill>
+                  <a:srgbClr val="538DD3"/>
+                </a:solidFill>
+                <a:latin typeface="Arial" panose="020B0604020202020204"/>
+                <a:cs typeface="Arial" panose="020B0604020202020204"/>
               </a:rPr>
               <a:t>had </a:t>
             </a:r>
             <a:r>
-              <a:rPr dirty="0" sz="1100" b="1">
-                <a:solidFill>
-                  <a:srgbClr val="538DD3"/>
-                </a:solidFill>
-                <a:latin typeface="Arial"/>
-                <a:cs typeface="Arial"/>
+              <a:rPr sz="1100" b="1" dirty="0">
+                <a:solidFill>
+                  <a:srgbClr val="538DD3"/>
+                </a:solidFill>
+                <a:latin typeface="Arial" panose="020B0604020202020204"/>
+                <a:cs typeface="Arial" panose="020B0604020202020204"/>
               </a:rPr>
               <a:t>to go to the </a:t>
             </a:r>
             <a:r>
-              <a:rPr dirty="0" sz="1100" spc="-5" b="1">
-                <a:solidFill>
-                  <a:srgbClr val="538DD3"/>
-                </a:solidFill>
-                <a:latin typeface="Arial"/>
-                <a:cs typeface="Arial"/>
+              <a:rPr sz="1100" b="1" spc="-5" dirty="0">
+                <a:solidFill>
+                  <a:srgbClr val="538DD3"/>
+                </a:solidFill>
+                <a:latin typeface="Arial" panose="020B0604020202020204"/>
+                <a:cs typeface="Arial" panose="020B0604020202020204"/>
               </a:rPr>
               <a:t>city  </a:t>
             </a:r>
             <a:r>
-              <a:rPr dirty="0" sz="1100" b="1">
-                <a:solidFill>
-                  <a:srgbClr val="538DD3"/>
-                </a:solidFill>
-                <a:latin typeface="Arial"/>
-                <a:cs typeface="Arial"/>
+              <a:rPr sz="1100" b="1" dirty="0">
+                <a:solidFill>
+                  <a:srgbClr val="538DD3"/>
+                </a:solidFill>
+                <a:latin typeface="Arial" panose="020B0604020202020204"/>
+                <a:cs typeface="Arial" panose="020B0604020202020204"/>
               </a:rPr>
               <a:t>to </a:t>
             </a:r>
             <a:r>
-              <a:rPr dirty="0" sz="1100" spc="-5" b="1">
-                <a:solidFill>
-                  <a:srgbClr val="538DD3"/>
-                </a:solidFill>
-                <a:latin typeface="Arial"/>
-                <a:cs typeface="Arial"/>
+              <a:rPr sz="1100" b="1" spc="-5" dirty="0">
+                <a:solidFill>
+                  <a:srgbClr val="538DD3"/>
+                </a:solidFill>
+                <a:latin typeface="Arial" panose="020B0604020202020204"/>
+                <a:cs typeface="Arial" panose="020B0604020202020204"/>
               </a:rPr>
               <a:t>purchase </a:t>
             </a:r>
             <a:r>
-              <a:rPr dirty="0" sz="1100" b="1">
-                <a:solidFill>
-                  <a:srgbClr val="538DD3"/>
-                </a:solidFill>
-                <a:latin typeface="Arial"/>
-                <a:cs typeface="Arial"/>
+              <a:rPr sz="1100" b="1" dirty="0">
+                <a:solidFill>
+                  <a:srgbClr val="538DD3"/>
+                </a:solidFill>
+                <a:latin typeface="Arial" panose="020B0604020202020204"/>
+                <a:cs typeface="Arial" panose="020B0604020202020204"/>
               </a:rPr>
               <a:t>some </a:t>
             </a:r>
             <a:r>
-              <a:rPr dirty="0" sz="1100" spc="-5" b="1">
-                <a:solidFill>
-                  <a:srgbClr val="538DD3"/>
-                </a:solidFill>
-                <a:latin typeface="Arial"/>
-                <a:cs typeface="Arial"/>
+              <a:rPr sz="1100" b="1" spc="-5" dirty="0">
+                <a:solidFill>
+                  <a:srgbClr val="538DD3"/>
+                </a:solidFill>
+                <a:latin typeface="Arial" panose="020B0604020202020204"/>
+                <a:cs typeface="Arial" panose="020B0604020202020204"/>
               </a:rPr>
               <a:t>medicines </a:t>
             </a:r>
             <a:r>
-              <a:rPr dirty="0" sz="1100" b="1">
-                <a:solidFill>
-                  <a:srgbClr val="538DD3"/>
-                </a:solidFill>
-                <a:latin typeface="Arial"/>
-                <a:cs typeface="Arial"/>
+              <a:rPr sz="1100" b="1" dirty="0">
+                <a:solidFill>
+                  <a:srgbClr val="538DD3"/>
+                </a:solidFill>
+                <a:latin typeface="Arial" panose="020B0604020202020204"/>
+                <a:cs typeface="Arial" panose="020B0604020202020204"/>
               </a:rPr>
               <a:t>for his ailing wife. </a:t>
             </a:r>
             <a:r>
-              <a:rPr dirty="0" sz="1100" spc="-5" b="1">
-                <a:solidFill>
-                  <a:srgbClr val="538DD3"/>
-                </a:solidFill>
-                <a:latin typeface="Arial"/>
-                <a:cs typeface="Arial"/>
+              <a:rPr sz="1100" b="1" spc="-5" dirty="0">
+                <a:solidFill>
+                  <a:srgbClr val="538DD3"/>
+                </a:solidFill>
+                <a:latin typeface="Arial" panose="020B0604020202020204"/>
+                <a:cs typeface="Arial" panose="020B0604020202020204"/>
               </a:rPr>
               <a:t>'There </a:t>
             </a:r>
             <a:r>
-              <a:rPr dirty="0" sz="1100" b="1">
-                <a:solidFill>
-                  <a:srgbClr val="538DD3"/>
-                </a:solidFill>
-                <a:latin typeface="Arial"/>
-                <a:cs typeface="Arial"/>
+              <a:rPr sz="1100" b="1" dirty="0">
+                <a:solidFill>
+                  <a:srgbClr val="538DD3"/>
+                </a:solidFill>
+                <a:latin typeface="Arial" panose="020B0604020202020204"/>
+                <a:cs typeface="Arial" panose="020B0604020202020204"/>
               </a:rPr>
               <a:t>will be no </a:t>
             </a:r>
             <a:r>
-              <a:rPr dirty="0" sz="1100" spc="-5" b="1">
-                <a:solidFill>
-                  <a:srgbClr val="538DD3"/>
-                </a:solidFill>
-                <a:latin typeface="Arial"/>
-                <a:cs typeface="Arial"/>
+              <a:rPr sz="1100" b="1" spc="-5" dirty="0">
+                <a:solidFill>
+                  <a:srgbClr val="538DD3"/>
+                </a:solidFill>
+                <a:latin typeface="Arial" panose="020B0604020202020204"/>
+                <a:cs typeface="Arial" panose="020B0604020202020204"/>
               </a:rPr>
               <a:t>one </a:t>
             </a:r>
             <a:r>
-              <a:rPr dirty="0" sz="1100" b="1">
-                <a:solidFill>
-                  <a:srgbClr val="538DD3"/>
-                </a:solidFill>
-                <a:latin typeface="Arial"/>
-                <a:cs typeface="Arial"/>
+              <a:rPr sz="1100" b="1" dirty="0">
+                <a:solidFill>
+                  <a:srgbClr val="538DD3"/>
+                </a:solidFill>
+                <a:latin typeface="Arial" panose="020B0604020202020204"/>
+                <a:cs typeface="Arial" panose="020B0604020202020204"/>
               </a:rPr>
               <a:t>to take  care </a:t>
             </a:r>
             <a:r>
-              <a:rPr dirty="0" sz="1100" spc="-5" b="1">
-                <a:solidFill>
-                  <a:srgbClr val="538DD3"/>
-                </a:solidFill>
-                <a:latin typeface="Arial"/>
-                <a:cs typeface="Arial"/>
+              <a:rPr sz="1100" b="1" spc="-5" dirty="0">
+                <a:solidFill>
+                  <a:srgbClr val="538DD3"/>
+                </a:solidFill>
+                <a:latin typeface="Arial" panose="020B0604020202020204"/>
+                <a:cs typeface="Arial" panose="020B0604020202020204"/>
               </a:rPr>
               <a:t>of </a:t>
             </a:r>
             <a:r>
-              <a:rPr dirty="0" sz="1100" b="1">
-                <a:solidFill>
-                  <a:srgbClr val="538DD3"/>
-                </a:solidFill>
-                <a:latin typeface="Arial"/>
-                <a:cs typeface="Arial"/>
+              <a:rPr sz="1100" b="1" dirty="0">
+                <a:solidFill>
+                  <a:srgbClr val="538DD3"/>
+                </a:solidFill>
+                <a:latin typeface="Arial" panose="020B0604020202020204"/>
+                <a:cs typeface="Arial" panose="020B0604020202020204"/>
               </a:rPr>
               <a:t>the </a:t>
             </a:r>
             <a:r>
-              <a:rPr dirty="0" sz="1100" spc="-5" b="1">
-                <a:solidFill>
-                  <a:srgbClr val="538DD3"/>
-                </a:solidFill>
-                <a:latin typeface="Arial"/>
-                <a:cs typeface="Arial"/>
+              <a:rPr sz="1100" b="1" spc="-5" dirty="0">
+                <a:solidFill>
+                  <a:srgbClr val="538DD3"/>
+                </a:solidFill>
+                <a:latin typeface="Arial" panose="020B0604020202020204"/>
+                <a:cs typeface="Arial" panose="020B0604020202020204"/>
               </a:rPr>
               <a:t>sheep', </a:t>
             </a:r>
             <a:r>
-              <a:rPr dirty="0" sz="1100" b="1">
-                <a:solidFill>
-                  <a:srgbClr val="538DD3"/>
-                </a:solidFill>
-                <a:latin typeface="Arial"/>
-                <a:cs typeface="Arial"/>
+              <a:rPr sz="1100" b="1" dirty="0">
+                <a:solidFill>
+                  <a:srgbClr val="538DD3"/>
+                </a:solidFill>
+                <a:latin typeface="Arial" panose="020B0604020202020204"/>
+                <a:cs typeface="Arial" panose="020B0604020202020204"/>
               </a:rPr>
               <a:t>he </a:t>
             </a:r>
             <a:r>
-              <a:rPr dirty="0" sz="1100" spc="-5" b="1">
-                <a:solidFill>
-                  <a:srgbClr val="538DD3"/>
-                </a:solidFill>
-                <a:latin typeface="Arial"/>
-                <a:cs typeface="Arial"/>
+              <a:rPr sz="1100" b="1" spc="-5" dirty="0">
+                <a:solidFill>
+                  <a:srgbClr val="538DD3"/>
+                </a:solidFill>
+                <a:latin typeface="Arial" panose="020B0604020202020204"/>
+                <a:cs typeface="Arial" panose="020B0604020202020204"/>
               </a:rPr>
               <a:t>thought </a:t>
             </a:r>
             <a:r>
-              <a:rPr dirty="0" sz="1100" b="1">
-                <a:solidFill>
-                  <a:srgbClr val="538DD3"/>
-                </a:solidFill>
-                <a:latin typeface="Arial"/>
-                <a:cs typeface="Arial"/>
+              <a:rPr sz="1100" b="1" dirty="0">
+                <a:solidFill>
+                  <a:srgbClr val="538DD3"/>
+                </a:solidFill>
+                <a:latin typeface="Arial" panose="020B0604020202020204"/>
+                <a:cs typeface="Arial" panose="020B0604020202020204"/>
               </a:rPr>
               <a:t>to </a:t>
             </a:r>
             <a:r>
-              <a:rPr dirty="0" sz="1100" spc="-5" b="1">
-                <a:solidFill>
-                  <a:srgbClr val="538DD3"/>
-                </a:solidFill>
-                <a:latin typeface="Arial"/>
-                <a:cs typeface="Arial"/>
+              <a:rPr sz="1100" b="1" spc="-5" dirty="0">
+                <a:solidFill>
+                  <a:srgbClr val="538DD3"/>
+                </a:solidFill>
+                <a:latin typeface="Arial" panose="020B0604020202020204"/>
+                <a:cs typeface="Arial" panose="020B0604020202020204"/>
               </a:rPr>
               <a:t>himself. Then </a:t>
             </a:r>
             <a:r>
-              <a:rPr dirty="0" sz="1100" b="1">
-                <a:solidFill>
-                  <a:srgbClr val="538DD3"/>
-                </a:solidFill>
-                <a:latin typeface="Arial"/>
-                <a:cs typeface="Arial"/>
+              <a:rPr sz="1100" b="1" dirty="0">
+                <a:solidFill>
+                  <a:srgbClr val="538DD3"/>
+                </a:solidFill>
+                <a:latin typeface="Arial" panose="020B0604020202020204"/>
+                <a:cs typeface="Arial" panose="020B0604020202020204"/>
               </a:rPr>
               <a:t>he </a:t>
             </a:r>
             <a:r>
-              <a:rPr dirty="0" sz="1100" spc="-5" b="1">
-                <a:solidFill>
-                  <a:srgbClr val="538DD3"/>
-                </a:solidFill>
-                <a:latin typeface="Arial"/>
-                <a:cs typeface="Arial"/>
+              <a:rPr sz="1100" b="1" spc="-5" dirty="0">
+                <a:solidFill>
+                  <a:srgbClr val="538DD3"/>
+                </a:solidFill>
+                <a:latin typeface="Arial" panose="020B0604020202020204"/>
+                <a:cs typeface="Arial" panose="020B0604020202020204"/>
               </a:rPr>
               <a:t>called </a:t>
             </a:r>
             <a:r>
-              <a:rPr dirty="0" sz="1100" b="1">
-                <a:solidFill>
-                  <a:srgbClr val="538DD3"/>
-                </a:solidFill>
-                <a:latin typeface="Arial"/>
-                <a:cs typeface="Arial"/>
+              <a:rPr sz="1100" b="1" dirty="0">
+                <a:solidFill>
+                  <a:srgbClr val="538DD3"/>
+                </a:solidFill>
+                <a:latin typeface="Arial" panose="020B0604020202020204"/>
+                <a:cs typeface="Arial" panose="020B0604020202020204"/>
               </a:rPr>
               <a:t>his </a:t>
             </a:r>
             <a:r>
-              <a:rPr dirty="0" sz="1100" spc="-5" b="1">
-                <a:solidFill>
-                  <a:srgbClr val="538DD3"/>
-                </a:solidFill>
-                <a:latin typeface="Arial"/>
-                <a:cs typeface="Arial"/>
+              <a:rPr sz="1100" b="1" spc="-5" dirty="0">
+                <a:solidFill>
+                  <a:srgbClr val="538DD3"/>
+                </a:solidFill>
+                <a:latin typeface="Arial" panose="020B0604020202020204"/>
+                <a:cs typeface="Arial" panose="020B0604020202020204"/>
               </a:rPr>
               <a:t>son and told him,  "Ramu,</a:t>
             </a:r>
             <a:r>
-              <a:rPr dirty="0" sz="1100" spc="-35" b="1">
-                <a:solidFill>
-                  <a:srgbClr val="538DD3"/>
-                </a:solidFill>
-                <a:latin typeface="Arial"/>
-                <a:cs typeface="Arial"/>
+              <a:rPr sz="1100" b="1" spc="-35" dirty="0">
+                <a:solidFill>
+                  <a:srgbClr val="538DD3"/>
+                </a:solidFill>
+                <a:latin typeface="Arial" panose="020B0604020202020204"/>
+                <a:cs typeface="Arial" panose="020B0604020202020204"/>
               </a:rPr>
               <a:t> </a:t>
             </a:r>
             <a:r>
-              <a:rPr dirty="0" sz="1100" b="1">
-                <a:solidFill>
-                  <a:srgbClr val="538DD3"/>
-                </a:solidFill>
-                <a:latin typeface="Arial"/>
-                <a:cs typeface="Arial"/>
+              <a:rPr sz="1100" b="1" dirty="0">
+                <a:solidFill>
+                  <a:srgbClr val="538DD3"/>
+                </a:solidFill>
+                <a:latin typeface="Arial" panose="020B0604020202020204"/>
+                <a:cs typeface="Arial" panose="020B0604020202020204"/>
               </a:rPr>
               <a:t>I'm</a:t>
             </a:r>
             <a:r>
-              <a:rPr dirty="0" sz="1100" spc="-15" b="1">
-                <a:solidFill>
-                  <a:srgbClr val="538DD3"/>
-                </a:solidFill>
-                <a:latin typeface="Arial"/>
-                <a:cs typeface="Arial"/>
+              <a:rPr sz="1100" b="1" spc="-15" dirty="0">
+                <a:solidFill>
+                  <a:srgbClr val="538DD3"/>
+                </a:solidFill>
+                <a:latin typeface="Arial" panose="020B0604020202020204"/>
+                <a:cs typeface="Arial" panose="020B0604020202020204"/>
               </a:rPr>
               <a:t> </a:t>
             </a:r>
             <a:r>
-              <a:rPr dirty="0" sz="1100" b="1">
-                <a:solidFill>
-                  <a:srgbClr val="538DD3"/>
-                </a:solidFill>
-                <a:latin typeface="Arial"/>
-                <a:cs typeface="Arial"/>
+              <a:rPr sz="1100" b="1" dirty="0">
+                <a:solidFill>
+                  <a:srgbClr val="538DD3"/>
+                </a:solidFill>
+                <a:latin typeface="Arial" panose="020B0604020202020204"/>
+                <a:cs typeface="Arial" panose="020B0604020202020204"/>
               </a:rPr>
               <a:t>going</a:t>
             </a:r>
             <a:r>
-              <a:rPr dirty="0" sz="1100" spc="-30" b="1">
-                <a:solidFill>
-                  <a:srgbClr val="538DD3"/>
-                </a:solidFill>
-                <a:latin typeface="Arial"/>
-                <a:cs typeface="Arial"/>
+              <a:rPr sz="1100" b="1" spc="-30" dirty="0">
+                <a:solidFill>
+                  <a:srgbClr val="538DD3"/>
+                </a:solidFill>
+                <a:latin typeface="Arial" panose="020B0604020202020204"/>
+                <a:cs typeface="Arial" panose="020B0604020202020204"/>
               </a:rPr>
               <a:t> </a:t>
             </a:r>
             <a:r>
-              <a:rPr dirty="0" sz="1100" b="1">
-                <a:solidFill>
-                  <a:srgbClr val="538DD3"/>
-                </a:solidFill>
-                <a:latin typeface="Arial"/>
-                <a:cs typeface="Arial"/>
+              <a:rPr sz="1100" b="1" dirty="0">
+                <a:solidFill>
+                  <a:srgbClr val="538DD3"/>
+                </a:solidFill>
+                <a:latin typeface="Arial" panose="020B0604020202020204"/>
+                <a:cs typeface="Arial" panose="020B0604020202020204"/>
               </a:rPr>
               <a:t>to</a:t>
             </a:r>
             <a:r>
-              <a:rPr dirty="0" sz="1100" spc="-20" b="1">
-                <a:solidFill>
-                  <a:srgbClr val="538DD3"/>
-                </a:solidFill>
-                <a:latin typeface="Arial"/>
-                <a:cs typeface="Arial"/>
+              <a:rPr sz="1100" b="1" spc="-20" dirty="0">
+                <a:solidFill>
+                  <a:srgbClr val="538DD3"/>
+                </a:solidFill>
+                <a:latin typeface="Arial" panose="020B0604020202020204"/>
+                <a:cs typeface="Arial" panose="020B0604020202020204"/>
               </a:rPr>
               <a:t> </a:t>
             </a:r>
             <a:r>
-              <a:rPr dirty="0" sz="1100" b="1">
-                <a:solidFill>
-                  <a:srgbClr val="538DD3"/>
-                </a:solidFill>
-                <a:latin typeface="Arial"/>
-                <a:cs typeface="Arial"/>
+              <a:rPr sz="1100" b="1" dirty="0">
+                <a:solidFill>
+                  <a:srgbClr val="538DD3"/>
+                </a:solidFill>
+                <a:latin typeface="Arial" panose="020B0604020202020204"/>
+                <a:cs typeface="Arial" panose="020B0604020202020204"/>
               </a:rPr>
               <a:t>the</a:t>
             </a:r>
             <a:r>
-              <a:rPr dirty="0" sz="1100" spc="-20" b="1">
-                <a:solidFill>
-                  <a:srgbClr val="538DD3"/>
-                </a:solidFill>
-                <a:latin typeface="Arial"/>
-                <a:cs typeface="Arial"/>
+              <a:rPr sz="1100" b="1" spc="-20" dirty="0">
+                <a:solidFill>
+                  <a:srgbClr val="538DD3"/>
+                </a:solidFill>
+                <a:latin typeface="Arial" panose="020B0604020202020204"/>
+                <a:cs typeface="Arial" panose="020B0604020202020204"/>
               </a:rPr>
               <a:t> </a:t>
             </a:r>
             <a:r>
-              <a:rPr dirty="0" sz="1100" spc="-5" b="1">
-                <a:solidFill>
-                  <a:srgbClr val="538DD3"/>
-                </a:solidFill>
-                <a:latin typeface="Arial"/>
-                <a:cs typeface="Arial"/>
+              <a:rPr sz="1100" b="1" spc="-5" dirty="0">
+                <a:solidFill>
+                  <a:srgbClr val="538DD3"/>
+                </a:solidFill>
+                <a:latin typeface="Arial" panose="020B0604020202020204"/>
+                <a:cs typeface="Arial" panose="020B0604020202020204"/>
               </a:rPr>
               <a:t>city</a:t>
             </a:r>
             <a:r>
-              <a:rPr dirty="0" sz="1100" spc="-20" b="1">
-                <a:solidFill>
-                  <a:srgbClr val="538DD3"/>
-                </a:solidFill>
-                <a:latin typeface="Arial"/>
-                <a:cs typeface="Arial"/>
+              <a:rPr sz="1100" b="1" spc="-20" dirty="0">
+                <a:solidFill>
+                  <a:srgbClr val="538DD3"/>
+                </a:solidFill>
+                <a:latin typeface="Arial" panose="020B0604020202020204"/>
+                <a:cs typeface="Arial" panose="020B0604020202020204"/>
               </a:rPr>
               <a:t> </a:t>
             </a:r>
             <a:r>
-              <a:rPr dirty="0" sz="1100" b="1">
-                <a:solidFill>
-                  <a:srgbClr val="538DD3"/>
-                </a:solidFill>
-                <a:latin typeface="Arial"/>
-                <a:cs typeface="Arial"/>
+              <a:rPr sz="1100" b="1" dirty="0">
+                <a:solidFill>
+                  <a:srgbClr val="538DD3"/>
+                </a:solidFill>
+                <a:latin typeface="Arial" panose="020B0604020202020204"/>
+                <a:cs typeface="Arial" panose="020B0604020202020204"/>
               </a:rPr>
               <a:t>to</a:t>
             </a:r>
             <a:r>
-              <a:rPr dirty="0" sz="1100" spc="-20" b="1">
-                <a:solidFill>
-                  <a:srgbClr val="538DD3"/>
-                </a:solidFill>
-                <a:latin typeface="Arial"/>
-                <a:cs typeface="Arial"/>
+              <a:rPr sz="1100" b="1" spc="-20" dirty="0">
+                <a:solidFill>
+                  <a:srgbClr val="538DD3"/>
+                </a:solidFill>
+                <a:latin typeface="Arial" panose="020B0604020202020204"/>
+                <a:cs typeface="Arial" panose="020B0604020202020204"/>
               </a:rPr>
               <a:t> </a:t>
             </a:r>
             <a:r>
-              <a:rPr dirty="0" sz="1100" spc="-5" b="1">
-                <a:solidFill>
-                  <a:srgbClr val="538DD3"/>
-                </a:solidFill>
-                <a:latin typeface="Arial"/>
-                <a:cs typeface="Arial"/>
+              <a:rPr sz="1100" b="1" spc="-5" dirty="0">
+                <a:solidFill>
+                  <a:srgbClr val="538DD3"/>
+                </a:solidFill>
+                <a:latin typeface="Arial" panose="020B0604020202020204"/>
+                <a:cs typeface="Arial" panose="020B0604020202020204"/>
               </a:rPr>
               <a:t>purchase</a:t>
             </a:r>
             <a:r>
-              <a:rPr dirty="0" sz="1100" spc="-15" b="1">
-                <a:solidFill>
-                  <a:srgbClr val="538DD3"/>
-                </a:solidFill>
-                <a:latin typeface="Arial"/>
-                <a:cs typeface="Arial"/>
+              <a:rPr sz="1100" b="1" spc="-15" dirty="0">
+                <a:solidFill>
+                  <a:srgbClr val="538DD3"/>
+                </a:solidFill>
+                <a:latin typeface="Arial" panose="020B0604020202020204"/>
+                <a:cs typeface="Arial" panose="020B0604020202020204"/>
               </a:rPr>
               <a:t> </a:t>
             </a:r>
             <a:r>
-              <a:rPr dirty="0" sz="1100" b="1">
-                <a:solidFill>
-                  <a:srgbClr val="538DD3"/>
-                </a:solidFill>
-                <a:latin typeface="Arial"/>
-                <a:cs typeface="Arial"/>
+              <a:rPr sz="1100" b="1" dirty="0">
+                <a:solidFill>
+                  <a:srgbClr val="538DD3"/>
+                </a:solidFill>
+                <a:latin typeface="Arial" panose="020B0604020202020204"/>
+                <a:cs typeface="Arial" panose="020B0604020202020204"/>
               </a:rPr>
               <a:t>some</a:t>
             </a:r>
             <a:r>
-              <a:rPr dirty="0" sz="1100" spc="-30" b="1">
-                <a:solidFill>
-                  <a:srgbClr val="538DD3"/>
-                </a:solidFill>
-                <a:latin typeface="Arial"/>
-                <a:cs typeface="Arial"/>
+              <a:rPr sz="1100" b="1" spc="-30" dirty="0">
+                <a:solidFill>
+                  <a:srgbClr val="538DD3"/>
+                </a:solidFill>
+                <a:latin typeface="Arial" panose="020B0604020202020204"/>
+                <a:cs typeface="Arial" panose="020B0604020202020204"/>
               </a:rPr>
               <a:t> </a:t>
             </a:r>
             <a:r>
-              <a:rPr dirty="0" sz="1100" spc="-5" b="1">
-                <a:solidFill>
-                  <a:srgbClr val="538DD3"/>
-                </a:solidFill>
-                <a:latin typeface="Arial"/>
-                <a:cs typeface="Arial"/>
+              <a:rPr sz="1100" b="1" spc="-5" dirty="0">
+                <a:solidFill>
+                  <a:srgbClr val="538DD3"/>
+                </a:solidFill>
+                <a:latin typeface="Arial" panose="020B0604020202020204"/>
+                <a:cs typeface="Arial" panose="020B0604020202020204"/>
               </a:rPr>
               <a:t>medicines</a:t>
             </a:r>
             <a:r>
-              <a:rPr dirty="0" sz="1100" spc="-10" b="1">
-                <a:solidFill>
-                  <a:srgbClr val="538DD3"/>
-                </a:solidFill>
-                <a:latin typeface="Arial"/>
-                <a:cs typeface="Arial"/>
+              <a:rPr sz="1100" b="1" spc="-10" dirty="0">
+                <a:solidFill>
+                  <a:srgbClr val="538DD3"/>
+                </a:solidFill>
+                <a:latin typeface="Arial" panose="020B0604020202020204"/>
+                <a:cs typeface="Arial" panose="020B0604020202020204"/>
               </a:rPr>
               <a:t> </a:t>
             </a:r>
             <a:r>
-              <a:rPr dirty="0" sz="1100" b="1">
-                <a:solidFill>
-                  <a:srgbClr val="538DD3"/>
-                </a:solidFill>
-                <a:latin typeface="Arial"/>
-                <a:cs typeface="Arial"/>
+              <a:rPr sz="1100" b="1" dirty="0">
+                <a:solidFill>
+                  <a:srgbClr val="538DD3"/>
+                </a:solidFill>
+                <a:latin typeface="Arial" panose="020B0604020202020204"/>
+                <a:cs typeface="Arial" panose="020B0604020202020204"/>
               </a:rPr>
               <a:t>for</a:t>
             </a:r>
             <a:r>
-              <a:rPr dirty="0" sz="1100" spc="-15" b="1">
-                <a:solidFill>
-                  <a:srgbClr val="538DD3"/>
-                </a:solidFill>
-                <a:latin typeface="Arial"/>
-                <a:cs typeface="Arial"/>
+              <a:rPr sz="1100" b="1" spc="-15" dirty="0">
+                <a:solidFill>
+                  <a:srgbClr val="538DD3"/>
+                </a:solidFill>
+                <a:latin typeface="Arial" panose="020B0604020202020204"/>
+                <a:cs typeface="Arial" panose="020B0604020202020204"/>
               </a:rPr>
               <a:t> </a:t>
             </a:r>
             <a:r>
-              <a:rPr dirty="0" sz="1100" spc="-5" b="1">
-                <a:solidFill>
-                  <a:srgbClr val="538DD3"/>
-                </a:solidFill>
-                <a:latin typeface="Arial"/>
-                <a:cs typeface="Arial"/>
+              <a:rPr sz="1100" b="1" spc="-5" dirty="0">
+                <a:solidFill>
+                  <a:srgbClr val="538DD3"/>
+                </a:solidFill>
+                <a:latin typeface="Arial" panose="020B0604020202020204"/>
+                <a:cs typeface="Arial" panose="020B0604020202020204"/>
               </a:rPr>
               <a:t>your</a:t>
             </a:r>
             <a:r>
-              <a:rPr dirty="0" sz="1100" spc="-15" b="1">
-                <a:solidFill>
-                  <a:srgbClr val="538DD3"/>
-                </a:solidFill>
-                <a:latin typeface="Arial"/>
-                <a:cs typeface="Arial"/>
+              <a:rPr sz="1100" b="1" spc="-15" dirty="0">
+                <a:solidFill>
+                  <a:srgbClr val="538DD3"/>
+                </a:solidFill>
+                <a:latin typeface="Arial" panose="020B0604020202020204"/>
+                <a:cs typeface="Arial" panose="020B0604020202020204"/>
               </a:rPr>
               <a:t> </a:t>
             </a:r>
             <a:r>
-              <a:rPr dirty="0" sz="1100" spc="-10" b="1">
-                <a:solidFill>
-                  <a:srgbClr val="538DD3"/>
-                </a:solidFill>
-                <a:latin typeface="Arial"/>
-                <a:cs typeface="Arial"/>
+              <a:rPr sz="1100" b="1" spc="-10" dirty="0">
+                <a:solidFill>
+                  <a:srgbClr val="538DD3"/>
+                </a:solidFill>
+                <a:latin typeface="Arial" panose="020B0604020202020204"/>
+                <a:cs typeface="Arial" panose="020B0604020202020204"/>
               </a:rPr>
               <a:t>mother.</a:t>
             </a:r>
             <a:r>
-              <a:rPr dirty="0" sz="1100" spc="-35" b="1">
-                <a:solidFill>
-                  <a:srgbClr val="538DD3"/>
-                </a:solidFill>
-                <a:latin typeface="Arial"/>
-                <a:cs typeface="Arial"/>
+              <a:rPr sz="1100" b="1" spc="-35" dirty="0">
+                <a:solidFill>
+                  <a:srgbClr val="538DD3"/>
+                </a:solidFill>
+                <a:latin typeface="Arial" panose="020B0604020202020204"/>
+                <a:cs typeface="Arial" panose="020B0604020202020204"/>
               </a:rPr>
               <a:t> </a:t>
             </a:r>
             <a:r>
-              <a:rPr dirty="0" sz="1100" b="1">
-                <a:solidFill>
-                  <a:srgbClr val="538DD3"/>
-                </a:solidFill>
-                <a:latin typeface="Arial"/>
-                <a:cs typeface="Arial"/>
+              <a:rPr sz="1100" b="1" dirty="0">
+                <a:solidFill>
+                  <a:srgbClr val="538DD3"/>
+                </a:solidFill>
+                <a:latin typeface="Arial" panose="020B0604020202020204"/>
+                <a:cs typeface="Arial" panose="020B0604020202020204"/>
               </a:rPr>
               <a:t>It</a:t>
             </a:r>
             <a:r>
-              <a:rPr dirty="0" sz="1100" spc="-10" b="1">
-                <a:solidFill>
-                  <a:srgbClr val="538DD3"/>
-                </a:solidFill>
-                <a:latin typeface="Arial"/>
-                <a:cs typeface="Arial"/>
+              <a:rPr sz="1100" b="1" spc="-10" dirty="0">
+                <a:solidFill>
+                  <a:srgbClr val="538DD3"/>
+                </a:solidFill>
+                <a:latin typeface="Arial" panose="020B0604020202020204"/>
+                <a:cs typeface="Arial" panose="020B0604020202020204"/>
               </a:rPr>
               <a:t> </a:t>
             </a:r>
             <a:r>
-              <a:rPr dirty="0" sz="1100" b="1">
-                <a:solidFill>
-                  <a:srgbClr val="538DD3"/>
-                </a:solidFill>
-                <a:latin typeface="Arial"/>
-                <a:cs typeface="Arial"/>
+              <a:rPr sz="1100" b="1" dirty="0">
+                <a:solidFill>
+                  <a:srgbClr val="538DD3"/>
+                </a:solidFill>
+                <a:latin typeface="Arial" panose="020B0604020202020204"/>
+                <a:cs typeface="Arial" panose="020B0604020202020204"/>
               </a:rPr>
               <a:t>will</a:t>
             </a:r>
             <a:endParaRPr sz="1100">
-              <a:latin typeface="Arial"/>
-              <a:cs typeface="Arial"/>
+              <a:latin typeface="Arial" panose="020B0604020202020204"/>
+              <a:cs typeface="Arial" panose="020B0604020202020204"/>
             </a:endParaRPr>
           </a:p>
         </p:txBody>
@@ -2195,7 +2302,7 @@
           </a:prstGeom>
         </p:spPr>
         <p:txBody>
-          <a:bodyPr wrap="square" lIns="0" tIns="13335" rIns="0" bIns="0" rtlCol="0" vert="horz">
+          <a:bodyPr vert="horz" wrap="square" lIns="0" tIns="13335" rIns="0" bIns="0" rtlCol="0">
             <a:spAutoFit/>
           </a:bodyPr>
           <a:lstStyle/>
@@ -2209,510 +2316,510 @@
               </a:spcBef>
             </a:pPr>
             <a:r>
-              <a:rPr dirty="0" sz="1100" b="1">
-                <a:solidFill>
-                  <a:srgbClr val="538DD3"/>
-                </a:solidFill>
-                <a:latin typeface="Arial"/>
-                <a:cs typeface="Arial"/>
+              <a:rPr sz="1100" b="1" dirty="0">
+                <a:solidFill>
+                  <a:srgbClr val="538DD3"/>
+                </a:solidFill>
+                <a:latin typeface="Arial" panose="020B0604020202020204"/>
+                <a:cs typeface="Arial" panose="020B0604020202020204"/>
               </a:rPr>
               <a:t>take me two or three </a:t>
             </a:r>
             <a:r>
-              <a:rPr dirty="0" sz="1100" spc="-5" b="1">
-                <a:solidFill>
-                  <a:srgbClr val="538DD3"/>
-                </a:solidFill>
-                <a:latin typeface="Arial"/>
-                <a:cs typeface="Arial"/>
+              <a:rPr sz="1100" b="1" spc="-5" dirty="0">
+                <a:solidFill>
+                  <a:srgbClr val="538DD3"/>
+                </a:solidFill>
+                <a:latin typeface="Arial" panose="020B0604020202020204"/>
+                <a:cs typeface="Arial" panose="020B0604020202020204"/>
               </a:rPr>
               <a:t>days </a:t>
             </a:r>
             <a:r>
-              <a:rPr dirty="0" sz="1100" b="1">
-                <a:solidFill>
-                  <a:srgbClr val="538DD3"/>
-                </a:solidFill>
-                <a:latin typeface="Arial"/>
-                <a:cs typeface="Arial"/>
+              <a:rPr sz="1100" b="1" dirty="0">
+                <a:solidFill>
+                  <a:srgbClr val="538DD3"/>
+                </a:solidFill>
+                <a:latin typeface="Arial" panose="020B0604020202020204"/>
+                <a:cs typeface="Arial" panose="020B0604020202020204"/>
               </a:rPr>
               <a:t>to come </a:t>
             </a:r>
             <a:r>
-              <a:rPr dirty="0" sz="1100" spc="-5" b="1">
-                <a:solidFill>
-                  <a:srgbClr val="538DD3"/>
-                </a:solidFill>
-                <a:latin typeface="Arial"/>
-                <a:cs typeface="Arial"/>
+              <a:rPr sz="1100" b="1" spc="-5" dirty="0">
+                <a:solidFill>
+                  <a:srgbClr val="538DD3"/>
+                </a:solidFill>
+                <a:latin typeface="Arial" panose="020B0604020202020204"/>
+                <a:cs typeface="Arial" panose="020B0604020202020204"/>
               </a:rPr>
               <a:t>back. So </a:t>
             </a:r>
             <a:r>
-              <a:rPr dirty="0" sz="1100" b="1">
-                <a:solidFill>
-                  <a:srgbClr val="538DD3"/>
-                </a:solidFill>
-                <a:latin typeface="Arial"/>
-                <a:cs typeface="Arial"/>
+              <a:rPr sz="1100" b="1" dirty="0">
+                <a:solidFill>
+                  <a:srgbClr val="538DD3"/>
+                </a:solidFill>
+                <a:latin typeface="Arial" panose="020B0604020202020204"/>
+                <a:cs typeface="Arial" panose="020B0604020202020204"/>
               </a:rPr>
               <a:t>take care </a:t>
             </a:r>
             <a:r>
-              <a:rPr dirty="0" sz="1100" spc="-5" b="1">
-                <a:solidFill>
-                  <a:srgbClr val="538DD3"/>
-                </a:solidFill>
-                <a:latin typeface="Arial"/>
-                <a:cs typeface="Arial"/>
+              <a:rPr sz="1100" b="1" spc="-5" dirty="0">
+                <a:solidFill>
+                  <a:srgbClr val="538DD3"/>
+                </a:solidFill>
+                <a:latin typeface="Arial" panose="020B0604020202020204"/>
+                <a:cs typeface="Arial" panose="020B0604020202020204"/>
               </a:rPr>
               <a:t>of </a:t>
             </a:r>
             <a:r>
-              <a:rPr dirty="0" sz="1100" b="1">
-                <a:solidFill>
-                  <a:srgbClr val="538DD3"/>
-                </a:solidFill>
-                <a:latin typeface="Arial"/>
-                <a:cs typeface="Arial"/>
+              <a:rPr sz="1100" b="1" dirty="0">
+                <a:solidFill>
+                  <a:srgbClr val="538DD3"/>
+                </a:solidFill>
+                <a:latin typeface="Arial" panose="020B0604020202020204"/>
+                <a:cs typeface="Arial" panose="020B0604020202020204"/>
               </a:rPr>
               <a:t>the </a:t>
             </a:r>
             <a:r>
-              <a:rPr dirty="0" sz="1100" spc="-5" b="1">
-                <a:solidFill>
-                  <a:srgbClr val="538DD3"/>
-                </a:solidFill>
-                <a:latin typeface="Arial"/>
-                <a:cs typeface="Arial"/>
+              <a:rPr sz="1100" b="1" spc="-5" dirty="0">
+                <a:solidFill>
+                  <a:srgbClr val="538DD3"/>
+                </a:solidFill>
+                <a:latin typeface="Arial" panose="020B0604020202020204"/>
+                <a:cs typeface="Arial" panose="020B0604020202020204"/>
               </a:rPr>
               <a:t>sheep. Save</a:t>
             </a:r>
             <a:r>
-              <a:rPr dirty="0" sz="1100" spc="-114" b="1">
-                <a:solidFill>
-                  <a:srgbClr val="538DD3"/>
-                </a:solidFill>
-                <a:latin typeface="Arial"/>
-                <a:cs typeface="Arial"/>
+              <a:rPr sz="1100" b="1" spc="-114" dirty="0">
+                <a:solidFill>
+                  <a:srgbClr val="538DD3"/>
+                </a:solidFill>
+                <a:latin typeface="Arial" panose="020B0604020202020204"/>
+                <a:cs typeface="Arial" panose="020B0604020202020204"/>
               </a:rPr>
               <a:t> </a:t>
             </a:r>
             <a:r>
-              <a:rPr dirty="0" sz="1100" b="1">
-                <a:solidFill>
-                  <a:srgbClr val="538DD3"/>
-                </a:solidFill>
-                <a:latin typeface="Arial"/>
-                <a:cs typeface="Arial"/>
+              <a:rPr sz="1100" b="1" dirty="0">
+                <a:solidFill>
+                  <a:srgbClr val="538DD3"/>
+                </a:solidFill>
+                <a:latin typeface="Arial" panose="020B0604020202020204"/>
+                <a:cs typeface="Arial" panose="020B0604020202020204"/>
               </a:rPr>
               <a:t>them</a:t>
             </a:r>
             <a:endParaRPr sz="1100">
-              <a:latin typeface="Arial"/>
-              <a:cs typeface="Arial"/>
+              <a:latin typeface="Arial" panose="020B0604020202020204"/>
+              <a:cs typeface="Arial" panose="020B0604020202020204"/>
             </a:endParaRPr>
           </a:p>
           <a:p>
             <a:pPr marL="12700" marR="60325">
               <a:lnSpc>
-                <a:spcPct val="236400"/>
+                <a:spcPct val="236000"/>
               </a:lnSpc>
             </a:pPr>
             <a:r>
-              <a:rPr dirty="0" sz="1100" b="1">
-                <a:solidFill>
-                  <a:srgbClr val="538DD3"/>
-                </a:solidFill>
-                <a:latin typeface="Arial"/>
-                <a:cs typeface="Arial"/>
+              <a:rPr sz="1100" b="1" dirty="0">
+                <a:solidFill>
+                  <a:srgbClr val="538DD3"/>
+                </a:solidFill>
+                <a:latin typeface="Arial" panose="020B0604020202020204"/>
+                <a:cs typeface="Arial" panose="020B0604020202020204"/>
               </a:rPr>
               <a:t>from being </a:t>
             </a:r>
             <a:r>
-              <a:rPr dirty="0" sz="1100" spc="-5" b="1">
-                <a:solidFill>
-                  <a:srgbClr val="538DD3"/>
-                </a:solidFill>
-                <a:latin typeface="Arial"/>
-                <a:cs typeface="Arial"/>
+              <a:rPr sz="1100" b="1" spc="-5" dirty="0">
+                <a:solidFill>
+                  <a:srgbClr val="538DD3"/>
+                </a:solidFill>
+                <a:latin typeface="Arial" panose="020B0604020202020204"/>
+                <a:cs typeface="Arial" panose="020B0604020202020204"/>
               </a:rPr>
               <a:t>attacked </a:t>
             </a:r>
             <a:r>
-              <a:rPr dirty="0" sz="1100" b="1">
-                <a:solidFill>
-                  <a:srgbClr val="538DD3"/>
-                </a:solidFill>
-                <a:latin typeface="Arial"/>
-                <a:cs typeface="Arial"/>
+              <a:rPr sz="1100" b="1" dirty="0">
+                <a:solidFill>
+                  <a:srgbClr val="538DD3"/>
+                </a:solidFill>
+                <a:latin typeface="Arial" panose="020B0604020202020204"/>
+                <a:cs typeface="Arial" panose="020B0604020202020204"/>
               </a:rPr>
               <a:t>by the </a:t>
             </a:r>
             <a:r>
-              <a:rPr dirty="0" sz="1100" spc="-5" b="1">
-                <a:solidFill>
-                  <a:srgbClr val="538DD3"/>
-                </a:solidFill>
-                <a:latin typeface="Arial"/>
-                <a:cs typeface="Arial"/>
+              <a:rPr sz="1100" b="1" spc="-5" dirty="0">
+                <a:solidFill>
+                  <a:srgbClr val="538DD3"/>
+                </a:solidFill>
+                <a:latin typeface="Arial" panose="020B0604020202020204"/>
+                <a:cs typeface="Arial" panose="020B0604020202020204"/>
               </a:rPr>
               <a:t>tigers and wolves. There </a:t>
             </a:r>
             <a:r>
-              <a:rPr dirty="0" sz="1100" b="1">
-                <a:solidFill>
-                  <a:srgbClr val="538DD3"/>
-                </a:solidFill>
-                <a:latin typeface="Arial"/>
-                <a:cs typeface="Arial"/>
+              <a:rPr sz="1100" b="1" dirty="0">
+                <a:solidFill>
+                  <a:srgbClr val="538DD3"/>
+                </a:solidFill>
+                <a:latin typeface="Arial" panose="020B0604020202020204"/>
+                <a:cs typeface="Arial" panose="020B0604020202020204"/>
               </a:rPr>
               <a:t>are many wild </a:t>
             </a:r>
             <a:r>
-              <a:rPr dirty="0" sz="1100" spc="-5" b="1">
-                <a:solidFill>
-                  <a:srgbClr val="538DD3"/>
-                </a:solidFill>
-                <a:latin typeface="Arial"/>
-                <a:cs typeface="Arial"/>
+              <a:rPr sz="1100" b="1" spc="-5" dirty="0">
+                <a:solidFill>
+                  <a:srgbClr val="538DD3"/>
+                </a:solidFill>
+                <a:latin typeface="Arial" panose="020B0604020202020204"/>
+                <a:cs typeface="Arial" panose="020B0604020202020204"/>
               </a:rPr>
               <a:t>animals </a:t>
             </a:r>
             <a:r>
-              <a:rPr dirty="0" sz="1100" b="1">
-                <a:solidFill>
-                  <a:srgbClr val="538DD3"/>
-                </a:solidFill>
-                <a:latin typeface="Arial"/>
-                <a:cs typeface="Arial"/>
+              <a:rPr sz="1100" b="1" dirty="0">
+                <a:solidFill>
+                  <a:srgbClr val="538DD3"/>
+                </a:solidFill>
+                <a:latin typeface="Arial" panose="020B0604020202020204"/>
+                <a:cs typeface="Arial" panose="020B0604020202020204"/>
               </a:rPr>
               <a:t>in  the </a:t>
             </a:r>
             <a:r>
-              <a:rPr dirty="0" sz="1100" spc="-5" b="1">
-                <a:solidFill>
-                  <a:srgbClr val="538DD3"/>
-                </a:solidFill>
-                <a:latin typeface="Arial"/>
-                <a:cs typeface="Arial"/>
+              <a:rPr sz="1100" b="1" spc="-5" dirty="0">
+                <a:solidFill>
+                  <a:srgbClr val="538DD3"/>
+                </a:solidFill>
+                <a:latin typeface="Arial" panose="020B0604020202020204"/>
+                <a:cs typeface="Arial" panose="020B0604020202020204"/>
               </a:rPr>
               <a:t>nearby forest. They might kill our</a:t>
             </a:r>
             <a:r>
-              <a:rPr dirty="0" sz="1100" spc="-15" b="1">
-                <a:solidFill>
-                  <a:srgbClr val="538DD3"/>
-                </a:solidFill>
-                <a:latin typeface="Arial"/>
-                <a:cs typeface="Arial"/>
+              <a:rPr sz="1100" b="1" spc="-15" dirty="0">
+                <a:solidFill>
+                  <a:srgbClr val="538DD3"/>
+                </a:solidFill>
+                <a:latin typeface="Arial" panose="020B0604020202020204"/>
+                <a:cs typeface="Arial" panose="020B0604020202020204"/>
               </a:rPr>
               <a:t> </a:t>
             </a:r>
             <a:r>
-              <a:rPr dirty="0" sz="1100" spc="-5" b="1">
-                <a:solidFill>
-                  <a:srgbClr val="538DD3"/>
-                </a:solidFill>
-                <a:latin typeface="Arial"/>
-                <a:cs typeface="Arial"/>
+              <a:rPr sz="1100" b="1" spc="-5" dirty="0">
+                <a:solidFill>
+                  <a:srgbClr val="538DD3"/>
+                </a:solidFill>
+                <a:latin typeface="Arial" panose="020B0604020202020204"/>
+                <a:cs typeface="Arial" panose="020B0604020202020204"/>
               </a:rPr>
               <a:t>sheep."</a:t>
             </a:r>
             <a:endParaRPr sz="1100">
-              <a:latin typeface="Arial"/>
-              <a:cs typeface="Arial"/>
+              <a:latin typeface="Arial" panose="020B0604020202020204"/>
+              <a:cs typeface="Arial" panose="020B0604020202020204"/>
             </a:endParaRPr>
           </a:p>
           <a:p>
             <a:pPr marL="12700" marR="103505">
               <a:lnSpc>
-                <a:spcPct val="236400"/>
+                <a:spcPct val="236000"/>
               </a:lnSpc>
             </a:pPr>
             <a:r>
-              <a:rPr dirty="0" sz="1100" spc="-5" b="1">
-                <a:solidFill>
-                  <a:srgbClr val="538DD3"/>
-                </a:solidFill>
-                <a:latin typeface="Arial"/>
-                <a:cs typeface="Arial"/>
+              <a:rPr sz="1100" b="1" spc="-5" dirty="0">
+                <a:solidFill>
+                  <a:srgbClr val="538DD3"/>
+                </a:solidFill>
+                <a:latin typeface="Arial" panose="020B0604020202020204"/>
+                <a:cs typeface="Arial" panose="020B0604020202020204"/>
               </a:rPr>
               <a:t>Ramu listened </a:t>
             </a:r>
             <a:r>
-              <a:rPr dirty="0" sz="1100" b="1">
-                <a:solidFill>
-                  <a:srgbClr val="538DD3"/>
-                </a:solidFill>
-                <a:latin typeface="Arial"/>
-                <a:cs typeface="Arial"/>
+              <a:rPr sz="1100" b="1" dirty="0">
+                <a:solidFill>
+                  <a:srgbClr val="538DD3"/>
+                </a:solidFill>
+                <a:latin typeface="Arial" panose="020B0604020202020204"/>
+                <a:cs typeface="Arial" panose="020B0604020202020204"/>
               </a:rPr>
               <a:t>to his </a:t>
             </a:r>
             <a:r>
-              <a:rPr dirty="0" sz="1100" spc="-5" b="1">
-                <a:solidFill>
-                  <a:srgbClr val="538DD3"/>
-                </a:solidFill>
-                <a:latin typeface="Arial"/>
-                <a:cs typeface="Arial"/>
+              <a:rPr sz="1100" b="1" spc="-5" dirty="0">
+                <a:solidFill>
+                  <a:srgbClr val="538DD3"/>
+                </a:solidFill>
+                <a:latin typeface="Arial" panose="020B0604020202020204"/>
+                <a:cs typeface="Arial" panose="020B0604020202020204"/>
               </a:rPr>
               <a:t>father's advice carefully and </a:t>
             </a:r>
             <a:r>
-              <a:rPr dirty="0" sz="1100" b="1">
-                <a:solidFill>
-                  <a:srgbClr val="538DD3"/>
-                </a:solidFill>
-                <a:latin typeface="Arial"/>
-                <a:cs typeface="Arial"/>
+              <a:rPr sz="1100" b="1" dirty="0">
+                <a:solidFill>
+                  <a:srgbClr val="538DD3"/>
+                </a:solidFill>
+                <a:latin typeface="Arial" panose="020B0604020202020204"/>
+                <a:cs typeface="Arial" panose="020B0604020202020204"/>
               </a:rPr>
               <a:t>the </a:t>
             </a:r>
             <a:r>
-              <a:rPr dirty="0" sz="1100" spc="-5" b="1">
-                <a:solidFill>
-                  <a:srgbClr val="538DD3"/>
-                </a:solidFill>
-                <a:latin typeface="Arial"/>
-                <a:cs typeface="Arial"/>
+              <a:rPr sz="1100" b="1" spc="-5" dirty="0">
+                <a:solidFill>
+                  <a:srgbClr val="538DD3"/>
+                </a:solidFill>
+                <a:latin typeface="Arial" panose="020B0604020202020204"/>
+                <a:cs typeface="Arial" panose="020B0604020202020204"/>
               </a:rPr>
               <a:t>next </a:t>
             </a:r>
             <a:r>
-              <a:rPr dirty="0" sz="1100" spc="-20" b="1">
-                <a:solidFill>
-                  <a:srgbClr val="538DD3"/>
-                </a:solidFill>
-                <a:latin typeface="Arial"/>
-                <a:cs typeface="Arial"/>
+              <a:rPr sz="1100" b="1" spc="-20" dirty="0">
+                <a:solidFill>
+                  <a:srgbClr val="538DD3"/>
+                </a:solidFill>
+                <a:latin typeface="Arial" panose="020B0604020202020204"/>
+                <a:cs typeface="Arial" panose="020B0604020202020204"/>
               </a:rPr>
               <a:t>day, </a:t>
             </a:r>
             <a:r>
-              <a:rPr dirty="0" sz="1100" b="1">
-                <a:solidFill>
-                  <a:srgbClr val="538DD3"/>
-                </a:solidFill>
-                <a:latin typeface="Arial"/>
-                <a:cs typeface="Arial"/>
+              <a:rPr sz="1100" b="1" dirty="0">
+                <a:solidFill>
+                  <a:srgbClr val="538DD3"/>
+                </a:solidFill>
+                <a:latin typeface="Arial" panose="020B0604020202020204"/>
+                <a:cs typeface="Arial" panose="020B0604020202020204"/>
               </a:rPr>
               <a:t>he </a:t>
             </a:r>
             <a:r>
-              <a:rPr dirty="0" sz="1100" spc="-5" b="1">
-                <a:solidFill>
-                  <a:srgbClr val="538DD3"/>
-                </a:solidFill>
-                <a:latin typeface="Arial"/>
-                <a:cs typeface="Arial"/>
+              <a:rPr sz="1100" b="1" spc="-5" dirty="0">
+                <a:solidFill>
+                  <a:srgbClr val="538DD3"/>
+                </a:solidFill>
+                <a:latin typeface="Arial" panose="020B0604020202020204"/>
+                <a:cs typeface="Arial" panose="020B0604020202020204"/>
               </a:rPr>
               <a:t>left </a:t>
             </a:r>
             <a:r>
-              <a:rPr dirty="0" sz="1100" b="1">
-                <a:solidFill>
-                  <a:srgbClr val="538DD3"/>
-                </a:solidFill>
-                <a:latin typeface="Arial"/>
-                <a:cs typeface="Arial"/>
+              <a:rPr sz="1100" b="1" dirty="0">
+                <a:solidFill>
+                  <a:srgbClr val="538DD3"/>
+                </a:solidFill>
+                <a:latin typeface="Arial" panose="020B0604020202020204"/>
+                <a:cs typeface="Arial" panose="020B0604020202020204"/>
               </a:rPr>
               <a:t>for the  </a:t>
             </a:r>
             <a:r>
-              <a:rPr dirty="0" sz="1100" spc="-5" b="1">
-                <a:solidFill>
-                  <a:srgbClr val="538DD3"/>
-                </a:solidFill>
-                <a:latin typeface="Arial"/>
-                <a:cs typeface="Arial"/>
+              <a:rPr sz="1100" b="1" spc="-5" dirty="0">
+                <a:solidFill>
+                  <a:srgbClr val="538DD3"/>
+                </a:solidFill>
+                <a:latin typeface="Arial" panose="020B0604020202020204"/>
+                <a:cs typeface="Arial" panose="020B0604020202020204"/>
               </a:rPr>
               <a:t>nearby hillside </a:t>
             </a:r>
             <a:r>
-              <a:rPr dirty="0" sz="1100" b="1">
-                <a:solidFill>
-                  <a:srgbClr val="538DD3"/>
-                </a:solidFill>
-                <a:latin typeface="Arial"/>
-                <a:cs typeface="Arial"/>
+              <a:rPr sz="1100" b="1" dirty="0">
+                <a:solidFill>
+                  <a:srgbClr val="538DD3"/>
+                </a:solidFill>
+                <a:latin typeface="Arial" panose="020B0604020202020204"/>
+                <a:cs typeface="Arial" panose="020B0604020202020204"/>
               </a:rPr>
               <a:t>with his </a:t>
             </a:r>
             <a:r>
-              <a:rPr dirty="0" sz="1100" spc="-5" b="1">
-                <a:solidFill>
-                  <a:srgbClr val="538DD3"/>
-                </a:solidFill>
-                <a:latin typeface="Arial"/>
-                <a:cs typeface="Arial"/>
+              <a:rPr sz="1100" b="1" spc="-5" dirty="0">
+                <a:solidFill>
+                  <a:srgbClr val="538DD3"/>
+                </a:solidFill>
+                <a:latin typeface="Arial" panose="020B0604020202020204"/>
+                <a:cs typeface="Arial" panose="020B0604020202020204"/>
               </a:rPr>
               <a:t>flock of sheep. But Ramu was </a:t>
             </a:r>
             <a:r>
-              <a:rPr dirty="0" sz="1100" b="1">
-                <a:solidFill>
-                  <a:srgbClr val="538DD3"/>
-                </a:solidFill>
-                <a:latin typeface="Arial"/>
-                <a:cs typeface="Arial"/>
+              <a:rPr sz="1100" b="1" dirty="0">
+                <a:solidFill>
+                  <a:srgbClr val="538DD3"/>
+                </a:solidFill>
+                <a:latin typeface="Arial" panose="020B0604020202020204"/>
+                <a:cs typeface="Arial" panose="020B0604020202020204"/>
               </a:rPr>
               <a:t>a </a:t>
             </a:r>
             <a:r>
-              <a:rPr dirty="0" sz="1100" spc="-5" b="1">
-                <a:solidFill>
-                  <a:srgbClr val="538DD3"/>
-                </a:solidFill>
-                <a:latin typeface="Arial"/>
-                <a:cs typeface="Arial"/>
+              <a:rPr sz="1100" b="1" spc="-5" dirty="0">
+                <a:solidFill>
+                  <a:srgbClr val="538DD3"/>
+                </a:solidFill>
+                <a:latin typeface="Arial" panose="020B0604020202020204"/>
+                <a:cs typeface="Arial" panose="020B0604020202020204"/>
               </a:rPr>
               <a:t>mischievous </a:t>
             </a:r>
             <a:r>
-              <a:rPr dirty="0" sz="1100" spc="-20" b="1">
-                <a:solidFill>
-                  <a:srgbClr val="538DD3"/>
-                </a:solidFill>
-                <a:latin typeface="Arial"/>
-                <a:cs typeface="Arial"/>
+              <a:rPr sz="1100" b="1" spc="-20" dirty="0">
+                <a:solidFill>
+                  <a:srgbClr val="538DD3"/>
+                </a:solidFill>
+                <a:latin typeface="Arial" panose="020B0604020202020204"/>
+                <a:cs typeface="Arial" panose="020B0604020202020204"/>
               </a:rPr>
               <a:t>boy. </a:t>
             </a:r>
             <a:r>
-              <a:rPr dirty="0" sz="1100" spc="-5" b="1">
-                <a:solidFill>
-                  <a:srgbClr val="538DD3"/>
-                </a:solidFill>
-                <a:latin typeface="Arial"/>
-                <a:cs typeface="Arial"/>
+              <a:rPr sz="1100" b="1" spc="-5" dirty="0">
+                <a:solidFill>
+                  <a:srgbClr val="538DD3"/>
+                </a:solidFill>
+                <a:latin typeface="Arial" panose="020B0604020202020204"/>
+                <a:cs typeface="Arial" panose="020B0604020202020204"/>
               </a:rPr>
               <a:t>He  </a:t>
             </a:r>
             <a:r>
-              <a:rPr dirty="0" sz="1100" b="1">
-                <a:solidFill>
-                  <a:srgbClr val="538DD3"/>
-                </a:solidFill>
-                <a:latin typeface="Arial"/>
-                <a:cs typeface="Arial"/>
+              <a:rPr sz="1100" b="1" dirty="0">
+                <a:solidFill>
+                  <a:srgbClr val="538DD3"/>
+                </a:solidFill>
+                <a:latin typeface="Arial" panose="020B0604020202020204"/>
+                <a:cs typeface="Arial" panose="020B0604020202020204"/>
               </a:rPr>
               <a:t>was </a:t>
             </a:r>
             <a:r>
-              <a:rPr dirty="0" sz="1100" spc="-5" b="1">
-                <a:solidFill>
-                  <a:srgbClr val="538DD3"/>
-                </a:solidFill>
-                <a:latin typeface="Arial"/>
-                <a:cs typeface="Arial"/>
+              <a:rPr sz="1100" b="1" spc="-5" dirty="0">
+                <a:solidFill>
+                  <a:srgbClr val="538DD3"/>
+                </a:solidFill>
+                <a:latin typeface="Arial" panose="020B0604020202020204"/>
+                <a:cs typeface="Arial" panose="020B0604020202020204"/>
               </a:rPr>
               <a:t>feeling </a:t>
             </a:r>
             <a:r>
-              <a:rPr dirty="0" sz="1100" spc="-15" b="1">
-                <a:solidFill>
-                  <a:srgbClr val="538DD3"/>
-                </a:solidFill>
-                <a:latin typeface="Arial"/>
-                <a:cs typeface="Arial"/>
+              <a:rPr sz="1100" b="1" spc="-15" dirty="0">
+                <a:solidFill>
+                  <a:srgbClr val="538DD3"/>
+                </a:solidFill>
+                <a:latin typeface="Arial" panose="020B0604020202020204"/>
+                <a:cs typeface="Arial" panose="020B0604020202020204"/>
               </a:rPr>
               <a:t>lonely. </a:t>
             </a:r>
             <a:r>
-              <a:rPr dirty="0" sz="1100" spc="-5" b="1">
-                <a:solidFill>
-                  <a:srgbClr val="538DD3"/>
-                </a:solidFill>
-                <a:latin typeface="Arial"/>
-                <a:cs typeface="Arial"/>
+              <a:rPr sz="1100" b="1" spc="-5" dirty="0">
+                <a:solidFill>
+                  <a:srgbClr val="538DD3"/>
+                </a:solidFill>
+                <a:latin typeface="Arial" panose="020B0604020202020204"/>
+                <a:cs typeface="Arial" panose="020B0604020202020204"/>
               </a:rPr>
               <a:t>So </a:t>
             </a:r>
             <a:r>
-              <a:rPr dirty="0" sz="1100" b="1">
-                <a:solidFill>
-                  <a:srgbClr val="538DD3"/>
-                </a:solidFill>
-                <a:latin typeface="Arial"/>
-                <a:cs typeface="Arial"/>
+              <a:rPr sz="1100" b="1" dirty="0">
+                <a:solidFill>
+                  <a:srgbClr val="538DD3"/>
+                </a:solidFill>
+                <a:latin typeface="Arial" panose="020B0604020202020204"/>
+                <a:cs typeface="Arial" panose="020B0604020202020204"/>
               </a:rPr>
               <a:t>he </a:t>
             </a:r>
             <a:r>
-              <a:rPr dirty="0" sz="1100" spc="-5" b="1">
-                <a:solidFill>
-                  <a:srgbClr val="538DD3"/>
-                </a:solidFill>
-                <a:latin typeface="Arial"/>
-                <a:cs typeface="Arial"/>
+              <a:rPr sz="1100" b="1" spc="-5" dirty="0">
+                <a:solidFill>
+                  <a:srgbClr val="538DD3"/>
+                </a:solidFill>
+                <a:latin typeface="Arial" panose="020B0604020202020204"/>
+                <a:cs typeface="Arial" panose="020B0604020202020204"/>
               </a:rPr>
               <a:t>wanted </a:t>
             </a:r>
             <a:r>
-              <a:rPr dirty="0" sz="1100" b="1">
-                <a:solidFill>
-                  <a:srgbClr val="538DD3"/>
-                </a:solidFill>
-                <a:latin typeface="Arial"/>
-                <a:cs typeface="Arial"/>
+              <a:rPr sz="1100" b="1" dirty="0">
+                <a:solidFill>
+                  <a:srgbClr val="538DD3"/>
+                </a:solidFill>
+                <a:latin typeface="Arial" panose="020B0604020202020204"/>
+                <a:cs typeface="Arial" panose="020B0604020202020204"/>
               </a:rPr>
               <a:t>to </a:t>
             </a:r>
             <a:r>
-              <a:rPr dirty="0" sz="1100" spc="-5" b="1">
-                <a:solidFill>
-                  <a:srgbClr val="538DD3"/>
-                </a:solidFill>
-                <a:latin typeface="Arial"/>
-                <a:cs typeface="Arial"/>
+              <a:rPr sz="1100" b="1" spc="-5" dirty="0">
+                <a:solidFill>
+                  <a:srgbClr val="538DD3"/>
+                </a:solidFill>
+                <a:latin typeface="Arial" panose="020B0604020202020204"/>
+                <a:cs typeface="Arial" panose="020B0604020202020204"/>
               </a:rPr>
               <a:t>have </a:t>
             </a:r>
             <a:r>
-              <a:rPr dirty="0" sz="1100" b="1">
-                <a:solidFill>
-                  <a:srgbClr val="538DD3"/>
-                </a:solidFill>
-                <a:latin typeface="Arial"/>
-                <a:cs typeface="Arial"/>
+              <a:rPr sz="1100" b="1" dirty="0">
+                <a:solidFill>
+                  <a:srgbClr val="538DD3"/>
+                </a:solidFill>
+                <a:latin typeface="Arial" panose="020B0604020202020204"/>
+                <a:cs typeface="Arial" panose="020B0604020202020204"/>
               </a:rPr>
               <a:t>some </a:t>
             </a:r>
             <a:r>
-              <a:rPr dirty="0" sz="1100" spc="-5" b="1">
-                <a:solidFill>
-                  <a:srgbClr val="538DD3"/>
-                </a:solidFill>
-                <a:latin typeface="Arial"/>
-                <a:cs typeface="Arial"/>
+              <a:rPr sz="1100" b="1" spc="-5" dirty="0">
+                <a:solidFill>
+                  <a:srgbClr val="538DD3"/>
+                </a:solidFill>
+                <a:latin typeface="Arial" panose="020B0604020202020204"/>
+                <a:cs typeface="Arial" panose="020B0604020202020204"/>
               </a:rPr>
               <a:t>fun. He stood </a:t>
             </a:r>
             <a:r>
-              <a:rPr dirty="0" sz="1100" b="1">
-                <a:solidFill>
-                  <a:srgbClr val="538DD3"/>
-                </a:solidFill>
-                <a:latin typeface="Arial"/>
-                <a:cs typeface="Arial"/>
+              <a:rPr sz="1100" b="1" dirty="0">
+                <a:solidFill>
+                  <a:srgbClr val="538DD3"/>
+                </a:solidFill>
+                <a:latin typeface="Arial" panose="020B0604020202020204"/>
+                <a:cs typeface="Arial" panose="020B0604020202020204"/>
               </a:rPr>
               <a:t>on a high rock  </a:t>
             </a:r>
             <a:r>
-              <a:rPr dirty="0" sz="1100" spc="-5" b="1">
-                <a:solidFill>
-                  <a:srgbClr val="538DD3"/>
-                </a:solidFill>
-                <a:latin typeface="Arial"/>
-                <a:cs typeface="Arial"/>
+              <a:rPr sz="1100" b="1" spc="-5" dirty="0">
+                <a:solidFill>
+                  <a:srgbClr val="538DD3"/>
+                </a:solidFill>
+                <a:latin typeface="Arial" panose="020B0604020202020204"/>
+                <a:cs typeface="Arial" panose="020B0604020202020204"/>
               </a:rPr>
               <a:t>and began shouting "Wolf! wolf!, help."</a:t>
             </a:r>
             <a:endParaRPr sz="1100">
-              <a:latin typeface="Arial"/>
-              <a:cs typeface="Arial"/>
+              <a:latin typeface="Arial" panose="020B0604020202020204"/>
+              <a:cs typeface="Arial" panose="020B0604020202020204"/>
             </a:endParaRPr>
           </a:p>
         </p:txBody>
@@ -2733,7 +2840,7 @@
           </a:prstGeom>
         </p:spPr>
         <p:txBody>
-          <a:bodyPr wrap="square" lIns="0" tIns="13335" rIns="0" bIns="0" rtlCol="0" vert="horz">
+          <a:bodyPr vert="horz" wrap="square" lIns="0" tIns="13335" rIns="0" bIns="0" rtlCol="0">
             <a:spAutoFit/>
           </a:bodyPr>
           <a:lstStyle/>
@@ -2747,128 +2854,128 @@
               </a:spcBef>
             </a:pPr>
             <a:r>
-              <a:rPr dirty="0" sz="1100" spc="-5" b="1">
-                <a:solidFill>
-                  <a:srgbClr val="538DD3"/>
-                </a:solidFill>
-                <a:latin typeface="Arial"/>
-                <a:cs typeface="Arial"/>
+              <a:rPr sz="1100" b="1" spc="-5" dirty="0">
+                <a:solidFill>
+                  <a:srgbClr val="538DD3"/>
+                </a:solidFill>
+                <a:latin typeface="Arial" panose="020B0604020202020204"/>
+                <a:cs typeface="Arial" panose="020B0604020202020204"/>
               </a:rPr>
               <a:t>The </a:t>
             </a:r>
             <a:r>
-              <a:rPr dirty="0" sz="1100" b="1">
-                <a:solidFill>
-                  <a:srgbClr val="538DD3"/>
-                </a:solidFill>
-                <a:latin typeface="Arial"/>
-                <a:cs typeface="Arial"/>
+              <a:rPr sz="1100" b="1" dirty="0">
+                <a:solidFill>
+                  <a:srgbClr val="538DD3"/>
+                </a:solidFill>
+                <a:latin typeface="Arial" panose="020B0604020202020204"/>
+                <a:cs typeface="Arial" panose="020B0604020202020204"/>
               </a:rPr>
               <a:t>villagers </a:t>
             </a:r>
             <a:r>
-              <a:rPr dirty="0" sz="1100" spc="-5" b="1">
-                <a:solidFill>
-                  <a:srgbClr val="538DD3"/>
-                </a:solidFill>
-                <a:latin typeface="Arial"/>
-                <a:cs typeface="Arial"/>
+              <a:rPr sz="1100" b="1" spc="-5" dirty="0">
+                <a:solidFill>
+                  <a:srgbClr val="538DD3"/>
+                </a:solidFill>
+                <a:latin typeface="Arial" panose="020B0604020202020204"/>
+                <a:cs typeface="Arial" panose="020B0604020202020204"/>
               </a:rPr>
               <a:t>heard Ramu crying </a:t>
             </a:r>
             <a:r>
-              <a:rPr dirty="0" sz="1100" b="1">
-                <a:solidFill>
-                  <a:srgbClr val="538DD3"/>
-                </a:solidFill>
-                <a:latin typeface="Arial"/>
-                <a:cs typeface="Arial"/>
+              <a:rPr sz="1100" b="1" dirty="0">
+                <a:solidFill>
+                  <a:srgbClr val="538DD3"/>
+                </a:solidFill>
+                <a:latin typeface="Arial" panose="020B0604020202020204"/>
+                <a:cs typeface="Arial" panose="020B0604020202020204"/>
               </a:rPr>
               <a:t>for help. </a:t>
             </a:r>
             <a:r>
-              <a:rPr dirty="0" sz="1100" spc="-5" b="1">
-                <a:solidFill>
-                  <a:srgbClr val="538DD3"/>
-                </a:solidFill>
-                <a:latin typeface="Arial"/>
-                <a:cs typeface="Arial"/>
+              <a:rPr sz="1100" b="1" spc="-5" dirty="0">
+                <a:solidFill>
+                  <a:srgbClr val="538DD3"/>
+                </a:solidFill>
+                <a:latin typeface="Arial" panose="020B0604020202020204"/>
+                <a:cs typeface="Arial" panose="020B0604020202020204"/>
               </a:rPr>
               <a:t>They </a:t>
             </a:r>
             <a:r>
-              <a:rPr dirty="0" sz="1100" b="1">
-                <a:solidFill>
-                  <a:srgbClr val="538DD3"/>
-                </a:solidFill>
-                <a:latin typeface="Arial"/>
-                <a:cs typeface="Arial"/>
+              <a:rPr sz="1100" b="1" dirty="0">
+                <a:solidFill>
+                  <a:srgbClr val="538DD3"/>
+                </a:solidFill>
+                <a:latin typeface="Arial" panose="020B0604020202020204"/>
+                <a:cs typeface="Arial" panose="020B0604020202020204"/>
               </a:rPr>
               <a:t>ran </a:t>
             </a:r>
             <a:r>
-              <a:rPr dirty="0" sz="1100" spc="-5" b="1">
-                <a:solidFill>
-                  <a:srgbClr val="538DD3"/>
-                </a:solidFill>
-                <a:latin typeface="Arial"/>
-                <a:cs typeface="Arial"/>
+              <a:rPr sz="1100" b="1" spc="-5" dirty="0">
+                <a:solidFill>
+                  <a:srgbClr val="538DD3"/>
+                </a:solidFill>
+                <a:latin typeface="Arial" panose="020B0604020202020204"/>
+                <a:cs typeface="Arial" panose="020B0604020202020204"/>
               </a:rPr>
               <a:t>towards </a:t>
             </a:r>
             <a:r>
-              <a:rPr dirty="0" sz="1100" b="1">
-                <a:solidFill>
-                  <a:srgbClr val="538DD3"/>
-                </a:solidFill>
-                <a:latin typeface="Arial"/>
-                <a:cs typeface="Arial"/>
+              <a:rPr sz="1100" b="1" dirty="0">
+                <a:solidFill>
+                  <a:srgbClr val="538DD3"/>
+                </a:solidFill>
+                <a:latin typeface="Arial" panose="020B0604020202020204"/>
+                <a:cs typeface="Arial" panose="020B0604020202020204"/>
               </a:rPr>
               <a:t>the </a:t>
             </a:r>
             <a:r>
-              <a:rPr dirty="0" sz="1100" spc="-5" b="1">
-                <a:solidFill>
-                  <a:srgbClr val="538DD3"/>
-                </a:solidFill>
-                <a:latin typeface="Arial"/>
-                <a:cs typeface="Arial"/>
+              <a:rPr sz="1100" b="1" spc="-5" dirty="0">
+                <a:solidFill>
+                  <a:srgbClr val="538DD3"/>
+                </a:solidFill>
+                <a:latin typeface="Arial" panose="020B0604020202020204"/>
+                <a:cs typeface="Arial" panose="020B0604020202020204"/>
               </a:rPr>
               <a:t>hillside </a:t>
             </a:r>
             <a:r>
-              <a:rPr dirty="0" sz="1100" b="1">
-                <a:solidFill>
-                  <a:srgbClr val="538DD3"/>
-                </a:solidFill>
-                <a:latin typeface="Arial"/>
-                <a:cs typeface="Arial"/>
+              <a:rPr sz="1100" b="1" dirty="0">
+                <a:solidFill>
+                  <a:srgbClr val="538DD3"/>
+                </a:solidFill>
+                <a:latin typeface="Arial" panose="020B0604020202020204"/>
+                <a:cs typeface="Arial" panose="020B0604020202020204"/>
               </a:rPr>
               <a:t>to</a:t>
             </a:r>
             <a:r>
-              <a:rPr dirty="0" sz="1100" spc="-5" b="1">
-                <a:solidFill>
-                  <a:srgbClr val="538DD3"/>
-                </a:solidFill>
-                <a:latin typeface="Arial"/>
-                <a:cs typeface="Arial"/>
+              <a:rPr sz="1100" b="1" spc="-5" dirty="0">
+                <a:solidFill>
+                  <a:srgbClr val="538DD3"/>
+                </a:solidFill>
+                <a:latin typeface="Arial" panose="020B0604020202020204"/>
+                <a:cs typeface="Arial" panose="020B0604020202020204"/>
               </a:rPr>
               <a:t> </a:t>
             </a:r>
             <a:r>
-              <a:rPr dirty="0" sz="1100" b="1">
-                <a:solidFill>
-                  <a:srgbClr val="538DD3"/>
-                </a:solidFill>
-                <a:latin typeface="Arial"/>
-                <a:cs typeface="Arial"/>
+              <a:rPr sz="1100" b="1" dirty="0">
+                <a:solidFill>
+                  <a:srgbClr val="538DD3"/>
+                </a:solidFill>
+                <a:latin typeface="Arial" panose="020B0604020202020204"/>
+                <a:cs typeface="Arial" panose="020B0604020202020204"/>
               </a:rPr>
               <a:t>help</a:t>
             </a:r>
             <a:endParaRPr sz="1100">
-              <a:latin typeface="Arial"/>
-              <a:cs typeface="Arial"/>
+              <a:latin typeface="Arial" panose="020B0604020202020204"/>
+              <a:cs typeface="Arial" panose="020B0604020202020204"/>
             </a:endParaRPr>
           </a:p>
           <a:p>
@@ -2881,8 +2988,8 @@
               </a:spcBef>
             </a:pPr>
             <a:endParaRPr sz="1550">
-              <a:latin typeface="Arial"/>
-              <a:cs typeface="Arial"/>
+              <a:latin typeface="Arial" panose="020B0604020202020204"/>
+              <a:cs typeface="Arial" panose="020B0604020202020204"/>
             </a:endParaRPr>
           </a:p>
           <a:p>
@@ -2892,58 +2999,58 @@
               </a:lnSpc>
             </a:pPr>
             <a:r>
-              <a:rPr dirty="0" sz="1100" b="1">
-                <a:solidFill>
-                  <a:srgbClr val="538DD3"/>
-                </a:solidFill>
-                <a:latin typeface="Arial"/>
-                <a:cs typeface="Arial"/>
+              <a:rPr sz="1100" b="1" dirty="0">
+                <a:solidFill>
+                  <a:srgbClr val="538DD3"/>
+                </a:solidFill>
+                <a:latin typeface="Arial" panose="020B0604020202020204"/>
+                <a:cs typeface="Arial" panose="020B0604020202020204"/>
               </a:rPr>
               <a:t>was </a:t>
             </a:r>
             <a:r>
-              <a:rPr dirty="0" sz="1100" spc="-5" b="1">
-                <a:solidFill>
-                  <a:srgbClr val="538DD3"/>
-                </a:solidFill>
-                <a:latin typeface="Arial"/>
-                <a:cs typeface="Arial"/>
+              <a:rPr sz="1100" b="1" spc="-5" dirty="0">
+                <a:solidFill>
+                  <a:srgbClr val="538DD3"/>
+                </a:solidFill>
+                <a:latin typeface="Arial" panose="020B0604020202020204"/>
+                <a:cs typeface="Arial" panose="020B0604020202020204"/>
               </a:rPr>
               <a:t>playing </a:t>
             </a:r>
             <a:r>
-              <a:rPr dirty="0" sz="1100" b="1">
-                <a:solidFill>
-                  <a:srgbClr val="538DD3"/>
-                </a:solidFill>
-                <a:latin typeface="Arial"/>
-                <a:cs typeface="Arial"/>
+              <a:rPr sz="1100" b="1" dirty="0">
+                <a:solidFill>
+                  <a:srgbClr val="538DD3"/>
+                </a:solidFill>
+                <a:latin typeface="Arial" panose="020B0604020202020204"/>
+                <a:cs typeface="Arial" panose="020B0604020202020204"/>
               </a:rPr>
               <a:t>on a</a:t>
             </a:r>
             <a:r>
-              <a:rPr dirty="0" sz="1100" spc="-35" b="1">
-                <a:solidFill>
-                  <a:srgbClr val="538DD3"/>
-                </a:solidFill>
-                <a:latin typeface="Arial"/>
-                <a:cs typeface="Arial"/>
+              <a:rPr sz="1100" b="1" spc="-35" dirty="0">
+                <a:solidFill>
+                  <a:srgbClr val="538DD3"/>
+                </a:solidFill>
+                <a:latin typeface="Arial" panose="020B0604020202020204"/>
+                <a:cs typeface="Arial" panose="020B0604020202020204"/>
               </a:rPr>
               <a:t> </a:t>
             </a:r>
             <a:r>
-              <a:rPr dirty="0" sz="1100" spc="-5" b="1">
-                <a:solidFill>
-                  <a:srgbClr val="538DD3"/>
-                </a:solidFill>
-                <a:latin typeface="Arial"/>
-                <a:cs typeface="Arial"/>
+              <a:rPr sz="1100" b="1" spc="-5" dirty="0">
+                <a:solidFill>
+                  <a:srgbClr val="538DD3"/>
+                </a:solidFill>
+                <a:latin typeface="Arial" panose="020B0604020202020204"/>
+                <a:cs typeface="Arial" panose="020B0604020202020204"/>
               </a:rPr>
               <a:t>flute.</a:t>
             </a:r>
             <a:endParaRPr sz="1100">
-              <a:latin typeface="Arial"/>
-              <a:cs typeface="Arial"/>
+              <a:latin typeface="Arial" panose="020B0604020202020204"/>
+              <a:cs typeface="Arial" panose="020B0604020202020204"/>
             </a:endParaRPr>
           </a:p>
           <a:p>
@@ -2956,8 +3063,8 @@
               </a:spcBef>
             </a:pPr>
             <a:endParaRPr sz="1550">
-              <a:latin typeface="Arial"/>
-              <a:cs typeface="Arial"/>
+              <a:latin typeface="Arial" panose="020B0604020202020204"/>
+              <a:cs typeface="Arial" panose="020B0604020202020204"/>
             </a:endParaRPr>
           </a:p>
           <a:p>
@@ -2967,68 +3074,68 @@
               </a:lnSpc>
             </a:pPr>
             <a:r>
-              <a:rPr dirty="0" sz="1100" spc="-5" b="1">
-                <a:solidFill>
-                  <a:srgbClr val="538DD3"/>
-                </a:solidFill>
-                <a:latin typeface="Arial"/>
-                <a:cs typeface="Arial"/>
+              <a:rPr sz="1100" b="1" spc="-5" dirty="0">
+                <a:solidFill>
+                  <a:srgbClr val="538DD3"/>
+                </a:solidFill>
+                <a:latin typeface="Arial" panose="020B0604020202020204"/>
+                <a:cs typeface="Arial" panose="020B0604020202020204"/>
               </a:rPr>
               <a:t>"Where </a:t>
             </a:r>
             <a:r>
-              <a:rPr dirty="0" sz="1100" b="1">
-                <a:solidFill>
-                  <a:srgbClr val="538DD3"/>
-                </a:solidFill>
-                <a:latin typeface="Arial"/>
-                <a:cs typeface="Arial"/>
+              <a:rPr sz="1100" b="1" dirty="0">
+                <a:solidFill>
+                  <a:srgbClr val="538DD3"/>
+                </a:solidFill>
+                <a:latin typeface="Arial" panose="020B0604020202020204"/>
+                <a:cs typeface="Arial" panose="020B0604020202020204"/>
               </a:rPr>
               <a:t>is the wolf?" the villagers </a:t>
             </a:r>
             <a:r>
-              <a:rPr dirty="0" sz="1100" spc="-5" b="1">
-                <a:solidFill>
-                  <a:srgbClr val="538DD3"/>
-                </a:solidFill>
-                <a:latin typeface="Arial"/>
-                <a:cs typeface="Arial"/>
+              <a:rPr sz="1100" b="1" spc="-5" dirty="0">
+                <a:solidFill>
+                  <a:srgbClr val="538DD3"/>
+                </a:solidFill>
+                <a:latin typeface="Arial" panose="020B0604020202020204"/>
+                <a:cs typeface="Arial" panose="020B0604020202020204"/>
               </a:rPr>
               <a:t>asked </a:t>
             </a:r>
             <a:r>
-              <a:rPr dirty="0" sz="1100" b="1">
-                <a:solidFill>
-                  <a:srgbClr val="538DD3"/>
-                </a:solidFill>
-                <a:latin typeface="Arial"/>
-                <a:cs typeface="Arial"/>
+              <a:rPr sz="1100" b="1" dirty="0">
+                <a:solidFill>
+                  <a:srgbClr val="538DD3"/>
+                </a:solidFill>
+                <a:latin typeface="Arial" panose="020B0604020202020204"/>
+                <a:cs typeface="Arial" panose="020B0604020202020204"/>
               </a:rPr>
               <a:t>the</a:t>
             </a:r>
             <a:r>
-              <a:rPr dirty="0" sz="1100" spc="-80" b="1">
-                <a:solidFill>
-                  <a:srgbClr val="538DD3"/>
-                </a:solidFill>
-                <a:latin typeface="Arial"/>
-                <a:cs typeface="Arial"/>
+              <a:rPr sz="1100" b="1" spc="-80" dirty="0">
+                <a:solidFill>
+                  <a:srgbClr val="538DD3"/>
+                </a:solidFill>
+                <a:latin typeface="Arial" panose="020B0604020202020204"/>
+                <a:cs typeface="Arial" panose="020B0604020202020204"/>
               </a:rPr>
               <a:t> </a:t>
             </a:r>
             <a:r>
-              <a:rPr dirty="0" sz="1100" spc="-20" b="1">
-                <a:solidFill>
-                  <a:srgbClr val="538DD3"/>
-                </a:solidFill>
-                <a:latin typeface="Arial"/>
-                <a:cs typeface="Arial"/>
+              <a:rPr sz="1100" b="1" spc="-20" dirty="0">
+                <a:solidFill>
+                  <a:srgbClr val="538DD3"/>
+                </a:solidFill>
+                <a:latin typeface="Arial" panose="020B0604020202020204"/>
+                <a:cs typeface="Arial" panose="020B0604020202020204"/>
               </a:rPr>
               <a:t>boy.</a:t>
             </a:r>
             <a:endParaRPr sz="1100">
-              <a:latin typeface="Arial"/>
-              <a:cs typeface="Arial"/>
+              <a:latin typeface="Arial" panose="020B0604020202020204"/>
+              <a:cs typeface="Arial" panose="020B0604020202020204"/>
             </a:endParaRPr>
           </a:p>
         </p:txBody>
@@ -3049,7 +3156,7 @@
           </a:prstGeom>
         </p:spPr>
         <p:txBody>
-          <a:bodyPr wrap="square" lIns="0" tIns="13335" rIns="0" bIns="0" rtlCol="0" vert="horz">
+          <a:bodyPr vert="horz" wrap="square" lIns="0" tIns="13335" rIns="0" bIns="0" rtlCol="0">
             <a:spAutoFit/>
           </a:bodyPr>
           <a:lstStyle/>
@@ -3063,389 +3170,389 @@
               </a:spcBef>
             </a:pPr>
             <a:r>
-              <a:rPr dirty="0" sz="1100" spc="-5" b="1">
-                <a:solidFill>
-                  <a:srgbClr val="538DD3"/>
-                </a:solidFill>
-                <a:latin typeface="Arial"/>
-                <a:cs typeface="Arial"/>
+              <a:rPr sz="1100" b="1" spc="-5" dirty="0">
+                <a:solidFill>
+                  <a:srgbClr val="538DD3"/>
+                </a:solidFill>
+                <a:latin typeface="Arial" panose="020B0604020202020204"/>
+                <a:cs typeface="Arial" panose="020B0604020202020204"/>
               </a:rPr>
               <a:t>"There </a:t>
             </a:r>
             <a:r>
-              <a:rPr dirty="0" sz="1100" b="1">
-                <a:solidFill>
-                  <a:srgbClr val="538DD3"/>
-                </a:solidFill>
-                <a:latin typeface="Arial"/>
-                <a:cs typeface="Arial"/>
+              <a:rPr sz="1100" b="1" dirty="0">
+                <a:solidFill>
+                  <a:srgbClr val="538DD3"/>
+                </a:solidFill>
+                <a:latin typeface="Arial" panose="020B0604020202020204"/>
+                <a:cs typeface="Arial" panose="020B0604020202020204"/>
               </a:rPr>
               <a:t>is no wolf </a:t>
             </a:r>
             <a:r>
-              <a:rPr dirty="0" sz="1100" spc="-5" b="1">
-                <a:solidFill>
-                  <a:srgbClr val="538DD3"/>
-                </a:solidFill>
-                <a:latin typeface="Arial"/>
-                <a:cs typeface="Arial"/>
+              <a:rPr sz="1100" b="1" spc="-5" dirty="0">
+                <a:solidFill>
+                  <a:srgbClr val="538DD3"/>
+                </a:solidFill>
+                <a:latin typeface="Arial" panose="020B0604020202020204"/>
+                <a:cs typeface="Arial" panose="020B0604020202020204"/>
               </a:rPr>
               <a:t>here. </a:t>
             </a:r>
             <a:r>
-              <a:rPr dirty="0" sz="1100" b="1">
-                <a:solidFill>
-                  <a:srgbClr val="538DD3"/>
-                </a:solidFill>
-                <a:latin typeface="Arial"/>
-                <a:cs typeface="Arial"/>
+              <a:rPr sz="1100" b="1" dirty="0">
+                <a:solidFill>
+                  <a:srgbClr val="538DD3"/>
+                </a:solidFill>
+                <a:latin typeface="Arial" panose="020B0604020202020204"/>
+                <a:cs typeface="Arial" panose="020B0604020202020204"/>
               </a:rPr>
               <a:t>I was </a:t>
             </a:r>
             <a:r>
-              <a:rPr dirty="0" sz="1100" spc="-5" b="1">
-                <a:solidFill>
-                  <a:srgbClr val="538DD3"/>
-                </a:solidFill>
-                <a:latin typeface="Arial"/>
-                <a:cs typeface="Arial"/>
+              <a:rPr sz="1100" b="1" spc="-5" dirty="0">
+                <a:solidFill>
+                  <a:srgbClr val="538DD3"/>
+                </a:solidFill>
+                <a:latin typeface="Arial" panose="020B0604020202020204"/>
+                <a:cs typeface="Arial" panose="020B0604020202020204"/>
               </a:rPr>
               <a:t>joking," </a:t>
             </a:r>
             <a:r>
-              <a:rPr dirty="0" sz="1100" b="1">
-                <a:solidFill>
-                  <a:srgbClr val="538DD3"/>
-                </a:solidFill>
-                <a:latin typeface="Arial"/>
-                <a:cs typeface="Arial"/>
+              <a:rPr sz="1100" b="1" dirty="0">
+                <a:solidFill>
+                  <a:srgbClr val="538DD3"/>
+                </a:solidFill>
+                <a:latin typeface="Arial" panose="020B0604020202020204"/>
+                <a:cs typeface="Arial" panose="020B0604020202020204"/>
               </a:rPr>
               <a:t>the </a:t>
             </a:r>
             <a:r>
-              <a:rPr dirty="0" sz="1100" spc="-5" b="1">
-                <a:solidFill>
-                  <a:srgbClr val="538DD3"/>
-                </a:solidFill>
-                <a:latin typeface="Arial"/>
-                <a:cs typeface="Arial"/>
+              <a:rPr sz="1100" b="1" spc="-5" dirty="0">
+                <a:solidFill>
+                  <a:srgbClr val="538DD3"/>
+                </a:solidFill>
+                <a:latin typeface="Arial" panose="020B0604020202020204"/>
+                <a:cs typeface="Arial" panose="020B0604020202020204"/>
               </a:rPr>
               <a:t>boy </a:t>
             </a:r>
             <a:r>
-              <a:rPr dirty="0" sz="1100" b="1">
-                <a:solidFill>
-                  <a:srgbClr val="538DD3"/>
-                </a:solidFill>
-                <a:latin typeface="Arial"/>
-                <a:cs typeface="Arial"/>
+              <a:rPr sz="1100" b="1" dirty="0">
+                <a:solidFill>
+                  <a:srgbClr val="538DD3"/>
+                </a:solidFill>
+                <a:latin typeface="Arial" panose="020B0604020202020204"/>
+                <a:cs typeface="Arial" panose="020B0604020202020204"/>
               </a:rPr>
               <a:t>said </a:t>
             </a:r>
             <a:r>
-              <a:rPr dirty="0" sz="1100" spc="-5" b="1">
-                <a:solidFill>
-                  <a:srgbClr val="538DD3"/>
-                </a:solidFill>
-                <a:latin typeface="Arial"/>
-                <a:cs typeface="Arial"/>
+              <a:rPr sz="1100" b="1" spc="-5" dirty="0">
+                <a:solidFill>
+                  <a:srgbClr val="538DD3"/>
+                </a:solidFill>
+                <a:latin typeface="Arial" panose="020B0604020202020204"/>
+                <a:cs typeface="Arial" panose="020B0604020202020204"/>
               </a:rPr>
               <a:t>and</a:t>
             </a:r>
             <a:r>
-              <a:rPr dirty="0" sz="1100" spc="-60" b="1">
-                <a:solidFill>
-                  <a:srgbClr val="538DD3"/>
-                </a:solidFill>
-                <a:latin typeface="Arial"/>
-                <a:cs typeface="Arial"/>
+              <a:rPr sz="1100" b="1" spc="-60" dirty="0">
+                <a:solidFill>
+                  <a:srgbClr val="538DD3"/>
+                </a:solidFill>
+                <a:latin typeface="Arial" panose="020B0604020202020204"/>
+                <a:cs typeface="Arial" panose="020B0604020202020204"/>
               </a:rPr>
               <a:t> </a:t>
             </a:r>
             <a:r>
-              <a:rPr dirty="0" sz="1100" spc="-5" b="1">
-                <a:solidFill>
-                  <a:srgbClr val="538DD3"/>
-                </a:solidFill>
-                <a:latin typeface="Arial"/>
-                <a:cs typeface="Arial"/>
+              <a:rPr sz="1100" b="1" spc="-5" dirty="0">
+                <a:solidFill>
+                  <a:srgbClr val="538DD3"/>
+                </a:solidFill>
+                <a:latin typeface="Arial" panose="020B0604020202020204"/>
+                <a:cs typeface="Arial" panose="020B0604020202020204"/>
               </a:rPr>
               <a:t>laughed.</a:t>
             </a:r>
             <a:endParaRPr sz="1100">
-              <a:latin typeface="Arial"/>
-              <a:cs typeface="Arial"/>
+              <a:latin typeface="Arial" panose="020B0604020202020204"/>
+              <a:cs typeface="Arial" panose="020B0604020202020204"/>
             </a:endParaRPr>
           </a:p>
           <a:p>
             <a:pPr marL="12700" marR="5080">
               <a:lnSpc>
-                <a:spcPct val="236400"/>
+                <a:spcPct val="236000"/>
               </a:lnSpc>
             </a:pPr>
             <a:r>
-              <a:rPr dirty="0" sz="1100" spc="-5" b="1">
-                <a:solidFill>
-                  <a:srgbClr val="538DD3"/>
-                </a:solidFill>
-                <a:latin typeface="Arial"/>
-                <a:cs typeface="Arial"/>
+              <a:rPr sz="1100" b="1" spc="-5" dirty="0">
+                <a:solidFill>
+                  <a:srgbClr val="538DD3"/>
+                </a:solidFill>
+                <a:latin typeface="Arial" panose="020B0604020202020204"/>
+                <a:cs typeface="Arial" panose="020B0604020202020204"/>
               </a:rPr>
               <a:t>The </a:t>
             </a:r>
             <a:r>
-              <a:rPr dirty="0" sz="1100" b="1">
-                <a:solidFill>
-                  <a:srgbClr val="538DD3"/>
-                </a:solidFill>
-                <a:latin typeface="Arial"/>
-                <a:cs typeface="Arial"/>
+              <a:rPr sz="1100" b="1" dirty="0">
+                <a:solidFill>
+                  <a:srgbClr val="538DD3"/>
+                </a:solidFill>
+                <a:latin typeface="Arial" panose="020B0604020202020204"/>
+                <a:cs typeface="Arial" panose="020B0604020202020204"/>
               </a:rPr>
               <a:t>villagers </a:t>
             </a:r>
             <a:r>
-              <a:rPr dirty="0" sz="1100" spc="-5" b="1">
-                <a:solidFill>
-                  <a:srgbClr val="538DD3"/>
-                </a:solidFill>
-                <a:latin typeface="Arial"/>
-                <a:cs typeface="Arial"/>
+              <a:rPr sz="1100" b="1" spc="-5" dirty="0">
+                <a:solidFill>
+                  <a:srgbClr val="538DD3"/>
+                </a:solidFill>
+                <a:latin typeface="Arial" panose="020B0604020202020204"/>
+                <a:cs typeface="Arial" panose="020B0604020202020204"/>
               </a:rPr>
               <a:t>became very angry and returned </a:t>
             </a:r>
             <a:r>
-              <a:rPr dirty="0" sz="1100" b="1">
-                <a:solidFill>
-                  <a:srgbClr val="538DD3"/>
-                </a:solidFill>
-                <a:latin typeface="Arial"/>
-                <a:cs typeface="Arial"/>
+              <a:rPr sz="1100" b="1" dirty="0">
+                <a:solidFill>
+                  <a:srgbClr val="538DD3"/>
+                </a:solidFill>
+                <a:latin typeface="Arial" panose="020B0604020202020204"/>
+                <a:cs typeface="Arial" panose="020B0604020202020204"/>
               </a:rPr>
               <a:t>to </a:t>
             </a:r>
             <a:r>
-              <a:rPr dirty="0" sz="1100" spc="-5" b="1">
-                <a:solidFill>
-                  <a:srgbClr val="538DD3"/>
-                </a:solidFill>
-                <a:latin typeface="Arial"/>
-                <a:cs typeface="Arial"/>
+              <a:rPr sz="1100" b="1" spc="-5" dirty="0">
+                <a:solidFill>
+                  <a:srgbClr val="538DD3"/>
+                </a:solidFill>
+                <a:latin typeface="Arial" panose="020B0604020202020204"/>
+                <a:cs typeface="Arial" panose="020B0604020202020204"/>
               </a:rPr>
               <a:t>their </a:t>
             </a:r>
             <a:r>
-              <a:rPr dirty="0" sz="1100" b="1">
-                <a:solidFill>
-                  <a:srgbClr val="538DD3"/>
-                </a:solidFill>
-                <a:latin typeface="Arial"/>
-                <a:cs typeface="Arial"/>
+              <a:rPr sz="1100" b="1" dirty="0">
+                <a:solidFill>
+                  <a:srgbClr val="538DD3"/>
+                </a:solidFill>
+                <a:latin typeface="Arial" panose="020B0604020202020204"/>
+                <a:cs typeface="Arial" panose="020B0604020202020204"/>
               </a:rPr>
               <a:t>work in the village.  </a:t>
             </a:r>
             <a:r>
-              <a:rPr dirty="0" sz="1100" spc="-5" b="1">
-                <a:solidFill>
-                  <a:srgbClr val="538DD3"/>
-                </a:solidFill>
-                <a:latin typeface="Arial"/>
-                <a:cs typeface="Arial"/>
+              <a:rPr sz="1100" b="1" spc="-5" dirty="0">
+                <a:solidFill>
+                  <a:srgbClr val="538DD3"/>
+                </a:solidFill>
+                <a:latin typeface="Arial" panose="020B0604020202020204"/>
+                <a:cs typeface="Arial" panose="020B0604020202020204"/>
               </a:rPr>
               <a:t>Next </a:t>
             </a:r>
             <a:r>
-              <a:rPr dirty="0" sz="1100" spc="-20" b="1">
-                <a:solidFill>
-                  <a:srgbClr val="538DD3"/>
-                </a:solidFill>
-                <a:latin typeface="Arial"/>
-                <a:cs typeface="Arial"/>
+              <a:rPr sz="1100" b="1" spc="-20" dirty="0">
+                <a:solidFill>
+                  <a:srgbClr val="538DD3"/>
+                </a:solidFill>
+                <a:latin typeface="Arial" panose="020B0604020202020204"/>
+                <a:cs typeface="Arial" panose="020B0604020202020204"/>
               </a:rPr>
               <a:t>day, </a:t>
             </a:r>
             <a:r>
-              <a:rPr dirty="0" sz="1100" b="1">
-                <a:solidFill>
-                  <a:srgbClr val="538DD3"/>
-                </a:solidFill>
-                <a:latin typeface="Arial"/>
-                <a:cs typeface="Arial"/>
+              <a:rPr sz="1100" b="1" dirty="0">
+                <a:solidFill>
+                  <a:srgbClr val="538DD3"/>
+                </a:solidFill>
+                <a:latin typeface="Arial" panose="020B0604020202020204"/>
+                <a:cs typeface="Arial" panose="020B0604020202020204"/>
               </a:rPr>
               <a:t>the </a:t>
             </a:r>
             <a:r>
-              <a:rPr dirty="0" sz="1100" spc="-5" b="1">
-                <a:solidFill>
-                  <a:srgbClr val="538DD3"/>
-                </a:solidFill>
-                <a:latin typeface="Arial"/>
-                <a:cs typeface="Arial"/>
+              <a:rPr sz="1100" b="1" spc="-5" dirty="0">
+                <a:solidFill>
+                  <a:srgbClr val="538DD3"/>
+                </a:solidFill>
+                <a:latin typeface="Arial" panose="020B0604020202020204"/>
+                <a:cs typeface="Arial" panose="020B0604020202020204"/>
               </a:rPr>
               <a:t>boy played </a:t>
             </a:r>
             <a:r>
-              <a:rPr dirty="0" sz="1100" b="1">
-                <a:solidFill>
-                  <a:srgbClr val="538DD3"/>
-                </a:solidFill>
-                <a:latin typeface="Arial"/>
-                <a:cs typeface="Arial"/>
+              <a:rPr sz="1100" b="1" dirty="0">
+                <a:solidFill>
+                  <a:srgbClr val="538DD3"/>
+                </a:solidFill>
+                <a:latin typeface="Arial" panose="020B0604020202020204"/>
+                <a:cs typeface="Arial" panose="020B0604020202020204"/>
               </a:rPr>
               <a:t>the same </a:t>
             </a:r>
             <a:r>
-              <a:rPr dirty="0" sz="1100" spc="-5" b="1">
-                <a:solidFill>
-                  <a:srgbClr val="538DD3"/>
-                </a:solidFill>
-                <a:latin typeface="Arial"/>
-                <a:cs typeface="Arial"/>
+              <a:rPr sz="1100" b="1" spc="-5" dirty="0">
+                <a:solidFill>
+                  <a:srgbClr val="538DD3"/>
+                </a:solidFill>
+                <a:latin typeface="Arial" panose="020B0604020202020204"/>
+                <a:cs typeface="Arial" panose="020B0604020202020204"/>
               </a:rPr>
               <a:t>trick. The </a:t>
             </a:r>
             <a:r>
-              <a:rPr dirty="0" sz="1100" b="1">
-                <a:solidFill>
-                  <a:srgbClr val="538DD3"/>
-                </a:solidFill>
-                <a:latin typeface="Arial"/>
-                <a:cs typeface="Arial"/>
+              <a:rPr sz="1100" b="1" dirty="0">
+                <a:solidFill>
+                  <a:srgbClr val="538DD3"/>
+                </a:solidFill>
+                <a:latin typeface="Arial" panose="020B0604020202020204"/>
+                <a:cs typeface="Arial" panose="020B0604020202020204"/>
               </a:rPr>
               <a:t>villagers again </a:t>
             </a:r>
             <a:r>
-              <a:rPr dirty="0" sz="1100" spc="-5" b="1">
-                <a:solidFill>
-                  <a:srgbClr val="538DD3"/>
-                </a:solidFill>
-                <a:latin typeface="Arial"/>
-                <a:cs typeface="Arial"/>
+              <a:rPr sz="1100" b="1" spc="-5" dirty="0">
+                <a:solidFill>
+                  <a:srgbClr val="538DD3"/>
+                </a:solidFill>
+                <a:latin typeface="Arial" panose="020B0604020202020204"/>
+                <a:cs typeface="Arial" panose="020B0604020202020204"/>
               </a:rPr>
               <a:t>reached there </a:t>
             </a:r>
             <a:r>
-              <a:rPr dirty="0" sz="1100" b="1">
-                <a:solidFill>
-                  <a:srgbClr val="538DD3"/>
-                </a:solidFill>
-                <a:latin typeface="Arial"/>
-                <a:cs typeface="Arial"/>
+              <a:rPr sz="1100" b="1" dirty="0">
+                <a:solidFill>
+                  <a:srgbClr val="538DD3"/>
+                </a:solidFill>
+                <a:latin typeface="Arial" panose="020B0604020202020204"/>
+                <a:cs typeface="Arial" panose="020B0604020202020204"/>
               </a:rPr>
               <a:t>to  help the </a:t>
             </a:r>
             <a:r>
-              <a:rPr dirty="0" sz="1100" spc="-20" b="1">
-                <a:solidFill>
-                  <a:srgbClr val="538DD3"/>
-                </a:solidFill>
-                <a:latin typeface="Arial"/>
-                <a:cs typeface="Arial"/>
+              <a:rPr sz="1100" b="1" spc="-20" dirty="0">
+                <a:solidFill>
+                  <a:srgbClr val="538DD3"/>
+                </a:solidFill>
+                <a:latin typeface="Arial" panose="020B0604020202020204"/>
+                <a:cs typeface="Arial" panose="020B0604020202020204"/>
               </a:rPr>
               <a:t>boy. </a:t>
             </a:r>
             <a:r>
-              <a:rPr dirty="0" sz="1100" spc="-5" b="1">
-                <a:solidFill>
-                  <a:srgbClr val="538DD3"/>
-                </a:solidFill>
-                <a:latin typeface="Arial"/>
-                <a:cs typeface="Arial"/>
+              <a:rPr sz="1100" b="1" spc="-5" dirty="0">
+                <a:solidFill>
+                  <a:srgbClr val="538DD3"/>
+                </a:solidFill>
+                <a:latin typeface="Arial" panose="020B0604020202020204"/>
+                <a:cs typeface="Arial" panose="020B0604020202020204"/>
               </a:rPr>
               <a:t>But </a:t>
             </a:r>
             <a:r>
-              <a:rPr dirty="0" sz="1100" b="1">
-                <a:solidFill>
-                  <a:srgbClr val="538DD3"/>
-                </a:solidFill>
-                <a:latin typeface="Arial"/>
-                <a:cs typeface="Arial"/>
+              <a:rPr sz="1100" b="1" dirty="0">
+                <a:solidFill>
+                  <a:srgbClr val="538DD3"/>
+                </a:solidFill>
+                <a:latin typeface="Arial" panose="020B0604020202020204"/>
+                <a:cs typeface="Arial" panose="020B0604020202020204"/>
               </a:rPr>
               <a:t>when they came to </a:t>
             </a:r>
             <a:r>
-              <a:rPr dirty="0" sz="1100" spc="-5" b="1">
-                <a:solidFill>
-                  <a:srgbClr val="538DD3"/>
-                </a:solidFill>
-                <a:latin typeface="Arial"/>
-                <a:cs typeface="Arial"/>
+              <a:rPr sz="1100" b="1" spc="-5" dirty="0">
+                <a:solidFill>
+                  <a:srgbClr val="538DD3"/>
+                </a:solidFill>
+                <a:latin typeface="Arial" panose="020B0604020202020204"/>
+                <a:cs typeface="Arial" panose="020B0604020202020204"/>
               </a:rPr>
               <a:t>know that </a:t>
             </a:r>
             <a:r>
-              <a:rPr dirty="0" sz="1100" b="1">
-                <a:solidFill>
-                  <a:srgbClr val="538DD3"/>
-                </a:solidFill>
-                <a:latin typeface="Arial"/>
-                <a:cs typeface="Arial"/>
+              <a:rPr sz="1100" b="1" dirty="0">
+                <a:solidFill>
+                  <a:srgbClr val="538DD3"/>
+                </a:solidFill>
+                <a:latin typeface="Arial" panose="020B0604020202020204"/>
+                <a:cs typeface="Arial" panose="020B0604020202020204"/>
               </a:rPr>
               <a:t>the </a:t>
             </a:r>
             <a:r>
-              <a:rPr dirty="0" sz="1100" spc="-5" b="1">
-                <a:solidFill>
-                  <a:srgbClr val="538DD3"/>
-                </a:solidFill>
-                <a:latin typeface="Arial"/>
-                <a:cs typeface="Arial"/>
+              <a:rPr sz="1100" b="1" spc="-5" dirty="0">
+                <a:solidFill>
+                  <a:srgbClr val="538DD3"/>
+                </a:solidFill>
+                <a:latin typeface="Arial" panose="020B0604020202020204"/>
+                <a:cs typeface="Arial" panose="020B0604020202020204"/>
               </a:rPr>
               <a:t>boy </a:t>
             </a:r>
             <a:r>
-              <a:rPr dirty="0" sz="1100" b="1">
-                <a:solidFill>
-                  <a:srgbClr val="538DD3"/>
-                </a:solidFill>
-                <a:latin typeface="Arial"/>
-                <a:cs typeface="Arial"/>
+              <a:rPr sz="1100" b="1" dirty="0">
+                <a:solidFill>
+                  <a:srgbClr val="538DD3"/>
+                </a:solidFill>
+                <a:latin typeface="Arial" panose="020B0604020202020204"/>
+                <a:cs typeface="Arial" panose="020B0604020202020204"/>
               </a:rPr>
               <a:t>was </a:t>
             </a:r>
             <a:r>
-              <a:rPr dirty="0" sz="1100" spc="-5" b="1">
-                <a:solidFill>
-                  <a:srgbClr val="538DD3"/>
-                </a:solidFill>
-                <a:latin typeface="Arial"/>
-                <a:cs typeface="Arial"/>
+              <a:rPr sz="1100" b="1" spc="-5" dirty="0">
+                <a:solidFill>
+                  <a:srgbClr val="538DD3"/>
+                </a:solidFill>
+                <a:latin typeface="Arial" panose="020B0604020202020204"/>
+                <a:cs typeface="Arial" panose="020B0604020202020204"/>
               </a:rPr>
               <a:t>lying, </a:t>
             </a:r>
             <a:r>
-              <a:rPr dirty="0" sz="1100" b="1">
-                <a:solidFill>
-                  <a:srgbClr val="538DD3"/>
-                </a:solidFill>
-                <a:latin typeface="Arial"/>
-                <a:cs typeface="Arial"/>
+              <a:rPr sz="1100" b="1" dirty="0">
+                <a:solidFill>
+                  <a:srgbClr val="538DD3"/>
+                </a:solidFill>
+                <a:latin typeface="Arial" panose="020B0604020202020204"/>
+                <a:cs typeface="Arial" panose="020B0604020202020204"/>
               </a:rPr>
               <a:t>they</a:t>
             </a:r>
             <a:r>
-              <a:rPr dirty="0" sz="1100" spc="-75" b="1">
-                <a:solidFill>
-                  <a:srgbClr val="538DD3"/>
-                </a:solidFill>
-                <a:latin typeface="Arial"/>
-                <a:cs typeface="Arial"/>
+              <a:rPr sz="1100" b="1" spc="-75" dirty="0">
+                <a:solidFill>
+                  <a:srgbClr val="538DD3"/>
+                </a:solidFill>
+                <a:latin typeface="Arial" panose="020B0604020202020204"/>
+                <a:cs typeface="Arial" panose="020B0604020202020204"/>
               </a:rPr>
               <a:t> </a:t>
             </a:r>
             <a:r>
-              <a:rPr dirty="0" sz="1100" spc="-5" b="1">
-                <a:solidFill>
-                  <a:srgbClr val="538DD3"/>
-                </a:solidFill>
-                <a:latin typeface="Arial"/>
-                <a:cs typeface="Arial"/>
+              <a:rPr sz="1100" b="1" spc="-5" dirty="0">
+                <a:solidFill>
+                  <a:srgbClr val="538DD3"/>
+                </a:solidFill>
+                <a:latin typeface="Arial" panose="020B0604020202020204"/>
+                <a:cs typeface="Arial" panose="020B0604020202020204"/>
               </a:rPr>
               <a:t>felt</a:t>
             </a:r>
             <a:endParaRPr sz="1100">
-              <a:latin typeface="Arial"/>
-              <a:cs typeface="Arial"/>
+              <a:latin typeface="Arial" panose="020B0604020202020204"/>
+              <a:cs typeface="Arial" panose="020B0604020202020204"/>
             </a:endParaRPr>
           </a:p>
         </p:txBody>
@@ -3491,7 +3598,7 @@
           </a:prstGeom>
         </p:spPr>
         <p:txBody>
-          <a:bodyPr wrap="square" lIns="0" tIns="13335" rIns="0" bIns="0" rtlCol="0" vert="horz">
+          <a:bodyPr vert="horz" wrap="square" lIns="0" tIns="13335" rIns="0" bIns="0" rtlCol="0">
             <a:spAutoFit/>
           </a:bodyPr>
           <a:lstStyle/>
@@ -3505,419 +3612,419 @@
               </a:spcBef>
             </a:pPr>
             <a:r>
-              <a:rPr dirty="0" sz="1100" spc="-5" b="1">
-                <a:solidFill>
-                  <a:srgbClr val="538DD3"/>
-                </a:solidFill>
-                <a:latin typeface="Arial"/>
-                <a:cs typeface="Arial"/>
+              <a:rPr sz="1100" b="1" spc="-5" dirty="0">
+                <a:solidFill>
+                  <a:srgbClr val="538DD3"/>
+                </a:solidFill>
+                <a:latin typeface="Arial" panose="020B0604020202020204"/>
+                <a:cs typeface="Arial" panose="020B0604020202020204"/>
               </a:rPr>
               <a:t>highly annoyed and </a:t>
             </a:r>
             <a:r>
-              <a:rPr dirty="0" sz="1100" b="1">
-                <a:solidFill>
-                  <a:srgbClr val="538DD3"/>
-                </a:solidFill>
-                <a:latin typeface="Arial"/>
-                <a:cs typeface="Arial"/>
+              <a:rPr sz="1100" b="1" dirty="0">
+                <a:solidFill>
+                  <a:srgbClr val="538DD3"/>
+                </a:solidFill>
+                <a:latin typeface="Arial" panose="020B0604020202020204"/>
+                <a:cs typeface="Arial" panose="020B0604020202020204"/>
               </a:rPr>
               <a:t>went </a:t>
             </a:r>
             <a:r>
-              <a:rPr dirty="0" sz="1100" spc="-5" b="1">
-                <a:solidFill>
-                  <a:srgbClr val="538DD3"/>
-                </a:solidFill>
-                <a:latin typeface="Arial"/>
-                <a:cs typeface="Arial"/>
+              <a:rPr sz="1100" b="1" spc="-5" dirty="0">
+                <a:solidFill>
+                  <a:srgbClr val="538DD3"/>
+                </a:solidFill>
+                <a:latin typeface="Arial" panose="020B0604020202020204"/>
+                <a:cs typeface="Arial" panose="020B0604020202020204"/>
               </a:rPr>
               <a:t>back </a:t>
             </a:r>
             <a:r>
-              <a:rPr dirty="0" sz="1100" b="1">
-                <a:solidFill>
-                  <a:srgbClr val="538DD3"/>
-                </a:solidFill>
-                <a:latin typeface="Arial"/>
-                <a:cs typeface="Arial"/>
+              <a:rPr sz="1100" b="1" dirty="0">
+                <a:solidFill>
+                  <a:srgbClr val="538DD3"/>
+                </a:solidFill>
+                <a:latin typeface="Arial" panose="020B0604020202020204"/>
+                <a:cs typeface="Arial" panose="020B0604020202020204"/>
               </a:rPr>
               <a:t>to the </a:t>
             </a:r>
             <a:r>
-              <a:rPr dirty="0" sz="1100" spc="-5" b="1">
-                <a:solidFill>
-                  <a:srgbClr val="538DD3"/>
-                </a:solidFill>
-                <a:latin typeface="Arial"/>
-                <a:cs typeface="Arial"/>
+              <a:rPr sz="1100" b="1" spc="-5" dirty="0">
+                <a:solidFill>
+                  <a:srgbClr val="538DD3"/>
+                </a:solidFill>
+                <a:latin typeface="Arial" panose="020B0604020202020204"/>
+                <a:cs typeface="Arial" panose="020B0604020202020204"/>
               </a:rPr>
               <a:t>village </a:t>
             </a:r>
             <a:r>
-              <a:rPr dirty="0" sz="1100" b="1">
-                <a:solidFill>
-                  <a:srgbClr val="538DD3"/>
-                </a:solidFill>
-                <a:latin typeface="Arial"/>
-                <a:cs typeface="Arial"/>
+              <a:rPr sz="1100" b="1" dirty="0">
+                <a:solidFill>
+                  <a:srgbClr val="538DD3"/>
+                </a:solidFill>
+                <a:latin typeface="Arial" panose="020B0604020202020204"/>
+                <a:cs typeface="Arial" panose="020B0604020202020204"/>
               </a:rPr>
               <a:t>cursing the</a:t>
             </a:r>
             <a:r>
-              <a:rPr dirty="0" sz="1100" spc="-45" b="1">
-                <a:solidFill>
-                  <a:srgbClr val="538DD3"/>
-                </a:solidFill>
-                <a:latin typeface="Arial"/>
-                <a:cs typeface="Arial"/>
+              <a:rPr sz="1100" b="1" spc="-45" dirty="0">
+                <a:solidFill>
+                  <a:srgbClr val="538DD3"/>
+                </a:solidFill>
+                <a:latin typeface="Arial" panose="020B0604020202020204"/>
+                <a:cs typeface="Arial" panose="020B0604020202020204"/>
               </a:rPr>
               <a:t> </a:t>
             </a:r>
             <a:r>
-              <a:rPr dirty="0" sz="1100" spc="-20" b="1">
-                <a:solidFill>
-                  <a:srgbClr val="538DD3"/>
-                </a:solidFill>
-                <a:latin typeface="Arial"/>
-                <a:cs typeface="Arial"/>
+              <a:rPr sz="1100" b="1" spc="-20" dirty="0">
+                <a:solidFill>
+                  <a:srgbClr val="538DD3"/>
+                </a:solidFill>
+                <a:latin typeface="Arial" panose="020B0604020202020204"/>
+                <a:cs typeface="Arial" panose="020B0604020202020204"/>
               </a:rPr>
               <a:t>boy.</a:t>
             </a:r>
             <a:endParaRPr sz="1100">
-              <a:latin typeface="Arial"/>
-              <a:cs typeface="Arial"/>
+              <a:latin typeface="Arial" panose="020B0604020202020204"/>
+              <a:cs typeface="Arial" panose="020B0604020202020204"/>
             </a:endParaRPr>
           </a:p>
           <a:p>
             <a:pPr marL="12700" marR="5080">
               <a:lnSpc>
-                <a:spcPct val="236400"/>
+                <a:spcPct val="236000"/>
               </a:lnSpc>
             </a:pPr>
             <a:r>
-              <a:rPr dirty="0" sz="1100" b="1">
-                <a:solidFill>
-                  <a:srgbClr val="538DD3"/>
-                </a:solidFill>
-                <a:latin typeface="Arial"/>
-                <a:cs typeface="Arial"/>
+              <a:rPr sz="1100" b="1" dirty="0">
+                <a:solidFill>
+                  <a:srgbClr val="538DD3"/>
+                </a:solidFill>
+                <a:latin typeface="Arial" panose="020B0604020202020204"/>
+                <a:cs typeface="Arial" panose="020B0604020202020204"/>
               </a:rPr>
               <a:t>the </a:t>
             </a:r>
             <a:r>
-              <a:rPr dirty="0" sz="1100" spc="-20" b="1">
-                <a:solidFill>
-                  <a:srgbClr val="538DD3"/>
-                </a:solidFill>
-                <a:latin typeface="Arial"/>
-                <a:cs typeface="Arial"/>
+              <a:rPr sz="1100" b="1" spc="-20" dirty="0">
+                <a:solidFill>
+                  <a:srgbClr val="538DD3"/>
+                </a:solidFill>
+                <a:latin typeface="Arial" panose="020B0604020202020204"/>
+                <a:cs typeface="Arial" panose="020B0604020202020204"/>
               </a:rPr>
               <a:t>boy, </a:t>
             </a:r>
             <a:r>
-              <a:rPr dirty="0" sz="1100" spc="-5" b="1">
-                <a:solidFill>
-                  <a:srgbClr val="538DD3"/>
-                </a:solidFill>
-                <a:latin typeface="Arial"/>
-                <a:cs typeface="Arial"/>
+              <a:rPr sz="1100" b="1" spc="-5" dirty="0">
+                <a:solidFill>
+                  <a:srgbClr val="538DD3"/>
+                </a:solidFill>
+                <a:latin typeface="Arial" panose="020B0604020202020204"/>
+                <a:cs typeface="Arial" panose="020B0604020202020204"/>
               </a:rPr>
               <a:t>carrying </a:t>
             </a:r>
             <a:r>
-              <a:rPr dirty="0" sz="1100" b="1">
-                <a:solidFill>
-                  <a:srgbClr val="538DD3"/>
-                </a:solidFill>
-                <a:latin typeface="Arial"/>
-                <a:cs typeface="Arial"/>
+              <a:rPr sz="1100" b="1" dirty="0">
+                <a:solidFill>
+                  <a:srgbClr val="538DD3"/>
+                </a:solidFill>
+                <a:latin typeface="Arial" panose="020B0604020202020204"/>
+                <a:cs typeface="Arial" panose="020B0604020202020204"/>
               </a:rPr>
               <a:t>big </a:t>
             </a:r>
             <a:r>
-              <a:rPr dirty="0" sz="1100" spc="-5" b="1">
-                <a:solidFill>
-                  <a:srgbClr val="538DD3"/>
-                </a:solidFill>
-                <a:latin typeface="Arial"/>
-                <a:cs typeface="Arial"/>
+              <a:rPr sz="1100" b="1" spc="-5" dirty="0">
+                <a:solidFill>
+                  <a:srgbClr val="538DD3"/>
+                </a:solidFill>
+                <a:latin typeface="Arial" panose="020B0604020202020204"/>
+                <a:cs typeface="Arial" panose="020B0604020202020204"/>
               </a:rPr>
               <a:t>sticks </a:t>
             </a:r>
             <a:r>
-              <a:rPr dirty="0" sz="1100" b="1">
-                <a:solidFill>
-                  <a:srgbClr val="538DD3"/>
-                </a:solidFill>
-                <a:latin typeface="Arial"/>
-                <a:cs typeface="Arial"/>
+              <a:rPr sz="1100" b="1" dirty="0">
+                <a:solidFill>
+                  <a:srgbClr val="538DD3"/>
+                </a:solidFill>
+                <a:latin typeface="Arial" panose="020B0604020202020204"/>
+                <a:cs typeface="Arial" panose="020B0604020202020204"/>
               </a:rPr>
               <a:t>in </a:t>
             </a:r>
             <a:r>
-              <a:rPr dirty="0" sz="1100" spc="-5" b="1">
-                <a:solidFill>
-                  <a:srgbClr val="538DD3"/>
-                </a:solidFill>
-                <a:latin typeface="Arial"/>
-                <a:cs typeface="Arial"/>
+              <a:rPr sz="1100" b="1" spc="-5" dirty="0">
+                <a:solidFill>
+                  <a:srgbClr val="538DD3"/>
+                </a:solidFill>
+                <a:latin typeface="Arial" panose="020B0604020202020204"/>
+                <a:cs typeface="Arial" panose="020B0604020202020204"/>
               </a:rPr>
               <a:t>their hands. </a:t>
             </a:r>
             <a:r>
-              <a:rPr dirty="0" sz="1100" b="1">
-                <a:solidFill>
-                  <a:srgbClr val="538DD3"/>
-                </a:solidFill>
-                <a:latin typeface="Arial"/>
-                <a:cs typeface="Arial"/>
+              <a:rPr sz="1100" b="1" dirty="0">
+                <a:solidFill>
+                  <a:srgbClr val="538DD3"/>
+                </a:solidFill>
+                <a:latin typeface="Arial" panose="020B0604020202020204"/>
+                <a:cs typeface="Arial" panose="020B0604020202020204"/>
               </a:rPr>
               <a:t>When they </a:t>
             </a:r>
             <a:r>
-              <a:rPr dirty="0" sz="1100" spc="-5" b="1">
-                <a:solidFill>
-                  <a:srgbClr val="538DD3"/>
-                </a:solidFill>
-                <a:latin typeface="Arial"/>
-                <a:cs typeface="Arial"/>
+              <a:rPr sz="1100" b="1" spc="-5" dirty="0">
+                <a:solidFill>
+                  <a:srgbClr val="538DD3"/>
+                </a:solidFill>
+                <a:latin typeface="Arial" panose="020B0604020202020204"/>
+                <a:cs typeface="Arial" panose="020B0604020202020204"/>
               </a:rPr>
               <a:t>reached </a:t>
             </a:r>
             <a:r>
-              <a:rPr dirty="0" sz="1100" b="1">
-                <a:solidFill>
-                  <a:srgbClr val="538DD3"/>
-                </a:solidFill>
-                <a:latin typeface="Arial"/>
-                <a:cs typeface="Arial"/>
+              <a:rPr sz="1100" b="1" dirty="0">
+                <a:solidFill>
+                  <a:srgbClr val="538DD3"/>
+                </a:solidFill>
+                <a:latin typeface="Arial" panose="020B0604020202020204"/>
+                <a:cs typeface="Arial" panose="020B0604020202020204"/>
               </a:rPr>
               <a:t>there they </a:t>
             </a:r>
             <a:r>
-              <a:rPr dirty="0" sz="1100" spc="-5" b="1">
-                <a:solidFill>
-                  <a:srgbClr val="538DD3"/>
-                </a:solidFill>
-                <a:latin typeface="Arial"/>
-                <a:cs typeface="Arial"/>
+              <a:rPr sz="1100" b="1" spc="-5" dirty="0">
+                <a:solidFill>
+                  <a:srgbClr val="538DD3"/>
+                </a:solidFill>
+                <a:latin typeface="Arial" panose="020B0604020202020204"/>
+                <a:cs typeface="Arial" panose="020B0604020202020204"/>
               </a:rPr>
               <a:t>found  that </a:t>
             </a:r>
             <a:r>
-              <a:rPr dirty="0" sz="1100" b="1">
-                <a:solidFill>
-                  <a:srgbClr val="538DD3"/>
-                </a:solidFill>
-                <a:latin typeface="Arial"/>
-                <a:cs typeface="Arial"/>
+              <a:rPr sz="1100" b="1" dirty="0">
+                <a:solidFill>
+                  <a:srgbClr val="538DD3"/>
+                </a:solidFill>
+                <a:latin typeface="Arial" panose="020B0604020202020204"/>
+                <a:cs typeface="Arial" panose="020B0604020202020204"/>
               </a:rPr>
               <a:t>there was no wolf. </a:t>
             </a:r>
             <a:r>
-              <a:rPr dirty="0" sz="1100" spc="-5" b="1">
-                <a:solidFill>
-                  <a:srgbClr val="538DD3"/>
-                </a:solidFill>
-                <a:latin typeface="Arial"/>
-                <a:cs typeface="Arial"/>
+              <a:rPr sz="1100" b="1" spc="-5" dirty="0">
+                <a:solidFill>
+                  <a:srgbClr val="538DD3"/>
+                </a:solidFill>
+                <a:latin typeface="Arial" panose="020B0604020202020204"/>
+                <a:cs typeface="Arial" panose="020B0604020202020204"/>
               </a:rPr>
               <a:t>The sheep </a:t>
             </a:r>
             <a:r>
-              <a:rPr dirty="0" sz="1100" b="1">
-                <a:solidFill>
-                  <a:srgbClr val="538DD3"/>
-                </a:solidFill>
-                <a:latin typeface="Arial"/>
-                <a:cs typeface="Arial"/>
+              <a:rPr sz="1100" b="1" dirty="0">
+                <a:solidFill>
+                  <a:srgbClr val="538DD3"/>
+                </a:solidFill>
+                <a:latin typeface="Arial" panose="020B0604020202020204"/>
+                <a:cs typeface="Arial" panose="020B0604020202020204"/>
               </a:rPr>
               <a:t>were </a:t>
             </a:r>
             <a:r>
-              <a:rPr dirty="0" sz="1100" spc="-5" b="1">
-                <a:solidFill>
-                  <a:srgbClr val="538DD3"/>
-                </a:solidFill>
-                <a:latin typeface="Arial"/>
-                <a:cs typeface="Arial"/>
+              <a:rPr sz="1100" b="1" spc="-5" dirty="0">
+                <a:solidFill>
+                  <a:srgbClr val="538DD3"/>
+                </a:solidFill>
+                <a:latin typeface="Arial" panose="020B0604020202020204"/>
+                <a:cs typeface="Arial" panose="020B0604020202020204"/>
               </a:rPr>
               <a:t>grazing happily and </a:t>
             </a:r>
             <a:r>
-              <a:rPr dirty="0" sz="1100" b="1">
-                <a:solidFill>
-                  <a:srgbClr val="538DD3"/>
-                </a:solidFill>
-                <a:latin typeface="Arial"/>
-                <a:cs typeface="Arial"/>
+              <a:rPr sz="1100" b="1" dirty="0">
+                <a:solidFill>
+                  <a:srgbClr val="538DD3"/>
+                </a:solidFill>
+                <a:latin typeface="Arial" panose="020B0604020202020204"/>
+                <a:cs typeface="Arial" panose="020B0604020202020204"/>
               </a:rPr>
               <a:t>the </a:t>
             </a:r>
             <a:r>
-              <a:rPr dirty="0" sz="1100" spc="-5" b="1">
-                <a:solidFill>
-                  <a:srgbClr val="538DD3"/>
-                </a:solidFill>
-                <a:latin typeface="Arial"/>
-                <a:cs typeface="Arial"/>
+              <a:rPr sz="1100" b="1" spc="-5" dirty="0">
+                <a:solidFill>
+                  <a:srgbClr val="538DD3"/>
+                </a:solidFill>
+                <a:latin typeface="Arial" panose="020B0604020202020204"/>
+                <a:cs typeface="Arial" panose="020B0604020202020204"/>
               </a:rPr>
               <a:t>shepherd boy  But </a:t>
             </a:r>
             <a:r>
-              <a:rPr dirty="0" sz="1100" b="1">
-                <a:solidFill>
-                  <a:srgbClr val="538DD3"/>
-                </a:solidFill>
-                <a:latin typeface="Arial"/>
-                <a:cs typeface="Arial"/>
+              <a:rPr sz="1100" b="1" dirty="0">
+                <a:solidFill>
+                  <a:srgbClr val="538DD3"/>
+                </a:solidFill>
+                <a:latin typeface="Arial" panose="020B0604020202020204"/>
+                <a:cs typeface="Arial" panose="020B0604020202020204"/>
               </a:rPr>
               <a:t>on the </a:t>
             </a:r>
             <a:r>
-              <a:rPr dirty="0" sz="1100" spc="-5" b="1">
-                <a:solidFill>
-                  <a:srgbClr val="538DD3"/>
-                </a:solidFill>
-                <a:latin typeface="Arial"/>
-                <a:cs typeface="Arial"/>
+              <a:rPr sz="1100" b="1" spc="-5" dirty="0">
+                <a:solidFill>
+                  <a:srgbClr val="538DD3"/>
+                </a:solidFill>
+                <a:latin typeface="Arial" panose="020B0604020202020204"/>
+                <a:cs typeface="Arial" panose="020B0604020202020204"/>
               </a:rPr>
               <a:t>third </a:t>
             </a:r>
             <a:r>
-              <a:rPr dirty="0" sz="1100" spc="-20" b="1">
-                <a:solidFill>
-                  <a:srgbClr val="538DD3"/>
-                </a:solidFill>
-                <a:latin typeface="Arial"/>
-                <a:cs typeface="Arial"/>
+              <a:rPr sz="1100" b="1" spc="-20" dirty="0">
+                <a:solidFill>
+                  <a:srgbClr val="538DD3"/>
+                </a:solidFill>
+                <a:latin typeface="Arial" panose="020B0604020202020204"/>
+                <a:cs typeface="Arial" panose="020B0604020202020204"/>
               </a:rPr>
               <a:t>day, </a:t>
             </a:r>
             <a:r>
-              <a:rPr dirty="0" sz="1100" b="1">
-                <a:solidFill>
-                  <a:srgbClr val="538DD3"/>
-                </a:solidFill>
-                <a:latin typeface="Arial"/>
-                <a:cs typeface="Arial"/>
+              <a:rPr sz="1100" b="1" dirty="0">
+                <a:solidFill>
+                  <a:srgbClr val="538DD3"/>
+                </a:solidFill>
+                <a:latin typeface="Arial" panose="020B0604020202020204"/>
+                <a:cs typeface="Arial" panose="020B0604020202020204"/>
               </a:rPr>
               <a:t>a wolf </a:t>
             </a:r>
             <a:r>
-              <a:rPr dirty="0" sz="1100" spc="-5" b="1">
-                <a:solidFill>
-                  <a:srgbClr val="538DD3"/>
-                </a:solidFill>
-                <a:latin typeface="Arial"/>
-                <a:cs typeface="Arial"/>
+              <a:rPr sz="1100" b="1" spc="-5" dirty="0">
+                <a:solidFill>
+                  <a:srgbClr val="538DD3"/>
+                </a:solidFill>
+                <a:latin typeface="Arial" panose="020B0604020202020204"/>
+                <a:cs typeface="Arial" panose="020B0604020202020204"/>
               </a:rPr>
               <a:t>really </a:t>
             </a:r>
             <a:r>
-              <a:rPr dirty="0" sz="1100" b="1">
-                <a:solidFill>
-                  <a:srgbClr val="538DD3"/>
-                </a:solidFill>
-                <a:latin typeface="Arial"/>
-                <a:cs typeface="Arial"/>
+              <a:rPr sz="1100" b="1" dirty="0">
+                <a:solidFill>
+                  <a:srgbClr val="538DD3"/>
+                </a:solidFill>
+                <a:latin typeface="Arial" panose="020B0604020202020204"/>
+                <a:cs typeface="Arial" panose="020B0604020202020204"/>
               </a:rPr>
               <a:t>came </a:t>
             </a:r>
             <a:r>
-              <a:rPr dirty="0" sz="1100" spc="-5" b="1">
-                <a:solidFill>
-                  <a:srgbClr val="538DD3"/>
-                </a:solidFill>
-                <a:latin typeface="Arial"/>
-                <a:cs typeface="Arial"/>
+              <a:rPr sz="1100" b="1" spc="-5" dirty="0">
+                <a:solidFill>
+                  <a:srgbClr val="538DD3"/>
+                </a:solidFill>
+                <a:latin typeface="Arial" panose="020B0604020202020204"/>
+                <a:cs typeface="Arial" panose="020B0604020202020204"/>
               </a:rPr>
               <a:t>there. The boy got frightened </a:t>
             </a:r>
             <a:r>
-              <a:rPr dirty="0" sz="1100" b="1">
-                <a:solidFill>
-                  <a:srgbClr val="538DD3"/>
-                </a:solidFill>
-                <a:latin typeface="Arial"/>
-                <a:cs typeface="Arial"/>
+              <a:rPr sz="1100" b="1" dirty="0">
+                <a:solidFill>
+                  <a:srgbClr val="538DD3"/>
+                </a:solidFill>
+                <a:latin typeface="Arial" panose="020B0604020202020204"/>
+                <a:cs typeface="Arial" panose="020B0604020202020204"/>
               </a:rPr>
               <a:t>to </a:t>
             </a:r>
             <a:r>
-              <a:rPr dirty="0" sz="1100" spc="-5" b="1">
-                <a:solidFill>
-                  <a:srgbClr val="538DD3"/>
-                </a:solidFill>
-                <a:latin typeface="Arial"/>
-                <a:cs typeface="Arial"/>
+              <a:rPr sz="1100" b="1" spc="-5" dirty="0">
+                <a:solidFill>
+                  <a:srgbClr val="538DD3"/>
+                </a:solidFill>
+                <a:latin typeface="Arial" panose="020B0604020202020204"/>
+                <a:cs typeface="Arial" panose="020B0604020202020204"/>
               </a:rPr>
               <a:t>see </a:t>
             </a:r>
             <a:r>
-              <a:rPr dirty="0" sz="1100" b="1">
-                <a:solidFill>
-                  <a:srgbClr val="538DD3"/>
-                </a:solidFill>
-                <a:latin typeface="Arial"/>
-                <a:cs typeface="Arial"/>
+              <a:rPr sz="1100" b="1" dirty="0">
+                <a:solidFill>
+                  <a:srgbClr val="538DD3"/>
+                </a:solidFill>
+                <a:latin typeface="Arial" panose="020B0604020202020204"/>
+                <a:cs typeface="Arial" panose="020B0604020202020204"/>
               </a:rPr>
               <a:t>his  red </a:t>
             </a:r>
             <a:r>
-              <a:rPr dirty="0" sz="1100" spc="-5" b="1">
-                <a:solidFill>
-                  <a:srgbClr val="538DD3"/>
-                </a:solidFill>
-                <a:latin typeface="Arial"/>
-                <a:cs typeface="Arial"/>
+              <a:rPr sz="1100" b="1" spc="-5" dirty="0">
+                <a:solidFill>
+                  <a:srgbClr val="538DD3"/>
+                </a:solidFill>
+                <a:latin typeface="Arial" panose="020B0604020202020204"/>
+                <a:cs typeface="Arial" panose="020B0604020202020204"/>
               </a:rPr>
               <a:t>eyes. The </a:t>
             </a:r>
             <a:r>
-              <a:rPr dirty="0" sz="1100" b="1">
-                <a:solidFill>
-                  <a:srgbClr val="538DD3"/>
-                </a:solidFill>
-                <a:latin typeface="Arial"/>
-                <a:cs typeface="Arial"/>
+              <a:rPr sz="1100" b="1" dirty="0">
+                <a:solidFill>
+                  <a:srgbClr val="538DD3"/>
+                </a:solidFill>
+                <a:latin typeface="Arial" panose="020B0604020202020204"/>
+                <a:cs typeface="Arial" panose="020B0604020202020204"/>
               </a:rPr>
               <a:t>wolf was </a:t>
             </a:r>
             <a:r>
-              <a:rPr dirty="0" sz="1100" spc="-5" b="1">
-                <a:solidFill>
-                  <a:srgbClr val="538DD3"/>
-                </a:solidFill>
-                <a:latin typeface="Arial"/>
-                <a:cs typeface="Arial"/>
+              <a:rPr sz="1100" b="1" spc="-5" dirty="0">
+                <a:solidFill>
+                  <a:srgbClr val="538DD3"/>
+                </a:solidFill>
+                <a:latin typeface="Arial" panose="020B0604020202020204"/>
+                <a:cs typeface="Arial" panose="020B0604020202020204"/>
               </a:rPr>
               <a:t>huffing and growling. He began advancing towards</a:t>
             </a:r>
             <a:r>
-              <a:rPr dirty="0" sz="1100" spc="50" b="1">
-                <a:solidFill>
-                  <a:srgbClr val="538DD3"/>
-                </a:solidFill>
-                <a:latin typeface="Arial"/>
-                <a:cs typeface="Arial"/>
+              <a:rPr sz="1100" b="1" spc="50" dirty="0">
+                <a:solidFill>
+                  <a:srgbClr val="538DD3"/>
+                </a:solidFill>
+                <a:latin typeface="Arial" panose="020B0604020202020204"/>
+                <a:cs typeface="Arial" panose="020B0604020202020204"/>
               </a:rPr>
               <a:t> </a:t>
             </a:r>
             <a:r>
-              <a:rPr dirty="0" sz="1100" b="1">
-                <a:solidFill>
-                  <a:srgbClr val="538DD3"/>
-                </a:solidFill>
-                <a:latin typeface="Arial"/>
-                <a:cs typeface="Arial"/>
+              <a:rPr sz="1100" b="1" dirty="0">
+                <a:solidFill>
+                  <a:srgbClr val="538DD3"/>
+                </a:solidFill>
+                <a:latin typeface="Arial" panose="020B0604020202020204"/>
+                <a:cs typeface="Arial" panose="020B0604020202020204"/>
               </a:rPr>
               <a:t>the</a:t>
             </a:r>
             <a:endParaRPr sz="1100">
-              <a:latin typeface="Arial"/>
-              <a:cs typeface="Arial"/>
+              <a:latin typeface="Arial" panose="020B0604020202020204"/>
+              <a:cs typeface="Arial" panose="020B0604020202020204"/>
             </a:endParaRPr>
           </a:p>
         </p:txBody>
@@ -3938,7 +4045,7 @@
           </a:prstGeom>
         </p:spPr>
         <p:txBody>
-          <a:bodyPr wrap="square" lIns="0" tIns="13335" rIns="0" bIns="0" rtlCol="0" vert="horz">
+          <a:bodyPr vert="horz" wrap="square" lIns="0" tIns="13335" rIns="0" bIns="0" rtlCol="0">
             <a:spAutoFit/>
           </a:bodyPr>
           <a:lstStyle/>
@@ -3952,199 +4059,199 @@
               </a:spcBef>
             </a:pPr>
             <a:r>
-              <a:rPr dirty="0" sz="1100" spc="-5" b="1">
-                <a:solidFill>
-                  <a:srgbClr val="538DD3"/>
-                </a:solidFill>
-                <a:latin typeface="Arial"/>
-                <a:cs typeface="Arial"/>
+              <a:rPr sz="1100" b="1" spc="-5" dirty="0">
+                <a:solidFill>
+                  <a:srgbClr val="538DD3"/>
+                </a:solidFill>
+                <a:latin typeface="Arial" panose="020B0604020202020204"/>
+                <a:cs typeface="Arial" panose="020B0604020202020204"/>
               </a:rPr>
               <a:t>flock of sheep, gnashing </a:t>
             </a:r>
             <a:r>
-              <a:rPr dirty="0" sz="1100" b="1">
-                <a:solidFill>
-                  <a:srgbClr val="538DD3"/>
-                </a:solidFill>
-                <a:latin typeface="Arial"/>
-                <a:cs typeface="Arial"/>
+              <a:rPr sz="1100" b="1" dirty="0">
+                <a:solidFill>
+                  <a:srgbClr val="538DD3"/>
+                </a:solidFill>
+                <a:latin typeface="Arial" panose="020B0604020202020204"/>
+                <a:cs typeface="Arial" panose="020B0604020202020204"/>
               </a:rPr>
               <a:t>his </a:t>
             </a:r>
             <a:r>
-              <a:rPr dirty="0" sz="1100" spc="-5" b="1">
-                <a:solidFill>
-                  <a:srgbClr val="538DD3"/>
-                </a:solidFill>
-                <a:latin typeface="Arial"/>
-                <a:cs typeface="Arial"/>
+              <a:rPr sz="1100" b="1" spc="-5" dirty="0">
+                <a:solidFill>
+                  <a:srgbClr val="538DD3"/>
+                </a:solidFill>
+                <a:latin typeface="Arial" panose="020B0604020202020204"/>
+                <a:cs typeface="Arial" panose="020B0604020202020204"/>
               </a:rPr>
               <a:t>teeth and lolling </a:t>
             </a:r>
             <a:r>
-              <a:rPr dirty="0" sz="1100" b="1">
-                <a:solidFill>
-                  <a:srgbClr val="538DD3"/>
-                </a:solidFill>
-                <a:latin typeface="Arial"/>
-                <a:cs typeface="Arial"/>
+              <a:rPr sz="1100" b="1" dirty="0">
+                <a:solidFill>
+                  <a:srgbClr val="538DD3"/>
+                </a:solidFill>
+                <a:latin typeface="Arial" panose="020B0604020202020204"/>
+                <a:cs typeface="Arial" panose="020B0604020202020204"/>
               </a:rPr>
               <a:t>his </a:t>
             </a:r>
             <a:r>
-              <a:rPr dirty="0" sz="1100" spc="-5" b="1">
-                <a:solidFill>
-                  <a:srgbClr val="538DD3"/>
-                </a:solidFill>
-                <a:latin typeface="Arial"/>
-                <a:cs typeface="Arial"/>
+              <a:rPr sz="1100" b="1" spc="-5" dirty="0">
+                <a:solidFill>
+                  <a:srgbClr val="538DD3"/>
+                </a:solidFill>
+                <a:latin typeface="Arial" panose="020B0604020202020204"/>
+                <a:cs typeface="Arial" panose="020B0604020202020204"/>
               </a:rPr>
               <a:t>tongue. The boy </a:t>
             </a:r>
             <a:r>
-              <a:rPr dirty="0" sz="1100" b="1">
-                <a:solidFill>
-                  <a:srgbClr val="538DD3"/>
-                </a:solidFill>
-                <a:latin typeface="Arial"/>
-                <a:cs typeface="Arial"/>
+              <a:rPr sz="1100" b="1" dirty="0">
+                <a:solidFill>
+                  <a:srgbClr val="538DD3"/>
+                </a:solidFill>
+                <a:latin typeface="Arial" panose="020B0604020202020204"/>
+                <a:cs typeface="Arial" panose="020B0604020202020204"/>
               </a:rPr>
               <a:t>lost</a:t>
             </a:r>
             <a:r>
-              <a:rPr dirty="0" sz="1100" spc="35" b="1">
-                <a:solidFill>
-                  <a:srgbClr val="538DD3"/>
-                </a:solidFill>
-                <a:latin typeface="Arial"/>
-                <a:cs typeface="Arial"/>
+              <a:rPr sz="1100" b="1" spc="35" dirty="0">
+                <a:solidFill>
+                  <a:srgbClr val="538DD3"/>
+                </a:solidFill>
+                <a:latin typeface="Arial" panose="020B0604020202020204"/>
+                <a:cs typeface="Arial" panose="020B0604020202020204"/>
               </a:rPr>
               <a:t> </a:t>
             </a:r>
             <a:r>
-              <a:rPr dirty="0" sz="1100" b="1">
-                <a:solidFill>
-                  <a:srgbClr val="538DD3"/>
-                </a:solidFill>
-                <a:latin typeface="Arial"/>
-                <a:cs typeface="Arial"/>
+              <a:rPr sz="1100" b="1" dirty="0">
+                <a:solidFill>
+                  <a:srgbClr val="538DD3"/>
+                </a:solidFill>
+                <a:latin typeface="Arial" panose="020B0604020202020204"/>
+                <a:cs typeface="Arial" panose="020B0604020202020204"/>
               </a:rPr>
               <a:t>his</a:t>
             </a:r>
             <a:endParaRPr sz="1100">
-              <a:latin typeface="Arial"/>
-              <a:cs typeface="Arial"/>
+              <a:latin typeface="Arial" panose="020B0604020202020204"/>
+              <a:cs typeface="Arial" panose="020B0604020202020204"/>
             </a:endParaRPr>
           </a:p>
           <a:p>
             <a:pPr marL="12700" marR="5080">
               <a:lnSpc>
-                <a:spcPct val="236400"/>
+                <a:spcPct val="236000"/>
               </a:lnSpc>
             </a:pPr>
             <a:r>
-              <a:rPr dirty="0" sz="1100" spc="-5" b="1">
-                <a:solidFill>
-                  <a:srgbClr val="538DD3"/>
-                </a:solidFill>
-                <a:latin typeface="Arial"/>
-                <a:cs typeface="Arial"/>
+              <a:rPr sz="1100" b="1" spc="-5" dirty="0">
+                <a:solidFill>
+                  <a:srgbClr val="538DD3"/>
+                </a:solidFill>
+                <a:latin typeface="Arial" panose="020B0604020202020204"/>
+                <a:cs typeface="Arial" panose="020B0604020202020204"/>
               </a:rPr>
               <a:t>courage and began trembling </a:t>
             </a:r>
             <a:r>
-              <a:rPr dirty="0" sz="1100" b="1">
-                <a:solidFill>
-                  <a:srgbClr val="538DD3"/>
-                </a:solidFill>
-                <a:latin typeface="Arial"/>
-                <a:cs typeface="Arial"/>
+              <a:rPr sz="1100" b="1" dirty="0">
+                <a:solidFill>
+                  <a:srgbClr val="538DD3"/>
+                </a:solidFill>
+                <a:latin typeface="Arial" panose="020B0604020202020204"/>
+                <a:cs typeface="Arial" panose="020B0604020202020204"/>
               </a:rPr>
               <a:t>with </a:t>
             </a:r>
             <a:r>
-              <a:rPr dirty="0" sz="1100" spc="-10" b="1">
-                <a:solidFill>
-                  <a:srgbClr val="538DD3"/>
-                </a:solidFill>
-                <a:latin typeface="Arial"/>
-                <a:cs typeface="Arial"/>
+              <a:rPr sz="1100" b="1" spc="-10" dirty="0">
+                <a:solidFill>
+                  <a:srgbClr val="538DD3"/>
+                </a:solidFill>
+                <a:latin typeface="Arial" panose="020B0604020202020204"/>
+                <a:cs typeface="Arial" panose="020B0604020202020204"/>
               </a:rPr>
               <a:t>fear. </a:t>
             </a:r>
             <a:r>
-              <a:rPr dirty="0" sz="1100" spc="-5" b="1">
-                <a:solidFill>
-                  <a:srgbClr val="538DD3"/>
-                </a:solidFill>
-                <a:latin typeface="Arial"/>
-                <a:cs typeface="Arial"/>
+              <a:rPr sz="1100" b="1" spc="-5" dirty="0">
+                <a:solidFill>
+                  <a:srgbClr val="538DD3"/>
+                </a:solidFill>
+                <a:latin typeface="Arial" panose="020B0604020202020204"/>
+                <a:cs typeface="Arial" panose="020B0604020202020204"/>
               </a:rPr>
               <a:t>He shouted, </a:t>
             </a:r>
             <a:r>
-              <a:rPr dirty="0" sz="1100" spc="-10" b="1">
-                <a:solidFill>
-                  <a:srgbClr val="538DD3"/>
-                </a:solidFill>
-                <a:latin typeface="Arial"/>
-                <a:cs typeface="Arial"/>
+              <a:rPr sz="1100" b="1" spc="-10" dirty="0">
+                <a:solidFill>
+                  <a:srgbClr val="538DD3"/>
+                </a:solidFill>
+                <a:latin typeface="Arial" panose="020B0604020202020204"/>
+                <a:cs typeface="Arial" panose="020B0604020202020204"/>
               </a:rPr>
               <a:t>"Wolf, </a:t>
             </a:r>
             <a:r>
-              <a:rPr dirty="0" sz="1100" b="1">
-                <a:solidFill>
-                  <a:srgbClr val="538DD3"/>
-                </a:solidFill>
-                <a:latin typeface="Arial"/>
-                <a:cs typeface="Arial"/>
+              <a:rPr sz="1100" b="1" dirty="0">
+                <a:solidFill>
+                  <a:srgbClr val="538DD3"/>
+                </a:solidFill>
+                <a:latin typeface="Arial" panose="020B0604020202020204"/>
+                <a:cs typeface="Arial" panose="020B0604020202020204"/>
               </a:rPr>
               <a:t>wolf, please </a:t>
             </a:r>
             <a:r>
-              <a:rPr dirty="0" sz="1100" spc="-5" b="1">
-                <a:solidFill>
-                  <a:srgbClr val="538DD3"/>
-                </a:solidFill>
-                <a:latin typeface="Arial"/>
-                <a:cs typeface="Arial"/>
+              <a:rPr sz="1100" b="1" spc="-5" dirty="0">
+                <a:solidFill>
+                  <a:srgbClr val="538DD3"/>
+                </a:solidFill>
+                <a:latin typeface="Arial" panose="020B0604020202020204"/>
+                <a:cs typeface="Arial" panose="020B0604020202020204"/>
               </a:rPr>
               <a:t>help!"  But </a:t>
             </a:r>
             <a:r>
-              <a:rPr dirty="0" sz="1100" b="1">
-                <a:solidFill>
-                  <a:srgbClr val="538DD3"/>
-                </a:solidFill>
-                <a:latin typeface="Arial"/>
-                <a:cs typeface="Arial"/>
+              <a:rPr sz="1100" b="1" dirty="0">
+                <a:solidFill>
+                  <a:srgbClr val="538DD3"/>
+                </a:solidFill>
+                <a:latin typeface="Arial" panose="020B0604020202020204"/>
+                <a:cs typeface="Arial" panose="020B0604020202020204"/>
               </a:rPr>
               <a:t>to no</a:t>
             </a:r>
             <a:r>
-              <a:rPr dirty="0" sz="1100" spc="-25" b="1">
-                <a:solidFill>
-                  <a:srgbClr val="538DD3"/>
-                </a:solidFill>
-                <a:latin typeface="Arial"/>
-                <a:cs typeface="Arial"/>
+              <a:rPr sz="1100" b="1" spc="-25" dirty="0">
+                <a:solidFill>
+                  <a:srgbClr val="538DD3"/>
+                </a:solidFill>
+                <a:latin typeface="Arial" panose="020B0604020202020204"/>
+                <a:cs typeface="Arial" panose="020B0604020202020204"/>
               </a:rPr>
               <a:t> </a:t>
             </a:r>
             <a:r>
-              <a:rPr dirty="0" sz="1100" spc="-5" b="1">
-                <a:solidFill>
-                  <a:srgbClr val="538DD3"/>
-                </a:solidFill>
-                <a:latin typeface="Arial"/>
-                <a:cs typeface="Arial"/>
+              <a:rPr sz="1100" b="1" spc="-5" dirty="0">
+                <a:solidFill>
+                  <a:srgbClr val="538DD3"/>
+                </a:solidFill>
+                <a:latin typeface="Arial" panose="020B0604020202020204"/>
+                <a:cs typeface="Arial" panose="020B0604020202020204"/>
               </a:rPr>
               <a:t>avail.</a:t>
             </a:r>
             <a:endParaRPr sz="1100">
-              <a:latin typeface="Arial"/>
-              <a:cs typeface="Arial"/>
+              <a:latin typeface="Arial" panose="020B0604020202020204"/>
+              <a:cs typeface="Arial" panose="020B0604020202020204"/>
             </a:endParaRPr>
           </a:p>
         </p:txBody>
@@ -4182,15 +4289,15 @@
         </p:nvSpPr>
         <p:spPr>
           <a:xfrm>
-            <a:off x="1130300" y="3287268"/>
-            <a:ext cx="5172710" cy="1383030"/>
+            <a:off x="1416050" y="3289808"/>
+            <a:ext cx="5172710" cy="1391285"/>
           </a:xfrm>
           <a:prstGeom prst="rect">
             <a:avLst/>
           </a:prstGeom>
         </p:spPr>
         <p:txBody>
-          <a:bodyPr wrap="square" lIns="0" tIns="13335" rIns="0" bIns="0" rtlCol="0" vert="horz">
+          <a:bodyPr vert="horz" wrap="square" lIns="0" tIns="13335" rIns="0" bIns="0" rtlCol="0">
             <a:spAutoFit/>
           </a:bodyPr>
           <a:lstStyle/>
@@ -4204,627 +4311,597 @@
               </a:spcBef>
             </a:pPr>
             <a:r>
-              <a:rPr dirty="0" sz="1100" spc="-5" b="1">
-                <a:solidFill>
-                  <a:srgbClr val="538DD3"/>
-                </a:solidFill>
-                <a:latin typeface="Arial"/>
-                <a:cs typeface="Arial"/>
+              <a:rPr sz="1100" b="1" spc="-5" dirty="0">
+                <a:solidFill>
+                  <a:srgbClr val="538DD3"/>
+                </a:solidFill>
+                <a:latin typeface="Arial" panose="020B0604020202020204"/>
+                <a:cs typeface="Arial" panose="020B0604020202020204"/>
               </a:rPr>
               <a:t>This </a:t>
             </a:r>
             <a:r>
-              <a:rPr dirty="0" sz="1100" b="1">
-                <a:solidFill>
-                  <a:srgbClr val="538DD3"/>
-                </a:solidFill>
-                <a:latin typeface="Arial"/>
-                <a:cs typeface="Arial"/>
+              <a:rPr sz="1100" b="1" dirty="0">
+                <a:solidFill>
+                  <a:srgbClr val="538DD3"/>
+                </a:solidFill>
+                <a:latin typeface="Arial" panose="020B0604020202020204"/>
+                <a:cs typeface="Arial" panose="020B0604020202020204"/>
               </a:rPr>
               <a:t>time no </a:t>
             </a:r>
             <a:r>
-              <a:rPr dirty="0" sz="1100" spc="-5" b="1">
-                <a:solidFill>
-                  <a:srgbClr val="538DD3"/>
-                </a:solidFill>
-                <a:latin typeface="Arial"/>
-                <a:cs typeface="Arial"/>
+              <a:rPr sz="1100" b="1" spc="-5" dirty="0">
+                <a:solidFill>
+                  <a:srgbClr val="538DD3"/>
+                </a:solidFill>
+                <a:latin typeface="Arial" panose="020B0604020202020204"/>
+                <a:cs typeface="Arial" panose="020B0604020202020204"/>
               </a:rPr>
               <a:t>one </a:t>
             </a:r>
             <a:r>
-              <a:rPr dirty="0" sz="1100" b="1">
-                <a:solidFill>
-                  <a:srgbClr val="538DD3"/>
-                </a:solidFill>
-                <a:latin typeface="Arial"/>
-                <a:cs typeface="Arial"/>
+              <a:rPr sz="1100" b="1" dirty="0">
+                <a:solidFill>
+                  <a:srgbClr val="538DD3"/>
+                </a:solidFill>
+                <a:latin typeface="Arial" panose="020B0604020202020204"/>
+                <a:cs typeface="Arial" panose="020B0604020202020204"/>
               </a:rPr>
               <a:t>came to help </a:t>
             </a:r>
             <a:r>
-              <a:rPr dirty="0" sz="1100" spc="-5" b="1">
-                <a:solidFill>
-                  <a:srgbClr val="538DD3"/>
-                </a:solidFill>
-                <a:latin typeface="Arial"/>
-                <a:cs typeface="Arial"/>
+              <a:rPr sz="1100" b="1" spc="-5" dirty="0">
+                <a:solidFill>
+                  <a:srgbClr val="538DD3"/>
+                </a:solidFill>
+                <a:latin typeface="Arial" panose="020B0604020202020204"/>
+                <a:cs typeface="Arial" panose="020B0604020202020204"/>
               </a:rPr>
               <a:t>him. The villagers thought that Ramu </a:t>
             </a:r>
             <a:r>
-              <a:rPr dirty="0" sz="1100" b="1">
-                <a:solidFill>
-                  <a:srgbClr val="538DD3"/>
-                </a:solidFill>
-                <a:latin typeface="Arial"/>
-                <a:cs typeface="Arial"/>
+              <a:rPr sz="1100" b="1" dirty="0">
+                <a:solidFill>
+                  <a:srgbClr val="538DD3"/>
+                </a:solidFill>
+                <a:latin typeface="Arial" panose="020B0604020202020204"/>
+                <a:cs typeface="Arial" panose="020B0604020202020204"/>
               </a:rPr>
               <a:t>was</a:t>
             </a:r>
             <a:r>
-              <a:rPr dirty="0" sz="1100" spc="10" b="1">
-                <a:solidFill>
-                  <a:srgbClr val="538DD3"/>
-                </a:solidFill>
-                <a:latin typeface="Arial"/>
-                <a:cs typeface="Arial"/>
+              <a:rPr sz="1100" b="1" spc="10" dirty="0">
+                <a:solidFill>
+                  <a:srgbClr val="538DD3"/>
+                </a:solidFill>
+                <a:latin typeface="Arial" panose="020B0604020202020204"/>
+                <a:cs typeface="Arial" panose="020B0604020202020204"/>
               </a:rPr>
               <a:t> </a:t>
             </a:r>
             <a:r>
-              <a:rPr dirty="0" sz="1100" b="1">
-                <a:solidFill>
-                  <a:srgbClr val="538DD3"/>
-                </a:solidFill>
-                <a:latin typeface="Arial"/>
-                <a:cs typeface="Arial"/>
+              <a:rPr sz="1100" b="1" dirty="0">
+                <a:solidFill>
+                  <a:srgbClr val="538DD3"/>
+                </a:solidFill>
+                <a:latin typeface="Arial" panose="020B0604020202020204"/>
+                <a:cs typeface="Arial" panose="020B0604020202020204"/>
               </a:rPr>
               <a:t>upto</a:t>
             </a:r>
             <a:endParaRPr sz="1100">
-              <a:latin typeface="Arial"/>
-              <a:cs typeface="Arial"/>
+              <a:latin typeface="Arial" panose="020B0604020202020204"/>
+              <a:cs typeface="Arial" panose="020B0604020202020204"/>
             </a:endParaRPr>
           </a:p>
           <a:p>
             <a:pPr marL="12700" marR="624840">
               <a:lnSpc>
-                <a:spcPct val="236400"/>
+                <a:spcPct val="236000"/>
               </a:lnSpc>
               <a:tabLst>
                 <a:tab pos="601980" algn="l"/>
                 <a:tab pos="788035" algn="l"/>
                 <a:tab pos="1510665" algn="l"/>
-                <a:tab pos="2069464" algn="l"/>
-                <a:tab pos="3583304" algn="l"/>
+                <a:tab pos="2068830" algn="l"/>
+                <a:tab pos="3582670" algn="l"/>
                 <a:tab pos="4149725" algn="l"/>
               </a:tabLst>
             </a:pPr>
             <a:r>
-              <a:rPr dirty="0" sz="1100" spc="-5" b="1">
-                <a:solidFill>
-                  <a:srgbClr val="538DD3"/>
-                </a:solidFill>
-                <a:latin typeface="Arial"/>
-                <a:cs typeface="Arial"/>
+              <a:rPr sz="1100" b="1" spc="-5" dirty="0">
+                <a:solidFill>
+                  <a:srgbClr val="538DD3"/>
+                </a:solidFill>
+                <a:latin typeface="Arial" panose="020B0604020202020204"/>
+                <a:cs typeface="Arial" panose="020B0604020202020204"/>
               </a:rPr>
               <a:t>h</a:t>
             </a:r>
             <a:r>
-              <a:rPr dirty="0" sz="1100" spc="5" b="1">
-                <a:solidFill>
-                  <a:srgbClr val="538DD3"/>
-                </a:solidFill>
-                <a:latin typeface="Arial"/>
-                <a:cs typeface="Arial"/>
+              <a:rPr sz="1100" b="1" spc="5" dirty="0">
+                <a:solidFill>
+                  <a:srgbClr val="538DD3"/>
+                </a:solidFill>
+                <a:latin typeface="Arial" panose="020B0604020202020204"/>
+                <a:cs typeface="Arial" panose="020B0604020202020204"/>
               </a:rPr>
               <a:t>i</a:t>
             </a:r>
             <a:r>
-              <a:rPr dirty="0" sz="1100" b="1">
-                <a:solidFill>
-                  <a:srgbClr val="538DD3"/>
-                </a:solidFill>
-                <a:latin typeface="Arial"/>
-                <a:cs typeface="Arial"/>
+              <a:rPr sz="1100" b="1" dirty="0">
+                <a:solidFill>
+                  <a:srgbClr val="538DD3"/>
+                </a:solidFill>
+                <a:latin typeface="Arial" panose="020B0604020202020204"/>
+                <a:cs typeface="Arial" panose="020B0604020202020204"/>
               </a:rPr>
               <a:t>s</a:t>
             </a:r>
             <a:r>
-              <a:rPr dirty="0" sz="1100" spc="-25" b="1">
-                <a:solidFill>
-                  <a:srgbClr val="538DD3"/>
-                </a:solidFill>
-                <a:latin typeface="Arial"/>
-                <a:cs typeface="Arial"/>
+              <a:rPr sz="1100" b="1" spc="-25" dirty="0">
+                <a:solidFill>
+                  <a:srgbClr val="538DD3"/>
+                </a:solidFill>
+                <a:latin typeface="Arial" panose="020B0604020202020204"/>
+                <a:cs typeface="Arial" panose="020B0604020202020204"/>
               </a:rPr>
               <a:t> </a:t>
             </a:r>
             <a:r>
-              <a:rPr dirty="0" sz="1100" spc="-5" b="1">
-                <a:solidFill>
-                  <a:srgbClr val="538DD3"/>
-                </a:solidFill>
-                <a:latin typeface="Arial"/>
-                <a:cs typeface="Arial"/>
+              <a:rPr sz="1100" b="1" spc="-5" dirty="0">
+                <a:solidFill>
+                  <a:srgbClr val="538DD3"/>
+                </a:solidFill>
+                <a:latin typeface="Arial" panose="020B0604020202020204"/>
+                <a:cs typeface="Arial" panose="020B0604020202020204"/>
               </a:rPr>
               <a:t>o</a:t>
             </a:r>
             <a:r>
-              <a:rPr dirty="0" sz="1100" spc="5" b="1">
-                <a:solidFill>
-                  <a:srgbClr val="538DD3"/>
-                </a:solidFill>
-                <a:latin typeface="Arial"/>
-                <a:cs typeface="Arial"/>
+              <a:rPr sz="1100" b="1" spc="5" dirty="0">
+                <a:solidFill>
+                  <a:srgbClr val="538DD3"/>
+                </a:solidFill>
+                <a:latin typeface="Arial" panose="020B0604020202020204"/>
+                <a:cs typeface="Arial" panose="020B0604020202020204"/>
               </a:rPr>
               <a:t>l</a:t>
             </a:r>
             <a:r>
-              <a:rPr dirty="0" sz="1100" b="1">
-                <a:solidFill>
-                  <a:srgbClr val="538DD3"/>
-                </a:solidFill>
-                <a:latin typeface="Arial"/>
-                <a:cs typeface="Arial"/>
+              <a:rPr sz="1100" b="1" dirty="0">
+                <a:solidFill>
+                  <a:srgbClr val="538DD3"/>
+                </a:solidFill>
+                <a:latin typeface="Arial" panose="020B0604020202020204"/>
+                <a:cs typeface="Arial" panose="020B0604020202020204"/>
+              </a:rPr>
+              <a:t>d	t</a:t>
+            </a:r>
+            <a:r>
+              <a:rPr sz="1100" b="1" spc="-10" dirty="0">
+                <a:solidFill>
+                  <a:srgbClr val="538DD3"/>
+                </a:solidFill>
+                <a:latin typeface="Arial" panose="020B0604020202020204"/>
+                <a:cs typeface="Arial" panose="020B0604020202020204"/>
+              </a:rPr>
+              <a:t>r</a:t>
+            </a:r>
+            <a:r>
+              <a:rPr sz="1100" b="1" spc="5" dirty="0">
+                <a:solidFill>
+                  <a:srgbClr val="538DD3"/>
+                </a:solidFill>
+                <a:latin typeface="Arial" panose="020B0604020202020204"/>
+                <a:cs typeface="Arial" panose="020B0604020202020204"/>
+              </a:rPr>
+              <a:t>i</a:t>
+            </a:r>
+            <a:r>
+              <a:rPr sz="1100" b="1" spc="-5" dirty="0">
+                <a:solidFill>
+                  <a:srgbClr val="538DD3"/>
+                </a:solidFill>
+                <a:latin typeface="Arial" panose="020B0604020202020204"/>
+                <a:cs typeface="Arial" panose="020B0604020202020204"/>
+              </a:rPr>
+              <a:t>cks</a:t>
+            </a:r>
+            <a:r>
+              <a:rPr sz="1100" b="1" dirty="0">
+                <a:solidFill>
+                  <a:srgbClr val="538DD3"/>
+                </a:solidFill>
+                <a:latin typeface="Arial" panose="020B0604020202020204"/>
+                <a:cs typeface="Arial" panose="020B0604020202020204"/>
+              </a:rPr>
+              <a:t>.</a:t>
+            </a:r>
+            <a:r>
+              <a:rPr sz="1100" b="1" spc="-15" dirty="0">
+                <a:solidFill>
+                  <a:srgbClr val="538DD3"/>
+                </a:solidFill>
+                <a:latin typeface="Arial" panose="020B0604020202020204"/>
+                <a:cs typeface="Arial" panose="020B0604020202020204"/>
+              </a:rPr>
+              <a:t> T</a:t>
+            </a:r>
+            <a:r>
+              <a:rPr sz="1100" b="1" spc="-5" dirty="0">
+                <a:solidFill>
+                  <a:srgbClr val="538DD3"/>
+                </a:solidFill>
+                <a:latin typeface="Arial" panose="020B0604020202020204"/>
+                <a:cs typeface="Arial" panose="020B0604020202020204"/>
+              </a:rPr>
+              <a:t>h</a:t>
+            </a:r>
+            <a:r>
+              <a:rPr sz="1100" b="1" dirty="0">
+                <a:solidFill>
+                  <a:srgbClr val="538DD3"/>
+                </a:solidFill>
+                <a:latin typeface="Arial" panose="020B0604020202020204"/>
+                <a:cs typeface="Arial" panose="020B0604020202020204"/>
+              </a:rPr>
+              <a:t>e</a:t>
+            </a:r>
+            <a:r>
+              <a:rPr lang="en-US" sz="1100" b="1" dirty="0">
+                <a:solidFill>
+                  <a:srgbClr val="538DD3"/>
+                </a:solidFill>
+                <a:latin typeface="Arial" panose="020B0604020202020204"/>
+                <a:cs typeface="Arial" panose="020B0604020202020204"/>
+              </a:rPr>
+              <a:t> </a:t>
+            </a:r>
+            <a:r>
+              <a:rPr sz="1100" b="1" spc="15" dirty="0">
+                <a:solidFill>
+                  <a:srgbClr val="538DD3"/>
+                </a:solidFill>
+                <a:latin typeface="Arial" panose="020B0604020202020204"/>
+                <a:cs typeface="Arial" panose="020B0604020202020204"/>
+              </a:rPr>
+              <a:t>w</a:t>
+            </a:r>
+            <a:r>
+              <a:rPr sz="1100" b="1" spc="-15" dirty="0">
+                <a:solidFill>
+                  <a:srgbClr val="538DD3"/>
+                </a:solidFill>
+                <a:latin typeface="Arial" panose="020B0604020202020204"/>
+                <a:cs typeface="Arial" panose="020B0604020202020204"/>
+              </a:rPr>
+              <a:t>o</a:t>
+            </a:r>
+            <a:r>
+              <a:rPr sz="1100" b="1" spc="-10" dirty="0">
+                <a:solidFill>
+                  <a:srgbClr val="538DD3"/>
+                </a:solidFill>
+                <a:latin typeface="Arial" panose="020B0604020202020204"/>
+                <a:cs typeface="Arial" panose="020B0604020202020204"/>
+              </a:rPr>
+              <a:t>l</a:t>
+            </a:r>
+            <a:r>
+              <a:rPr sz="1100" b="1" dirty="0">
+                <a:solidFill>
+                  <a:srgbClr val="538DD3"/>
+                </a:solidFill>
+                <a:latin typeface="Arial" panose="020B0604020202020204"/>
+                <a:cs typeface="Arial" panose="020B0604020202020204"/>
+              </a:rPr>
+              <a:t>f</a:t>
+            </a:r>
+            <a:r>
+              <a:rPr lang="en-US" sz="1100" b="1" dirty="0">
+                <a:solidFill>
+                  <a:srgbClr val="538DD3"/>
+                </a:solidFill>
+                <a:latin typeface="Arial" panose="020B0604020202020204"/>
+                <a:cs typeface="Arial" panose="020B0604020202020204"/>
+              </a:rPr>
+              <a:t> </a:t>
+            </a:r>
+            <a:r>
+              <a:rPr sz="1100" b="1" spc="-5" dirty="0">
+                <a:solidFill>
+                  <a:srgbClr val="538DD3"/>
+                </a:solidFill>
+                <a:latin typeface="Arial" panose="020B0604020202020204"/>
+                <a:cs typeface="Arial" panose="020B0604020202020204"/>
+              </a:rPr>
+              <a:t>k</a:t>
+            </a:r>
+            <a:r>
+              <a:rPr sz="1100" b="1" spc="5" dirty="0">
+                <a:solidFill>
+                  <a:srgbClr val="538DD3"/>
+                </a:solidFill>
+                <a:latin typeface="Arial" panose="020B0604020202020204"/>
+                <a:cs typeface="Arial" panose="020B0604020202020204"/>
+              </a:rPr>
+              <a:t>i</a:t>
+            </a:r>
+            <a:r>
+              <a:rPr sz="1100" b="1" spc="-10" dirty="0">
+                <a:solidFill>
+                  <a:srgbClr val="538DD3"/>
+                </a:solidFill>
+                <a:latin typeface="Arial" panose="020B0604020202020204"/>
+                <a:cs typeface="Arial" panose="020B0604020202020204"/>
+              </a:rPr>
+              <a:t>ll</a:t>
+            </a:r>
+            <a:r>
+              <a:rPr sz="1100" b="1" spc="-5" dirty="0">
+                <a:solidFill>
+                  <a:srgbClr val="538DD3"/>
+                </a:solidFill>
+                <a:latin typeface="Arial" panose="020B0604020202020204"/>
+                <a:cs typeface="Arial" panose="020B0604020202020204"/>
+              </a:rPr>
+              <a:t>e</a:t>
+            </a:r>
+            <a:r>
+              <a:rPr sz="1100" b="1" dirty="0">
+                <a:solidFill>
+                  <a:srgbClr val="538DD3"/>
+                </a:solidFill>
+                <a:latin typeface="Arial" panose="020B0604020202020204"/>
+                <a:cs typeface="Arial" panose="020B0604020202020204"/>
               </a:rPr>
               <a:t>d</a:t>
             </a:r>
             <a:r>
-              <a:rPr dirty="0" sz="1100" b="1">
-                <a:solidFill>
-                  <a:srgbClr val="538DD3"/>
-                </a:solidFill>
-                <a:latin typeface="Arial"/>
-                <a:cs typeface="Arial"/>
-              </a:rPr>
-              <a:t>	</a:t>
-            </a:r>
-            <a:r>
-              <a:rPr dirty="0" sz="1100" b="1">
-                <a:solidFill>
-                  <a:srgbClr val="538DD3"/>
-                </a:solidFill>
-                <a:latin typeface="Arial"/>
-                <a:cs typeface="Arial"/>
-              </a:rPr>
-              <a:t>t</a:t>
-            </a:r>
-            <a:r>
-              <a:rPr dirty="0" sz="1100" spc="-10" b="1">
-                <a:solidFill>
-                  <a:srgbClr val="538DD3"/>
-                </a:solidFill>
-                <a:latin typeface="Arial"/>
-                <a:cs typeface="Arial"/>
-              </a:rPr>
-              <a:t>r</a:t>
-            </a:r>
-            <a:r>
-              <a:rPr dirty="0" sz="1100" spc="5" b="1">
-                <a:solidFill>
-                  <a:srgbClr val="538DD3"/>
-                </a:solidFill>
-                <a:latin typeface="Arial"/>
-                <a:cs typeface="Arial"/>
-              </a:rPr>
-              <a:t>i</a:t>
-            </a:r>
-            <a:r>
-              <a:rPr dirty="0" sz="1100" spc="-5" b="1">
-                <a:solidFill>
-                  <a:srgbClr val="538DD3"/>
-                </a:solidFill>
-                <a:latin typeface="Arial"/>
-                <a:cs typeface="Arial"/>
-              </a:rPr>
-              <a:t>cks</a:t>
-            </a:r>
-            <a:r>
-              <a:rPr dirty="0" sz="1100" b="1">
-                <a:solidFill>
-                  <a:srgbClr val="538DD3"/>
-                </a:solidFill>
-                <a:latin typeface="Arial"/>
-                <a:cs typeface="Arial"/>
+              <a:rPr sz="1100" b="1" spc="-10" dirty="0">
+                <a:solidFill>
+                  <a:srgbClr val="538DD3"/>
+                </a:solidFill>
+                <a:latin typeface="Arial" panose="020B0604020202020204"/>
+                <a:cs typeface="Arial" panose="020B0604020202020204"/>
+              </a:rPr>
+              <a:t> </a:t>
+            </a:r>
+            <a:r>
+              <a:rPr sz="1100" b="1" dirty="0">
+                <a:solidFill>
+                  <a:srgbClr val="538DD3"/>
+                </a:solidFill>
+                <a:latin typeface="Arial" panose="020B0604020202020204"/>
+                <a:cs typeface="Arial" panose="020B0604020202020204"/>
+              </a:rPr>
+              <a:t>m</a:t>
+            </a:r>
+            <a:r>
+              <a:rPr sz="1100" b="1" spc="-5" dirty="0">
+                <a:solidFill>
+                  <a:srgbClr val="538DD3"/>
+                </a:solidFill>
+                <a:latin typeface="Arial" panose="020B0604020202020204"/>
+                <a:cs typeface="Arial" panose="020B0604020202020204"/>
+              </a:rPr>
+              <a:t>an</a:t>
+            </a:r>
+            <a:r>
+              <a:rPr sz="1100" b="1" dirty="0">
+                <a:solidFill>
+                  <a:srgbClr val="538DD3"/>
+                </a:solidFill>
+                <a:latin typeface="Arial" panose="020B0604020202020204"/>
+                <a:cs typeface="Arial" panose="020B0604020202020204"/>
+              </a:rPr>
+              <a:t>y</a:t>
+            </a:r>
+            <a:r>
+              <a:rPr sz="1100" b="1" spc="-10" dirty="0">
+                <a:solidFill>
+                  <a:srgbClr val="538DD3"/>
+                </a:solidFill>
+                <a:latin typeface="Arial" panose="020B0604020202020204"/>
+                <a:cs typeface="Arial" panose="020B0604020202020204"/>
+              </a:rPr>
+              <a:t> </a:t>
+            </a:r>
+            <a:r>
+              <a:rPr sz="1100" b="1" spc="-5" dirty="0">
+                <a:solidFill>
+                  <a:srgbClr val="538DD3"/>
+                </a:solidFill>
+                <a:latin typeface="Arial" panose="020B0604020202020204"/>
+                <a:cs typeface="Arial" panose="020B0604020202020204"/>
+              </a:rPr>
+              <a:t>shee</a:t>
+            </a:r>
+            <a:r>
+              <a:rPr sz="1100" b="1" dirty="0">
+                <a:solidFill>
+                  <a:srgbClr val="538DD3"/>
+                </a:solidFill>
+                <a:latin typeface="Arial" panose="020B0604020202020204"/>
+                <a:cs typeface="Arial" panose="020B0604020202020204"/>
+              </a:rPr>
+              <a:t>p </a:t>
+            </a:r>
+            <a:r>
+              <a:rPr sz="1100" b="1" spc="-5" dirty="0">
+                <a:solidFill>
+                  <a:srgbClr val="538DD3"/>
+                </a:solidFill>
+                <a:latin typeface="Arial" panose="020B0604020202020204"/>
+                <a:cs typeface="Arial" panose="020B0604020202020204"/>
+              </a:rPr>
+              <a:t>o</a:t>
+            </a:r>
+            <a:r>
+              <a:rPr sz="1100" b="1" dirty="0">
+                <a:solidFill>
+                  <a:srgbClr val="538DD3"/>
+                </a:solidFill>
+                <a:latin typeface="Arial" panose="020B0604020202020204"/>
+                <a:cs typeface="Arial" panose="020B0604020202020204"/>
+              </a:rPr>
+              <a:t>f</a:t>
+            </a:r>
+            <a:r>
+              <a:rPr lang="en-US" sz="1100" b="1" dirty="0">
+                <a:solidFill>
+                  <a:srgbClr val="538DD3"/>
+                </a:solidFill>
+                <a:latin typeface="Arial" panose="020B0604020202020204"/>
+                <a:cs typeface="Arial" panose="020B0604020202020204"/>
+              </a:rPr>
+              <a:t> </a:t>
+            </a:r>
+            <a:r>
+              <a:rPr sz="1100" b="1" spc="-10" dirty="0">
+                <a:solidFill>
+                  <a:srgbClr val="538DD3"/>
+                </a:solidFill>
+                <a:latin typeface="Arial" panose="020B0604020202020204"/>
+                <a:cs typeface="Arial" panose="020B0604020202020204"/>
+              </a:rPr>
+              <a:t>R</a:t>
+            </a:r>
+            <a:r>
+              <a:rPr sz="1100" b="1" spc="-5" dirty="0">
+                <a:solidFill>
+                  <a:srgbClr val="538DD3"/>
+                </a:solidFill>
+                <a:latin typeface="Arial" panose="020B0604020202020204"/>
+                <a:cs typeface="Arial" panose="020B0604020202020204"/>
+              </a:rPr>
+              <a:t>a</a:t>
+            </a:r>
+            <a:r>
+              <a:rPr sz="1100" b="1" dirty="0">
+                <a:solidFill>
+                  <a:srgbClr val="538DD3"/>
+                </a:solidFill>
+                <a:latin typeface="Arial" panose="020B0604020202020204"/>
+                <a:cs typeface="Arial" panose="020B0604020202020204"/>
+              </a:rPr>
+              <a:t>m</a:t>
+            </a:r>
+            <a:r>
+              <a:rPr sz="1100" b="1" spc="-5" dirty="0">
+                <a:solidFill>
+                  <a:srgbClr val="538DD3"/>
+                </a:solidFill>
+                <a:latin typeface="Arial" panose="020B0604020202020204"/>
+                <a:cs typeface="Arial" panose="020B0604020202020204"/>
+              </a:rPr>
+              <a:t>u</a:t>
+            </a:r>
+            <a:r>
+              <a:rPr sz="1100" b="1" dirty="0">
+                <a:solidFill>
+                  <a:srgbClr val="538DD3"/>
+                </a:solidFill>
+                <a:latin typeface="Arial" panose="020B0604020202020204"/>
+                <a:cs typeface="Arial" panose="020B0604020202020204"/>
               </a:rPr>
               <a:t>.</a:t>
             </a:r>
             <a:r>
-              <a:rPr dirty="0" sz="1100" spc="-15" b="1">
-                <a:solidFill>
-                  <a:srgbClr val="538DD3"/>
-                </a:solidFill>
-                <a:latin typeface="Arial"/>
-                <a:cs typeface="Arial"/>
+              <a:rPr lang="en-US" sz="1100" b="1" dirty="0">
+                <a:solidFill>
+                  <a:srgbClr val="538DD3"/>
+                </a:solidFill>
+                <a:latin typeface="Arial" panose="020B0604020202020204"/>
+                <a:cs typeface="Arial" panose="020B0604020202020204"/>
               </a:rPr>
               <a:t> </a:t>
             </a:r>
             <a:r>
-              <a:rPr dirty="0" sz="1100" spc="-15" b="1">
-                <a:solidFill>
-                  <a:srgbClr val="538DD3"/>
-                </a:solidFill>
-                <a:latin typeface="Arial"/>
-                <a:cs typeface="Arial"/>
-              </a:rPr>
-              <a:t>T</a:t>
-            </a:r>
-            <a:r>
-              <a:rPr dirty="0" sz="1100" spc="-5" b="1">
-                <a:solidFill>
-                  <a:srgbClr val="538DD3"/>
-                </a:solidFill>
-                <a:latin typeface="Arial"/>
-                <a:cs typeface="Arial"/>
-              </a:rPr>
-              <a:t>h</a:t>
-            </a:r>
-            <a:r>
-              <a:rPr dirty="0" sz="1100" b="1">
-                <a:solidFill>
-                  <a:srgbClr val="538DD3"/>
-                </a:solidFill>
-                <a:latin typeface="Arial"/>
-                <a:cs typeface="Arial"/>
-              </a:rPr>
-              <a:t>e</a:t>
-            </a:r>
-            <a:r>
-              <a:rPr dirty="0" sz="1100" b="1">
-                <a:solidFill>
-                  <a:srgbClr val="538DD3"/>
-                </a:solidFill>
-                <a:latin typeface="Arial"/>
-                <a:cs typeface="Arial"/>
-              </a:rPr>
-              <a:t>	</a:t>
-            </a:r>
-            <a:r>
-              <a:rPr dirty="0" sz="1100" spc="15" b="1">
-                <a:solidFill>
-                  <a:srgbClr val="538DD3"/>
-                </a:solidFill>
-                <a:latin typeface="Arial"/>
-                <a:cs typeface="Arial"/>
-              </a:rPr>
-              <a:t>w</a:t>
-            </a:r>
-            <a:r>
-              <a:rPr dirty="0" sz="1100" spc="-15" b="1">
-                <a:solidFill>
-                  <a:srgbClr val="538DD3"/>
-                </a:solidFill>
-                <a:latin typeface="Arial"/>
-                <a:cs typeface="Arial"/>
-              </a:rPr>
-              <a:t>o</a:t>
-            </a:r>
-            <a:r>
-              <a:rPr dirty="0" sz="1100" spc="-10" b="1">
-                <a:solidFill>
-                  <a:srgbClr val="538DD3"/>
-                </a:solidFill>
-                <a:latin typeface="Arial"/>
-                <a:cs typeface="Arial"/>
-              </a:rPr>
-              <a:t>l</a:t>
-            </a:r>
-            <a:r>
-              <a:rPr dirty="0" sz="1100" b="1">
-                <a:solidFill>
-                  <a:srgbClr val="538DD3"/>
-                </a:solidFill>
-                <a:latin typeface="Arial"/>
-                <a:cs typeface="Arial"/>
-              </a:rPr>
-              <a:t>f</a:t>
-            </a:r>
-            <a:r>
-              <a:rPr dirty="0" sz="1100" b="1">
-                <a:solidFill>
-                  <a:srgbClr val="538DD3"/>
-                </a:solidFill>
-                <a:latin typeface="Arial"/>
-                <a:cs typeface="Arial"/>
-              </a:rPr>
-              <a:t>	</a:t>
-            </a:r>
-            <a:r>
-              <a:rPr dirty="0" sz="1100" spc="-5" b="1">
-                <a:solidFill>
-                  <a:srgbClr val="538DD3"/>
-                </a:solidFill>
-                <a:latin typeface="Arial"/>
-                <a:cs typeface="Arial"/>
-              </a:rPr>
-              <a:t>k</a:t>
-            </a:r>
-            <a:r>
-              <a:rPr dirty="0" sz="1100" spc="5" b="1">
-                <a:solidFill>
-                  <a:srgbClr val="538DD3"/>
-                </a:solidFill>
-                <a:latin typeface="Arial"/>
-                <a:cs typeface="Arial"/>
-              </a:rPr>
-              <a:t>i</a:t>
-            </a:r>
-            <a:r>
-              <a:rPr dirty="0" sz="1100" spc="-10" b="1">
-                <a:solidFill>
-                  <a:srgbClr val="538DD3"/>
-                </a:solidFill>
-                <a:latin typeface="Arial"/>
-                <a:cs typeface="Arial"/>
-              </a:rPr>
-              <a:t>ll</a:t>
-            </a:r>
-            <a:r>
-              <a:rPr dirty="0" sz="1100" spc="-5" b="1">
-                <a:solidFill>
-                  <a:srgbClr val="538DD3"/>
-                </a:solidFill>
-                <a:latin typeface="Arial"/>
-                <a:cs typeface="Arial"/>
-              </a:rPr>
-              <a:t>e</a:t>
-            </a:r>
-            <a:r>
-              <a:rPr dirty="0" sz="1100" b="1">
-                <a:solidFill>
-                  <a:srgbClr val="538DD3"/>
-                </a:solidFill>
-                <a:latin typeface="Arial"/>
-                <a:cs typeface="Arial"/>
-              </a:rPr>
-              <a:t>d</a:t>
-            </a:r>
-            <a:r>
-              <a:rPr dirty="0" sz="1100" spc="-10" b="1">
-                <a:solidFill>
-                  <a:srgbClr val="538DD3"/>
-                </a:solidFill>
-                <a:latin typeface="Arial"/>
-                <a:cs typeface="Arial"/>
+              <a:rPr sz="1100" b="1" spc="-10" dirty="0">
+                <a:solidFill>
+                  <a:srgbClr val="538DD3"/>
+                </a:solidFill>
+                <a:latin typeface="Arial" panose="020B0604020202020204"/>
+                <a:cs typeface="Arial" panose="020B0604020202020204"/>
+              </a:rPr>
+              <a:t>R</a:t>
+            </a:r>
+            <a:r>
+              <a:rPr sz="1100" b="1" spc="-5" dirty="0">
+                <a:solidFill>
+                  <a:srgbClr val="538DD3"/>
+                </a:solidFill>
+                <a:latin typeface="Arial" panose="020B0604020202020204"/>
+                <a:cs typeface="Arial" panose="020B0604020202020204"/>
+              </a:rPr>
+              <a:t>a</a:t>
+            </a:r>
+            <a:r>
+              <a:rPr sz="1100" b="1" dirty="0">
+                <a:solidFill>
+                  <a:srgbClr val="538DD3"/>
+                </a:solidFill>
+                <a:latin typeface="Arial" panose="020B0604020202020204"/>
+                <a:cs typeface="Arial" panose="020B0604020202020204"/>
+              </a:rPr>
+              <a:t>mu </a:t>
+            </a:r>
+            <a:r>
+              <a:rPr sz="1100" b="1" spc="-5" dirty="0">
+                <a:solidFill>
+                  <a:srgbClr val="538DD3"/>
+                </a:solidFill>
+                <a:latin typeface="Arial" panose="020B0604020202020204"/>
+                <a:cs typeface="Arial" panose="020B0604020202020204"/>
+              </a:rPr>
+              <a:t>returned</a:t>
+            </a:r>
+            <a:r>
+              <a:rPr lang="en-US" sz="1100" b="1" spc="-5" dirty="0">
+                <a:solidFill>
+                  <a:srgbClr val="538DD3"/>
+                </a:solidFill>
+                <a:latin typeface="Arial" panose="020B0604020202020204"/>
+                <a:cs typeface="Arial" panose="020B0604020202020204"/>
               </a:rPr>
               <a:t> </a:t>
             </a:r>
             <a:r>
-              <a:rPr dirty="0" sz="1100" b="1">
-                <a:solidFill>
-                  <a:srgbClr val="538DD3"/>
-                </a:solidFill>
-                <a:latin typeface="Arial"/>
-                <a:cs typeface="Arial"/>
-              </a:rPr>
-              <a:t>m</a:t>
-            </a:r>
-            <a:r>
-              <a:rPr dirty="0" sz="1100" spc="-5" b="1">
-                <a:solidFill>
-                  <a:srgbClr val="538DD3"/>
-                </a:solidFill>
-                <a:latin typeface="Arial"/>
-                <a:cs typeface="Arial"/>
-              </a:rPr>
-              <a:t>an</a:t>
-            </a:r>
-            <a:r>
-              <a:rPr dirty="0" sz="1100" b="1">
-                <a:solidFill>
-                  <a:srgbClr val="538DD3"/>
-                </a:solidFill>
-                <a:latin typeface="Arial"/>
-                <a:cs typeface="Arial"/>
-              </a:rPr>
-              <a:t>y</a:t>
-            </a:r>
-            <a:r>
-              <a:rPr dirty="0" sz="1100" spc="-10" b="1">
-                <a:solidFill>
-                  <a:srgbClr val="538DD3"/>
-                </a:solidFill>
-                <a:latin typeface="Arial"/>
-                <a:cs typeface="Arial"/>
+              <a:rPr sz="1100" b="1" dirty="0">
+                <a:solidFill>
+                  <a:srgbClr val="538DD3"/>
+                </a:solidFill>
+                <a:latin typeface="Arial" panose="020B0604020202020204"/>
+                <a:cs typeface="Arial" panose="020B0604020202020204"/>
+              </a:rPr>
+              <a:t>home</a:t>
+            </a:r>
+            <a:r>
+              <a:rPr sz="1100" b="1" spc="-15" dirty="0">
+                <a:solidFill>
+                  <a:srgbClr val="538DD3"/>
+                </a:solidFill>
+                <a:latin typeface="Arial" panose="020B0604020202020204"/>
+                <a:cs typeface="Arial" panose="020B0604020202020204"/>
               </a:rPr>
               <a:t> </a:t>
             </a:r>
             <a:r>
-              <a:rPr dirty="0" sz="1100" spc="-5" b="1">
-                <a:solidFill>
-                  <a:srgbClr val="538DD3"/>
-                </a:solidFill>
-                <a:latin typeface="Arial"/>
-                <a:cs typeface="Arial"/>
-              </a:rPr>
-              <a:t>shee</a:t>
-            </a:r>
-            <a:r>
-              <a:rPr dirty="0" sz="1100" b="1">
-                <a:solidFill>
-                  <a:srgbClr val="538DD3"/>
-                </a:solidFill>
-                <a:latin typeface="Arial"/>
-                <a:cs typeface="Arial"/>
-              </a:rPr>
-              <a:t>p</a:t>
-            </a:r>
-            <a:r>
-              <a:rPr dirty="0" sz="1100" b="1">
-                <a:solidFill>
-                  <a:srgbClr val="538DD3"/>
-                </a:solidFill>
-                <a:latin typeface="Arial"/>
-                <a:cs typeface="Arial"/>
-              </a:rPr>
-              <a:t> </a:t>
-            </a:r>
-            <a:r>
-              <a:rPr dirty="0" sz="1100" spc="-5" b="1">
-                <a:solidFill>
-                  <a:srgbClr val="538DD3"/>
-                </a:solidFill>
-                <a:latin typeface="Arial"/>
-                <a:cs typeface="Arial"/>
-              </a:rPr>
-              <a:t>o</a:t>
-            </a:r>
-            <a:r>
-              <a:rPr dirty="0" sz="1100" b="1">
-                <a:solidFill>
-                  <a:srgbClr val="538DD3"/>
-                </a:solidFill>
-                <a:latin typeface="Arial"/>
-                <a:cs typeface="Arial"/>
-              </a:rPr>
-              <a:t>f</a:t>
-            </a:r>
-            <a:r>
-              <a:rPr dirty="0" sz="1100" b="1">
-                <a:solidFill>
-                  <a:srgbClr val="538DD3"/>
-                </a:solidFill>
-                <a:latin typeface="Arial"/>
-                <a:cs typeface="Arial"/>
-              </a:rPr>
-              <a:t>	</a:t>
-            </a:r>
-            <a:r>
-              <a:rPr dirty="0" sz="1100" spc="-10" b="1">
-                <a:solidFill>
-                  <a:srgbClr val="538DD3"/>
-                </a:solidFill>
-                <a:latin typeface="Arial"/>
-                <a:cs typeface="Arial"/>
-              </a:rPr>
-              <a:t>R</a:t>
-            </a:r>
-            <a:r>
-              <a:rPr dirty="0" sz="1100" spc="-5" b="1">
-                <a:solidFill>
-                  <a:srgbClr val="538DD3"/>
-                </a:solidFill>
-                <a:latin typeface="Arial"/>
-                <a:cs typeface="Arial"/>
-              </a:rPr>
-              <a:t>a</a:t>
-            </a:r>
-            <a:r>
-              <a:rPr dirty="0" sz="1100" b="1">
-                <a:solidFill>
-                  <a:srgbClr val="538DD3"/>
-                </a:solidFill>
-                <a:latin typeface="Arial"/>
-                <a:cs typeface="Arial"/>
-              </a:rPr>
-              <a:t>m</a:t>
-            </a:r>
-            <a:r>
-              <a:rPr dirty="0" sz="1100" spc="-5" b="1">
-                <a:solidFill>
-                  <a:srgbClr val="538DD3"/>
-                </a:solidFill>
-                <a:latin typeface="Arial"/>
-                <a:cs typeface="Arial"/>
-              </a:rPr>
-              <a:t>u</a:t>
-            </a:r>
-            <a:r>
-              <a:rPr dirty="0" sz="1100" b="1">
-                <a:solidFill>
-                  <a:srgbClr val="538DD3"/>
-                </a:solidFill>
-                <a:latin typeface="Arial"/>
-                <a:cs typeface="Arial"/>
-              </a:rPr>
-              <a:t>.</a:t>
-            </a:r>
-            <a:r>
-              <a:rPr dirty="0" sz="1100" b="1">
-                <a:solidFill>
-                  <a:srgbClr val="538DD3"/>
-                </a:solidFill>
-                <a:latin typeface="Arial"/>
-                <a:cs typeface="Arial"/>
-              </a:rPr>
-              <a:t>	</a:t>
-            </a:r>
-            <a:r>
-              <a:rPr dirty="0" sz="1100" spc="-10" b="1">
-                <a:solidFill>
-                  <a:srgbClr val="538DD3"/>
-                </a:solidFill>
-                <a:latin typeface="Arial"/>
-                <a:cs typeface="Arial"/>
-              </a:rPr>
-              <a:t>R</a:t>
-            </a:r>
-            <a:r>
-              <a:rPr dirty="0" sz="1100" spc="-5" b="1">
-                <a:solidFill>
-                  <a:srgbClr val="538DD3"/>
-                </a:solidFill>
-                <a:latin typeface="Arial"/>
-                <a:cs typeface="Arial"/>
-              </a:rPr>
-              <a:t>a</a:t>
-            </a:r>
-            <a:r>
-              <a:rPr dirty="0" sz="1100" b="1">
-                <a:solidFill>
-                  <a:srgbClr val="538DD3"/>
-                </a:solidFill>
-                <a:latin typeface="Arial"/>
-                <a:cs typeface="Arial"/>
-              </a:rPr>
-              <a:t>mu  </a:t>
-            </a:r>
-            <a:r>
-              <a:rPr dirty="0" sz="1100" spc="-5" b="1">
-                <a:solidFill>
-                  <a:srgbClr val="538DD3"/>
-                </a:solidFill>
-                <a:latin typeface="Arial"/>
-                <a:cs typeface="Arial"/>
-              </a:rPr>
-              <a:t>returned		</a:t>
-            </a:r>
-            <a:r>
-              <a:rPr dirty="0" sz="1100" b="1">
-                <a:solidFill>
-                  <a:srgbClr val="538DD3"/>
-                </a:solidFill>
-                <a:latin typeface="Arial"/>
-                <a:cs typeface="Arial"/>
-              </a:rPr>
-              <a:t>home</a:t>
-            </a:r>
-            <a:r>
-              <a:rPr dirty="0" sz="1100" spc="-15" b="1">
-                <a:solidFill>
-                  <a:srgbClr val="538DD3"/>
-                </a:solidFill>
-                <a:latin typeface="Arial"/>
-                <a:cs typeface="Arial"/>
-              </a:rPr>
-              <a:t> </a:t>
-            </a:r>
-            <a:r>
-              <a:rPr dirty="0" sz="1100" spc="-5" b="1">
-                <a:solidFill>
-                  <a:srgbClr val="538DD3"/>
-                </a:solidFill>
-                <a:latin typeface="Arial"/>
-                <a:cs typeface="Arial"/>
+              <a:rPr sz="1100" b="1" spc="-5" dirty="0">
+                <a:solidFill>
+                  <a:srgbClr val="538DD3"/>
+                </a:solidFill>
+                <a:latin typeface="Arial" panose="020B0604020202020204"/>
+                <a:cs typeface="Arial" panose="020B0604020202020204"/>
               </a:rPr>
               <a:t>weeping.</a:t>
             </a:r>
             <a:endParaRPr sz="1100">
-              <a:latin typeface="Arial"/>
-              <a:cs typeface="Arial"/>
+              <a:latin typeface="Arial" panose="020B0604020202020204"/>
+              <a:cs typeface="Arial" panose="020B0604020202020204"/>
             </a:endParaRPr>
           </a:p>
           <a:p>
@@ -4837,8 +4914,8 @@
               </a:spcBef>
             </a:pPr>
             <a:endParaRPr sz="1550">
-              <a:latin typeface="Arial"/>
-              <a:cs typeface="Arial"/>
+              <a:latin typeface="Arial" panose="020B0604020202020204"/>
+              <a:cs typeface="Arial" panose="020B0604020202020204"/>
             </a:endParaRPr>
           </a:p>
           <a:p>
@@ -4848,88 +4925,88 @@
               </a:lnSpc>
             </a:pPr>
             <a:r>
-              <a:rPr dirty="0" sz="1100" spc="-30" b="1">
-                <a:solidFill>
-                  <a:srgbClr val="538DD3"/>
-                </a:solidFill>
-                <a:latin typeface="Arial"/>
-                <a:cs typeface="Arial"/>
+              <a:rPr sz="1100" b="1" spc="-30" dirty="0">
+                <a:solidFill>
+                  <a:srgbClr val="538DD3"/>
+                </a:solidFill>
+                <a:latin typeface="Arial" panose="020B0604020202020204"/>
+                <a:cs typeface="Arial" panose="020B0604020202020204"/>
               </a:rPr>
               <a:t>You </a:t>
             </a:r>
             <a:r>
-              <a:rPr dirty="0" sz="1100" spc="-5" b="1">
-                <a:solidFill>
-                  <a:srgbClr val="538DD3"/>
-                </a:solidFill>
-                <a:latin typeface="Arial"/>
-                <a:cs typeface="Arial"/>
+              <a:rPr sz="1100" b="1" spc="-5" dirty="0">
+                <a:solidFill>
+                  <a:srgbClr val="538DD3"/>
+                </a:solidFill>
+                <a:latin typeface="Arial" panose="020B0604020202020204"/>
+                <a:cs typeface="Arial" panose="020B0604020202020204"/>
               </a:rPr>
               <a:t>can see this story </a:t>
             </a:r>
             <a:r>
-              <a:rPr dirty="0" sz="1100" b="1">
-                <a:solidFill>
-                  <a:srgbClr val="538DD3"/>
-                </a:solidFill>
-                <a:latin typeface="Arial"/>
-                <a:cs typeface="Arial"/>
+              <a:rPr sz="1100" b="1" dirty="0">
+                <a:solidFill>
+                  <a:srgbClr val="538DD3"/>
+                </a:solidFill>
+                <a:latin typeface="Arial" panose="020B0604020202020204"/>
+                <a:cs typeface="Arial" panose="020B0604020202020204"/>
               </a:rPr>
               <a:t>in </a:t>
             </a:r>
             <a:r>
-              <a:rPr dirty="0" sz="1100" spc="-15" b="1">
-                <a:solidFill>
-                  <a:srgbClr val="538DD3"/>
-                </a:solidFill>
-                <a:latin typeface="Arial"/>
-                <a:cs typeface="Arial"/>
+              <a:rPr sz="1100" b="1" spc="-15" dirty="0">
+                <a:solidFill>
+                  <a:srgbClr val="538DD3"/>
+                </a:solidFill>
+                <a:latin typeface="Arial" panose="020B0604020202020204"/>
+                <a:cs typeface="Arial" panose="020B0604020202020204"/>
               </a:rPr>
               <a:t>Youtube </a:t>
             </a:r>
             <a:r>
-              <a:rPr dirty="0" sz="1100" b="1">
-                <a:solidFill>
-                  <a:srgbClr val="538DD3"/>
-                </a:solidFill>
-                <a:latin typeface="Arial"/>
-                <a:cs typeface="Arial"/>
+              <a:rPr sz="1100" b="1" dirty="0">
+                <a:solidFill>
+                  <a:srgbClr val="538DD3"/>
+                </a:solidFill>
+                <a:latin typeface="Arial" panose="020B0604020202020204"/>
+                <a:cs typeface="Arial" panose="020B0604020202020204"/>
               </a:rPr>
               <a:t>by </a:t>
             </a:r>
             <a:r>
-              <a:rPr dirty="0" sz="1100" spc="-5" b="1">
-                <a:solidFill>
-                  <a:srgbClr val="538DD3"/>
-                </a:solidFill>
-                <a:latin typeface="Arial"/>
-                <a:cs typeface="Arial"/>
+              <a:rPr sz="1100" b="1" spc="-5" dirty="0">
+                <a:solidFill>
+                  <a:srgbClr val="538DD3"/>
+                </a:solidFill>
+                <a:latin typeface="Arial" panose="020B0604020202020204"/>
+                <a:cs typeface="Arial" panose="020B0604020202020204"/>
               </a:rPr>
               <a:t>scan this bar</a:t>
             </a:r>
             <a:r>
-              <a:rPr dirty="0" sz="1100" spc="-15" b="1">
-                <a:solidFill>
-                  <a:srgbClr val="538DD3"/>
-                </a:solidFill>
-                <a:latin typeface="Arial"/>
-                <a:cs typeface="Arial"/>
+              <a:rPr sz="1100" b="1" spc="-15" dirty="0">
+                <a:solidFill>
+                  <a:srgbClr val="538DD3"/>
+                </a:solidFill>
+                <a:latin typeface="Arial" panose="020B0604020202020204"/>
+                <a:cs typeface="Arial" panose="020B0604020202020204"/>
               </a:rPr>
               <a:t> </a:t>
             </a:r>
             <a:r>
-              <a:rPr dirty="0" sz="1100" spc="-5" b="1">
-                <a:solidFill>
-                  <a:srgbClr val="538DD3"/>
-                </a:solidFill>
-                <a:latin typeface="Arial"/>
-                <a:cs typeface="Arial"/>
+              <a:rPr sz="1100" b="1" spc="-5" dirty="0">
+                <a:solidFill>
+                  <a:srgbClr val="538DD3"/>
+                </a:solidFill>
+                <a:latin typeface="Arial" panose="020B0604020202020204"/>
+                <a:cs typeface="Arial" panose="020B0604020202020204"/>
               </a:rPr>
               <a:t>code</a:t>
             </a:r>
             <a:endParaRPr sz="1100">
-              <a:latin typeface="Arial"/>
-              <a:cs typeface="Arial"/>
+              <a:latin typeface="Arial" panose="020B0604020202020204"/>
+              <a:cs typeface="Arial" panose="020B0604020202020204"/>
             </a:endParaRPr>
           </a:p>
         </p:txBody>
@@ -4949,7 +5026,7 @@
             <a:avLst/>
           </a:prstGeom>
           <a:blipFill>
-            <a:blip r:embed="rId2" cstate="print"/>
+            <a:blip r:embed="rId1" cstate="print"/>
             <a:stretch>
               <a:fillRect/>
             </a:stretch>
@@ -4977,7 +5054,7 @@
           </a:prstGeom>
         </p:spPr>
         <p:txBody>
-          <a:bodyPr wrap="square" lIns="0" tIns="13335" rIns="0" bIns="0" rtlCol="0" vert="horz">
+          <a:bodyPr vert="horz" wrap="square" lIns="0" tIns="13335" rIns="0" bIns="0" rtlCol="0">
             <a:spAutoFit/>
           </a:bodyPr>
           <a:lstStyle/>
@@ -4991,18 +5068,18 @@
               </a:spcBef>
             </a:pPr>
             <a:r>
-              <a:rPr dirty="0" sz="1100" spc="-5" b="1">
-                <a:solidFill>
-                  <a:srgbClr val="538DD3"/>
-                </a:solidFill>
-                <a:latin typeface="Arial"/>
-                <a:cs typeface="Arial"/>
+              <a:rPr sz="1100" b="1" spc="-5" dirty="0">
+                <a:solidFill>
+                  <a:srgbClr val="538DD3"/>
+                </a:solidFill>
+                <a:latin typeface="Arial" panose="020B0604020202020204"/>
+                <a:cs typeface="Arial" panose="020B0604020202020204"/>
               </a:rPr>
               <a:t>https://youtu.be/872dUydu-AI</a:t>
             </a:r>
             <a:endParaRPr sz="1100">
-              <a:latin typeface="Arial"/>
-              <a:cs typeface="Arial"/>
+              <a:latin typeface="Arial" panose="020B0604020202020204"/>
+              <a:cs typeface="Arial" panose="020B0604020202020204"/>
             </a:endParaRPr>
           </a:p>
         </p:txBody>
@@ -5293,7 +5370,10 @@
       </a:bgFillStyleLst>
     </a:fmtScheme>
   </a:themeElements>
-  <a:objectDefaults/>
-  <a:extraClrSchemeLst/>
+  <a:extLst>
+    <a:ext uri="{05A4C25C-085E-4340-85A3-A5531E510DB2}">
+      <thm15:themeFamily xmlns:thm15="http://schemas.microsoft.com/office/thememl/2012/main" name="Office Theme" id="{62F939B6-93AF-4DB8-9C6B-D6C7DFDC589F}" vid="{4A3C46E8-61CC-4603-A589-7422A47A8E4A}"/>
+    </a:ext>
+  </a:extLst>
 </a:theme>
 </file>